--- a/project-1.pptx
+++ b/project-1.pptx
@@ -1,37 +1,37 @@
 
 <file path=ppt/presentation.xml><?xml version="1.0" encoding="utf-8"?>
-<p:presentation xmlns:a="http://schemas.openxmlformats.org/drawingml/2006/main" xmlns:r="http://schemas.openxmlformats.org/officeDocument/2006/relationships" xmlns:mc="http://schemas.openxmlformats.org/markup-compatibility/2006" xmlns:mv="urn:schemas-microsoft-com:mac:vml" xmlns:p="http://schemas.openxmlformats.org/presentationml/2006/main" xmlns:c="http://schemas.openxmlformats.org/drawingml/2006/chart" xmlns:dgm="http://schemas.openxmlformats.org/drawingml/2006/diagram" xmlns:o="urn:schemas-microsoft-com:office:office" xmlns:v="urn:schemas-microsoft-com:vml" xmlns:pvml="urn:schemas-microsoft-com:office:powerpoint" xmlns:com="http://schemas.openxmlformats.org/drawingml/2006/compatibility" xmlns:p14="http://schemas.microsoft.com/office/powerpoint/2010/main" xmlns:p15="http://schemas.microsoft.com/office/powerpoint/2012/main" xmlns:ahyp="http://schemas.microsoft.com/office/drawing/2018/hyperlinkcolor" autoCompressPictures="0" embedTrueTypeFonts="1" strictFirstAndLastChars="0" saveSubsetFonts="1">
+<p:presentation xmlns:a="http://schemas.openxmlformats.org/drawingml/2006/main" xmlns:r="http://schemas.openxmlformats.org/officeDocument/2006/relationships" xmlns:p="http://schemas.openxmlformats.org/presentationml/2006/main" strictFirstAndLastChars="0" embedTrueTypeFonts="1" saveSubsetFonts="1" autoCompressPictures="0">
   <p:sldMasterIdLst>
-    <p:sldMasterId id="2147483659" r:id="rId4"/>
+    <p:sldMasterId id="2147483659" r:id="rId1"/>
   </p:sldMasterIdLst>
   <p:notesMasterIdLst>
-    <p:notesMasterId r:id="rId5"/>
+    <p:notesMasterId r:id="rId12"/>
   </p:notesMasterIdLst>
   <p:sldIdLst>
-    <p:sldId id="256" r:id="rId6"/>
-    <p:sldId id="257" r:id="rId7"/>
-    <p:sldId id="258" r:id="rId8"/>
-    <p:sldId id="259" r:id="rId9"/>
-    <p:sldId id="260" r:id="rId10"/>
-    <p:sldId id="261" r:id="rId11"/>
-    <p:sldId id="262" r:id="rId12"/>
-    <p:sldId id="263" r:id="rId13"/>
-    <p:sldId id="264" r:id="rId14"/>
-    <p:sldId id="265" r:id="rId15"/>
+    <p:sldId id="256" r:id="rId2"/>
+    <p:sldId id="257" r:id="rId3"/>
+    <p:sldId id="258" r:id="rId4"/>
+    <p:sldId id="259" r:id="rId5"/>
+    <p:sldId id="260" r:id="rId6"/>
+    <p:sldId id="261" r:id="rId7"/>
+    <p:sldId id="262" r:id="rId8"/>
+    <p:sldId id="263" r:id="rId9"/>
+    <p:sldId id="264" r:id="rId10"/>
+    <p:sldId id="265" r:id="rId11"/>
   </p:sldIdLst>
-  <p:sldSz cy="5143500" cx="9144000"/>
+  <p:sldSz cx="9144000" cy="5143500" type="screen16x9"/>
   <p:notesSz cx="6858000" cy="9144000"/>
   <p:embeddedFontLst>
     <p:embeddedFont>
-      <p:font typeface="Roboto"/>
-      <p:regular r:id="rId16"/>
-      <p:bold r:id="rId17"/>
-      <p:italic r:id="rId18"/>
-      <p:boldItalic r:id="rId19"/>
+      <p:font typeface="Roboto" panose="02000000000000000000" pitchFamily="2" charset="0"/>
+      <p:regular r:id="rId13"/>
+      <p:bold r:id="rId14"/>
+      <p:italic r:id="rId15"/>
+      <p:boldItalic r:id="rId16"/>
     </p:embeddedFont>
   </p:embeddedFontLst>
   <p:defaultTextStyle>
-    <a:defPPr lvl="0" marR="0" rtl="0" algn="l">
+    <a:defPPr marR="0" lvl="0" algn="l" rtl="0">
       <a:lnSpc>
         <a:spcPct val="100000"/>
       </a:lnSpc>
@@ -42,7 +42,7 @@
         <a:spcPts val="0"/>
       </a:spcAft>
     </a:defPPr>
-    <a:lvl1pPr lvl="0" marR="0" rtl="0" algn="l">
+    <a:lvl1pPr marR="0" lvl="0" algn="l" rtl="0">
       <a:lnSpc>
         <a:spcPct val="100000"/>
       </a:lnSpc>
@@ -56,7 +56,7 @@
         <a:srgbClr val="000000"/>
       </a:buClr>
       <a:buFont typeface="Arial"/>
-      <a:defRPr b="0" i="0" sz="1400" u="none" cap="none" strike="noStrike">
+      <a:defRPr sz="1400" b="0" i="0" u="none" strike="noStrike" cap="none">
         <a:solidFill>
           <a:srgbClr val="000000"/>
         </a:solidFill>
@@ -66,7 +66,7 @@
         <a:sym typeface="Arial"/>
       </a:defRPr>
     </a:lvl1pPr>
-    <a:lvl2pPr lvl="1" marR="0" rtl="0" algn="l">
+    <a:lvl2pPr marR="0" lvl="1" algn="l" rtl="0">
       <a:lnSpc>
         <a:spcPct val="100000"/>
       </a:lnSpc>
@@ -80,7 +80,7 @@
         <a:srgbClr val="000000"/>
       </a:buClr>
       <a:buFont typeface="Arial"/>
-      <a:defRPr b="0" i="0" sz="1400" u="none" cap="none" strike="noStrike">
+      <a:defRPr sz="1400" b="0" i="0" u="none" strike="noStrike" cap="none">
         <a:solidFill>
           <a:srgbClr val="000000"/>
         </a:solidFill>
@@ -90,7 +90,7 @@
         <a:sym typeface="Arial"/>
       </a:defRPr>
     </a:lvl2pPr>
-    <a:lvl3pPr lvl="2" marR="0" rtl="0" algn="l">
+    <a:lvl3pPr marR="0" lvl="2" algn="l" rtl="0">
       <a:lnSpc>
         <a:spcPct val="100000"/>
       </a:lnSpc>
@@ -104,7 +104,7 @@
         <a:srgbClr val="000000"/>
       </a:buClr>
       <a:buFont typeface="Arial"/>
-      <a:defRPr b="0" i="0" sz="1400" u="none" cap="none" strike="noStrike">
+      <a:defRPr sz="1400" b="0" i="0" u="none" strike="noStrike" cap="none">
         <a:solidFill>
           <a:srgbClr val="000000"/>
         </a:solidFill>
@@ -114,7 +114,7 @@
         <a:sym typeface="Arial"/>
       </a:defRPr>
     </a:lvl3pPr>
-    <a:lvl4pPr lvl="3" marR="0" rtl="0" algn="l">
+    <a:lvl4pPr marR="0" lvl="3" algn="l" rtl="0">
       <a:lnSpc>
         <a:spcPct val="100000"/>
       </a:lnSpc>
@@ -128,7 +128,7 @@
         <a:srgbClr val="000000"/>
       </a:buClr>
       <a:buFont typeface="Arial"/>
-      <a:defRPr b="0" i="0" sz="1400" u="none" cap="none" strike="noStrike">
+      <a:defRPr sz="1400" b="0" i="0" u="none" strike="noStrike" cap="none">
         <a:solidFill>
           <a:srgbClr val="000000"/>
         </a:solidFill>
@@ -138,7 +138,7 @@
         <a:sym typeface="Arial"/>
       </a:defRPr>
     </a:lvl4pPr>
-    <a:lvl5pPr lvl="4" marR="0" rtl="0" algn="l">
+    <a:lvl5pPr marR="0" lvl="4" algn="l" rtl="0">
       <a:lnSpc>
         <a:spcPct val="100000"/>
       </a:lnSpc>
@@ -152,7 +152,7 @@
         <a:srgbClr val="000000"/>
       </a:buClr>
       <a:buFont typeface="Arial"/>
-      <a:defRPr b="0" i="0" sz="1400" u="none" cap="none" strike="noStrike">
+      <a:defRPr sz="1400" b="0" i="0" u="none" strike="noStrike" cap="none">
         <a:solidFill>
           <a:srgbClr val="000000"/>
         </a:solidFill>
@@ -162,7 +162,7 @@
         <a:sym typeface="Arial"/>
       </a:defRPr>
     </a:lvl5pPr>
-    <a:lvl6pPr lvl="5" marR="0" rtl="0" algn="l">
+    <a:lvl6pPr marR="0" lvl="5" algn="l" rtl="0">
       <a:lnSpc>
         <a:spcPct val="100000"/>
       </a:lnSpc>
@@ -176,7 +176,7 @@
         <a:srgbClr val="000000"/>
       </a:buClr>
       <a:buFont typeface="Arial"/>
-      <a:defRPr b="0" i="0" sz="1400" u="none" cap="none" strike="noStrike">
+      <a:defRPr sz="1400" b="0" i="0" u="none" strike="noStrike" cap="none">
         <a:solidFill>
           <a:srgbClr val="000000"/>
         </a:solidFill>
@@ -186,7 +186,7 @@
         <a:sym typeface="Arial"/>
       </a:defRPr>
     </a:lvl6pPr>
-    <a:lvl7pPr lvl="6" marR="0" rtl="0" algn="l">
+    <a:lvl7pPr marR="0" lvl="6" algn="l" rtl="0">
       <a:lnSpc>
         <a:spcPct val="100000"/>
       </a:lnSpc>
@@ -200,7 +200,7 @@
         <a:srgbClr val="000000"/>
       </a:buClr>
       <a:buFont typeface="Arial"/>
-      <a:defRPr b="0" i="0" sz="1400" u="none" cap="none" strike="noStrike">
+      <a:defRPr sz="1400" b="0" i="0" u="none" strike="noStrike" cap="none">
         <a:solidFill>
           <a:srgbClr val="000000"/>
         </a:solidFill>
@@ -210,7 +210,7 @@
         <a:sym typeface="Arial"/>
       </a:defRPr>
     </a:lvl7pPr>
-    <a:lvl8pPr lvl="7" marR="0" rtl="0" algn="l">
+    <a:lvl8pPr marR="0" lvl="7" algn="l" rtl="0">
       <a:lnSpc>
         <a:spcPct val="100000"/>
       </a:lnSpc>
@@ -224,7 +224,7 @@
         <a:srgbClr val="000000"/>
       </a:buClr>
       <a:buFont typeface="Arial"/>
-      <a:defRPr b="0" i="0" sz="1400" u="none" cap="none" strike="noStrike">
+      <a:defRPr sz="1400" b="0" i="0" u="none" strike="noStrike" cap="none">
         <a:solidFill>
           <a:srgbClr val="000000"/>
         </a:solidFill>
@@ -234,7 +234,7 @@
         <a:sym typeface="Arial"/>
       </a:defRPr>
     </a:lvl8pPr>
-    <a:lvl9pPr lvl="8" marR="0" rtl="0" algn="l">
+    <a:lvl9pPr marR="0" lvl="8" algn="l" rtl="0">
       <a:lnSpc>
         <a:spcPct val="100000"/>
       </a:lnSpc>
@@ -248,7 +248,7 @@
         <a:srgbClr val="000000"/>
       </a:buClr>
       <a:buFont typeface="Arial"/>
-      <a:defRPr b="0" i="0" sz="1400" u="none" cap="none" strike="noStrike">
+      <a:defRPr sz="1400" b="0" i="0" u="none" strike="noStrike" cap="none">
         <a:solidFill>
           <a:srgbClr val="000000"/>
         </a:solidFill>
@@ -261,7 +261,7 @@
   </p:defaultTextStyle>
   <p:extLst>
     <p:ext uri="{EFAFB233-063F-42B5-8137-9DF3F51BA10A}">
-      <p15:sldGuideLst>
+      <p15:sldGuideLst xmlns:p15="http://schemas.microsoft.com/office/powerpoint/2012/main">
         <p15:guide id="1" orient="horz" pos="1620">
           <p15:clr>
             <a:srgbClr val="A4A3A4"/>
@@ -279,11 +279,16 @@
 </file>
 
 <file path=ppt/notesMasters/notesMaster1.xml><?xml version="1.0" encoding="utf-8"?>
-<p:notesMaster xmlns:a="http://schemas.openxmlformats.org/drawingml/2006/main" xmlns:r="http://schemas.openxmlformats.org/officeDocument/2006/relationships" xmlns:mc="http://schemas.openxmlformats.org/markup-compatibility/2006" xmlns:mv="urn:schemas-microsoft-com:mac:vml" xmlns:p="http://schemas.openxmlformats.org/presentationml/2006/main" xmlns:c="http://schemas.openxmlformats.org/drawingml/2006/chart" xmlns:dgm="http://schemas.openxmlformats.org/drawingml/2006/diagram" xmlns:o="urn:schemas-microsoft-com:office:office" xmlns:v="urn:schemas-microsoft-com:vml" xmlns:pvml="urn:schemas-microsoft-com:office:powerpoint" xmlns:com="http://schemas.openxmlformats.org/drawingml/2006/compatibility" xmlns:p14="http://schemas.microsoft.com/office/powerpoint/2010/main" xmlns:p15="http://schemas.microsoft.com/office/powerpoint/2012/main" xmlns:ahyp="http://schemas.microsoft.com/office/drawing/2018/hyperlinkcolor">
+<p:notesMaster xmlns:a="http://schemas.openxmlformats.org/drawingml/2006/main" xmlns:r="http://schemas.openxmlformats.org/officeDocument/2006/relationships" xmlns:p="http://schemas.openxmlformats.org/presentationml/2006/main">
   <p:cSld>
+    <p:bg>
+      <p:bgRef idx="1001">
+        <a:schemeClr val="bg1"/>
+      </p:bgRef>
+    </p:bg>
     <p:spTree>
       <p:nvGrpSpPr>
-        <p:cNvPr id="2" name="Shape 2"/>
+        <p:cNvPr id="1" name="Shape 2"/>
         <p:cNvGrpSpPr/>
         <p:nvPr/>
       </p:nvGrpSpPr>
@@ -298,9 +303,11 @@
       <p:sp>
         <p:nvSpPr>
           <p:cNvPr id="3" name="Google Shape;3;n"/>
-          <p:cNvSpPr/>
+          <p:cNvSpPr>
+            <a:spLocks noGrp="1" noRot="1" noChangeAspect="1"/>
+          </p:cNvSpPr>
           <p:nvPr>
-            <p:ph idx="2" type="sldImg"/>
+            <p:ph type="sldImg" idx="2"/>
           </p:nvPr>
         </p:nvSpPr>
         <p:spPr>
@@ -309,9 +316,13 @@
             <a:ext cx="6096075" cy="3429000"/>
           </a:xfrm>
           <a:custGeom>
-            <a:rect b="b" l="l" r="r" t="t"/>
+            <a:avLst/>
+            <a:gdLst/>
+            <a:ahLst/>
+            <a:cxnLst/>
+            <a:rect l="l" t="t" r="r" b="b"/>
             <a:pathLst>
-              <a:path extrusionOk="0" h="120000" w="120000">
+              <a:path w="120000" h="120000" extrusionOk="0">
                 <a:moveTo>
                   <a:pt x="0" y="0"/>
                 </a:moveTo>
@@ -329,23 +340,25 @@
             </a:pathLst>
           </a:custGeom>
           <a:noFill/>
-          <a:ln cap="flat" cmpd="sng" w="9525">
+          <a:ln w="9525" cap="flat" cmpd="sng">
             <a:solidFill>
               <a:srgbClr val="000000"/>
             </a:solidFill>
             <a:prstDash val="solid"/>
             <a:round/>
-            <a:headEnd len="sm" w="sm" type="none"/>
-            <a:tailEnd len="sm" w="sm" type="none"/>
+            <a:headEnd type="none" w="sm" len="sm"/>
+            <a:tailEnd type="none" w="sm" len="sm"/>
           </a:ln>
         </p:spPr>
       </p:sp>
       <p:sp>
         <p:nvSpPr>
           <p:cNvPr id="4" name="Google Shape;4;n"/>
-          <p:cNvSpPr txBox="1"/>
+          <p:cNvSpPr txBox="1">
+            <a:spLocks noGrp="1"/>
+          </p:cNvSpPr>
           <p:nvPr>
-            <p:ph idx="1" type="body"/>
+            <p:ph type="body" idx="1"/>
           </p:nvPr>
         </p:nvSpPr>
         <p:spPr>
@@ -362,11 +375,11 @@
           </a:ln>
         </p:spPr>
         <p:txBody>
-          <a:bodyPr anchorCtr="0" anchor="t" bIns="91425" lIns="91425" spcFirstLastPara="1" rIns="91425" wrap="square" tIns="91425">
+          <a:bodyPr spcFirstLastPara="1" wrap="square" lIns="91425" tIns="91425" rIns="91425" bIns="91425" anchor="t" anchorCtr="0">
             <a:noAutofit/>
           </a:bodyPr>
           <a:lstStyle>
-            <a:lvl1pPr indent="-317500" lvl="0" marL="457200">
+            <a:lvl1pPr marL="457200" lvl="0" indent="-317500">
               <a:spcBef>
                 <a:spcPts val="0"/>
               </a:spcBef>
@@ -377,7 +390,7 @@
               <a:buChar char="●"/>
               <a:defRPr sz="1100"/>
             </a:lvl1pPr>
-            <a:lvl2pPr indent="-317500" lvl="1" marL="914400">
+            <a:lvl2pPr marL="914400" lvl="1" indent="-317500">
               <a:spcBef>
                 <a:spcPts val="0"/>
               </a:spcBef>
@@ -388,7 +401,7 @@
               <a:buChar char="○"/>
               <a:defRPr sz="1100"/>
             </a:lvl2pPr>
-            <a:lvl3pPr indent="-317500" lvl="2" marL="1371600">
+            <a:lvl3pPr marL="1371600" lvl="2" indent="-317500">
               <a:spcBef>
                 <a:spcPts val="0"/>
               </a:spcBef>
@@ -399,7 +412,7 @@
               <a:buChar char="■"/>
               <a:defRPr sz="1100"/>
             </a:lvl3pPr>
-            <a:lvl4pPr indent="-317500" lvl="3" marL="1828800">
+            <a:lvl4pPr marL="1828800" lvl="3" indent="-317500">
               <a:spcBef>
                 <a:spcPts val="0"/>
               </a:spcBef>
@@ -410,7 +423,7 @@
               <a:buChar char="●"/>
               <a:defRPr sz="1100"/>
             </a:lvl4pPr>
-            <a:lvl5pPr indent="-317500" lvl="4" marL="2286000">
+            <a:lvl5pPr marL="2286000" lvl="4" indent="-317500">
               <a:spcBef>
                 <a:spcPts val="0"/>
               </a:spcBef>
@@ -421,7 +434,7 @@
               <a:buChar char="○"/>
               <a:defRPr sz="1100"/>
             </a:lvl5pPr>
-            <a:lvl6pPr indent="-317500" lvl="5" marL="2743200">
+            <a:lvl6pPr marL="2743200" lvl="5" indent="-317500">
               <a:spcBef>
                 <a:spcPts val="0"/>
               </a:spcBef>
@@ -432,7 +445,7 @@
               <a:buChar char="■"/>
               <a:defRPr sz="1100"/>
             </a:lvl6pPr>
-            <a:lvl7pPr indent="-317500" lvl="6" marL="3200400">
+            <a:lvl7pPr marL="3200400" lvl="6" indent="-317500">
               <a:spcBef>
                 <a:spcPts val="0"/>
               </a:spcBef>
@@ -443,7 +456,7 @@
               <a:buChar char="●"/>
               <a:defRPr sz="1100"/>
             </a:lvl7pPr>
-            <a:lvl8pPr indent="-317500" lvl="7" marL="3657600">
+            <a:lvl8pPr marL="3657600" lvl="7" indent="-317500">
               <a:spcBef>
                 <a:spcPts val="0"/>
               </a:spcBef>
@@ -454,7 +467,7 @@
               <a:buChar char="○"/>
               <a:defRPr sz="1100"/>
             </a:lvl8pPr>
-            <a:lvl9pPr indent="-317500" lvl="8" marL="4114800">
+            <a:lvl9pPr marL="4114800" lvl="8" indent="-317500">
               <a:spcBef>
                 <a:spcPts val="0"/>
               </a:spcBef>
@@ -466,14 +479,16 @@
               <a:defRPr sz="1100"/>
             </a:lvl9pPr>
           </a:lstStyle>
-          <a:p/>
+          <a:p>
+            <a:endParaRPr/>
+          </a:p>
         </p:txBody>
       </p:sp>
     </p:spTree>
   </p:cSld>
-  <p:clrMap accent1="accent1" accent2="accent2" accent3="accent3" accent4="accent4" accent5="accent5" accent6="accent6" bg1="lt1" bg2="dk2" tx1="dk1" tx2="lt2" folHlink="folHlink" hlink="hlink"/>
+  <p:clrMap bg1="lt1" tx1="dk1" bg2="dk2" tx2="lt2" accent1="accent1" accent2="accent2" accent3="accent3" accent4="accent4" accent5="accent5" accent6="accent6" hlink="hlink" folHlink="folHlink"/>
   <p:notesStyle>
-    <a:defPPr lvl="0" marR="0" rtl="0" algn="l">
+    <a:defPPr marR="0" lvl="0" algn="l" rtl="0">
       <a:lnSpc>
         <a:spcPct val="100000"/>
       </a:lnSpc>
@@ -484,7 +499,7 @@
         <a:spcPts val="0"/>
       </a:spcAft>
     </a:defPPr>
-    <a:lvl1pPr lvl="0" marR="0" rtl="0" algn="l">
+    <a:lvl1pPr marR="0" lvl="0" algn="l" rtl="0">
       <a:lnSpc>
         <a:spcPct val="100000"/>
       </a:lnSpc>
@@ -498,7 +513,7 @@
         <a:srgbClr val="000000"/>
       </a:buClr>
       <a:buFont typeface="Arial"/>
-      <a:defRPr b="0" i="0" sz="1400" u="none" cap="none" strike="noStrike">
+      <a:defRPr sz="1400" b="0" i="0" u="none" strike="noStrike" cap="none">
         <a:solidFill>
           <a:srgbClr val="000000"/>
         </a:solidFill>
@@ -508,7 +523,7 @@
         <a:sym typeface="Arial"/>
       </a:defRPr>
     </a:lvl1pPr>
-    <a:lvl2pPr lvl="1" marR="0" rtl="0" algn="l">
+    <a:lvl2pPr marR="0" lvl="1" algn="l" rtl="0">
       <a:lnSpc>
         <a:spcPct val="100000"/>
       </a:lnSpc>
@@ -522,7 +537,7 @@
         <a:srgbClr val="000000"/>
       </a:buClr>
       <a:buFont typeface="Arial"/>
-      <a:defRPr b="0" i="0" sz="1400" u="none" cap="none" strike="noStrike">
+      <a:defRPr sz="1400" b="0" i="0" u="none" strike="noStrike" cap="none">
         <a:solidFill>
           <a:srgbClr val="000000"/>
         </a:solidFill>
@@ -532,7 +547,7 @@
         <a:sym typeface="Arial"/>
       </a:defRPr>
     </a:lvl2pPr>
-    <a:lvl3pPr lvl="2" marR="0" rtl="0" algn="l">
+    <a:lvl3pPr marR="0" lvl="2" algn="l" rtl="0">
       <a:lnSpc>
         <a:spcPct val="100000"/>
       </a:lnSpc>
@@ -546,7 +561,7 @@
         <a:srgbClr val="000000"/>
       </a:buClr>
       <a:buFont typeface="Arial"/>
-      <a:defRPr b="0" i="0" sz="1400" u="none" cap="none" strike="noStrike">
+      <a:defRPr sz="1400" b="0" i="0" u="none" strike="noStrike" cap="none">
         <a:solidFill>
           <a:srgbClr val="000000"/>
         </a:solidFill>
@@ -556,7 +571,7 @@
         <a:sym typeface="Arial"/>
       </a:defRPr>
     </a:lvl3pPr>
-    <a:lvl4pPr lvl="3" marR="0" rtl="0" algn="l">
+    <a:lvl4pPr marR="0" lvl="3" algn="l" rtl="0">
       <a:lnSpc>
         <a:spcPct val="100000"/>
       </a:lnSpc>
@@ -570,7 +585,7 @@
         <a:srgbClr val="000000"/>
       </a:buClr>
       <a:buFont typeface="Arial"/>
-      <a:defRPr b="0" i="0" sz="1400" u="none" cap="none" strike="noStrike">
+      <a:defRPr sz="1400" b="0" i="0" u="none" strike="noStrike" cap="none">
         <a:solidFill>
           <a:srgbClr val="000000"/>
         </a:solidFill>
@@ -580,7 +595,7 @@
         <a:sym typeface="Arial"/>
       </a:defRPr>
     </a:lvl4pPr>
-    <a:lvl5pPr lvl="4" marR="0" rtl="0" algn="l">
+    <a:lvl5pPr marR="0" lvl="4" algn="l" rtl="0">
       <a:lnSpc>
         <a:spcPct val="100000"/>
       </a:lnSpc>
@@ -594,7 +609,7 @@
         <a:srgbClr val="000000"/>
       </a:buClr>
       <a:buFont typeface="Arial"/>
-      <a:defRPr b="0" i="0" sz="1400" u="none" cap="none" strike="noStrike">
+      <a:defRPr sz="1400" b="0" i="0" u="none" strike="noStrike" cap="none">
         <a:solidFill>
           <a:srgbClr val="000000"/>
         </a:solidFill>
@@ -604,7 +619,7 @@
         <a:sym typeface="Arial"/>
       </a:defRPr>
     </a:lvl5pPr>
-    <a:lvl6pPr lvl="5" marR="0" rtl="0" algn="l">
+    <a:lvl6pPr marR="0" lvl="5" algn="l" rtl="0">
       <a:lnSpc>
         <a:spcPct val="100000"/>
       </a:lnSpc>
@@ -618,7 +633,7 @@
         <a:srgbClr val="000000"/>
       </a:buClr>
       <a:buFont typeface="Arial"/>
-      <a:defRPr b="0" i="0" sz="1400" u="none" cap="none" strike="noStrike">
+      <a:defRPr sz="1400" b="0" i="0" u="none" strike="noStrike" cap="none">
         <a:solidFill>
           <a:srgbClr val="000000"/>
         </a:solidFill>
@@ -628,7 +643,7 @@
         <a:sym typeface="Arial"/>
       </a:defRPr>
     </a:lvl6pPr>
-    <a:lvl7pPr lvl="6" marR="0" rtl="0" algn="l">
+    <a:lvl7pPr marR="0" lvl="6" algn="l" rtl="0">
       <a:lnSpc>
         <a:spcPct val="100000"/>
       </a:lnSpc>
@@ -642,7 +657,7 @@
         <a:srgbClr val="000000"/>
       </a:buClr>
       <a:buFont typeface="Arial"/>
-      <a:defRPr b="0" i="0" sz="1400" u="none" cap="none" strike="noStrike">
+      <a:defRPr sz="1400" b="0" i="0" u="none" strike="noStrike" cap="none">
         <a:solidFill>
           <a:srgbClr val="000000"/>
         </a:solidFill>
@@ -652,7 +667,7 @@
         <a:sym typeface="Arial"/>
       </a:defRPr>
     </a:lvl7pPr>
-    <a:lvl8pPr lvl="7" marR="0" rtl="0" algn="l">
+    <a:lvl8pPr marR="0" lvl="7" algn="l" rtl="0">
       <a:lnSpc>
         <a:spcPct val="100000"/>
       </a:lnSpc>
@@ -666,7 +681,7 @@
         <a:srgbClr val="000000"/>
       </a:buClr>
       <a:buFont typeface="Arial"/>
-      <a:defRPr b="0" i="0" sz="1400" u="none" cap="none" strike="noStrike">
+      <a:defRPr sz="1400" b="0" i="0" u="none" strike="noStrike" cap="none">
         <a:solidFill>
           <a:srgbClr val="000000"/>
         </a:solidFill>
@@ -676,7 +691,7 @@
         <a:sym typeface="Arial"/>
       </a:defRPr>
     </a:lvl8pPr>
-    <a:lvl9pPr lvl="8" marR="0" rtl="0" algn="l">
+    <a:lvl9pPr marR="0" lvl="8" algn="l" rtl="0">
       <a:lnSpc>
         <a:spcPct val="100000"/>
       </a:lnSpc>
@@ -690,7 +705,7 @@
         <a:srgbClr val="000000"/>
       </a:buClr>
       <a:buFont typeface="Arial"/>
-      <a:defRPr b="0" i="0" sz="1400" u="none" cap="none" strike="noStrike">
+      <a:defRPr sz="1400" b="0" i="0" u="none" strike="noStrike" cap="none">
         <a:solidFill>
           <a:srgbClr val="000000"/>
         </a:solidFill>
@@ -705,11 +720,11 @@
 </file>
 
 <file path=ppt/notesSlides/notesSlide1.xml><?xml version="1.0" encoding="utf-8"?>
-<p:notes xmlns:a="http://schemas.openxmlformats.org/drawingml/2006/main" xmlns:r="http://schemas.openxmlformats.org/officeDocument/2006/relationships" xmlns:mc="http://schemas.openxmlformats.org/markup-compatibility/2006" xmlns:mv="urn:schemas-microsoft-com:mac:vml" xmlns:p="http://schemas.openxmlformats.org/presentationml/2006/main" xmlns:c="http://schemas.openxmlformats.org/drawingml/2006/chart" xmlns:dgm="http://schemas.openxmlformats.org/drawingml/2006/diagram" xmlns:o="urn:schemas-microsoft-com:office:office" xmlns:v="urn:schemas-microsoft-com:vml" xmlns:pvml="urn:schemas-microsoft-com:office:powerpoint" xmlns:com="http://schemas.openxmlformats.org/drawingml/2006/compatibility" xmlns:p14="http://schemas.microsoft.com/office/powerpoint/2010/main" xmlns:p15="http://schemas.microsoft.com/office/powerpoint/2012/main" xmlns:ahyp="http://schemas.microsoft.com/office/drawing/2018/hyperlinkcolor" showMasterPhAnim="0" showMasterSp="0">
+<p:notes xmlns:a="http://schemas.openxmlformats.org/drawingml/2006/main" xmlns:r="http://schemas.openxmlformats.org/officeDocument/2006/relationships" xmlns:p="http://schemas.openxmlformats.org/presentationml/2006/main" showMasterSp="0" showMasterPhAnim="0">
   <p:cSld>
     <p:spTree>
       <p:nvGrpSpPr>
-        <p:cNvPr id="63" name="Shape 63"/>
+        <p:cNvPr id="1" name="Shape 63"/>
         <p:cNvGrpSpPr/>
         <p:nvPr/>
       </p:nvGrpSpPr>
@@ -724,20 +739,26 @@
       <p:sp>
         <p:nvSpPr>
           <p:cNvPr id="64" name="Google Shape;64;gd9c453428_0_16:notes"/>
-          <p:cNvSpPr/>
+          <p:cNvSpPr>
+            <a:spLocks noGrp="1" noRot="1" noChangeAspect="1"/>
+          </p:cNvSpPr>
           <p:nvPr>
-            <p:ph idx="2" type="sldImg"/>
+            <p:ph type="sldImg" idx="2"/>
           </p:nvPr>
         </p:nvSpPr>
         <p:spPr>
           <a:xfrm>
-            <a:off x="381300" y="685800"/>
+            <a:off x="381000" y="685800"/>
             <a:ext cx="6096000" cy="3429000"/>
           </a:xfrm>
           <a:custGeom>
-            <a:rect b="b" l="l" r="r" t="t"/>
+            <a:avLst/>
+            <a:gdLst/>
+            <a:ahLst/>
+            <a:cxnLst/>
+            <a:rect l="l" t="t" r="r" b="b"/>
             <a:pathLst>
-              <a:path extrusionOk="0" h="120000" w="120000">
+              <a:path w="120000" h="120000" extrusionOk="0">
                 <a:moveTo>
                   <a:pt x="0" y="0"/>
                 </a:moveTo>
@@ -759,9 +780,11 @@
       <p:sp>
         <p:nvSpPr>
           <p:cNvPr id="65" name="Google Shape;65;gd9c453428_0_16:notes"/>
-          <p:cNvSpPr txBox="1"/>
+          <p:cNvSpPr txBox="1">
+            <a:spLocks noGrp="1"/>
+          </p:cNvSpPr>
           <p:nvPr>
-            <p:ph idx="1" type="body"/>
+            <p:ph type="body" idx="1"/>
           </p:nvPr>
         </p:nvSpPr>
         <p:spPr>
@@ -774,23 +797,20 @@
           </a:prstGeom>
         </p:spPr>
         <p:txBody>
-          <a:bodyPr anchorCtr="0" anchor="t" bIns="91425" lIns="91425" spcFirstLastPara="1" rIns="91425" wrap="square" tIns="91425">
+          <a:bodyPr spcFirstLastPara="1" wrap="square" lIns="91425" tIns="91425" rIns="91425" bIns="91425" anchor="t" anchorCtr="0">
             <a:noAutofit/>
           </a:bodyPr>
           <a:lstStyle/>
           <a:p>
-            <a:pPr indent="0" lvl="0" marL="0" rtl="0" algn="l">
-              <a:spcBef>
-                <a:spcPts val="0"/>
-              </a:spcBef>
-              <a:spcAft>
-                <a:spcPts val="0"/>
-              </a:spcAft>
-              <a:buNone/>
-            </a:pPr>
-            <a:r>
-              <a:t/>
-            </a:r>
+            <a:pPr marL="0" lvl="0" indent="0" algn="l" rtl="0">
+              <a:spcBef>
+                <a:spcPts val="0"/>
+              </a:spcBef>
+              <a:spcAft>
+                <a:spcPts val="0"/>
+              </a:spcAft>
+              <a:buNone/>
+            </a:pPr>
             <a:endParaRPr/>
           </a:p>
         </p:txBody>
@@ -804,11 +824,11 @@
 </file>
 
 <file path=ppt/notesSlides/notesSlide10.xml><?xml version="1.0" encoding="utf-8"?>
-<p:notes xmlns:a="http://schemas.openxmlformats.org/drawingml/2006/main" xmlns:r="http://schemas.openxmlformats.org/officeDocument/2006/relationships" xmlns:mc="http://schemas.openxmlformats.org/markup-compatibility/2006" xmlns:mv="urn:schemas-microsoft-com:mac:vml" xmlns:p="http://schemas.openxmlformats.org/presentationml/2006/main" xmlns:c="http://schemas.openxmlformats.org/drawingml/2006/chart" xmlns:dgm="http://schemas.openxmlformats.org/drawingml/2006/diagram" xmlns:o="urn:schemas-microsoft-com:office:office" xmlns:v="urn:schemas-microsoft-com:vml" xmlns:pvml="urn:schemas-microsoft-com:office:powerpoint" xmlns:com="http://schemas.openxmlformats.org/drawingml/2006/compatibility" xmlns:p14="http://schemas.microsoft.com/office/powerpoint/2010/main" xmlns:p15="http://schemas.microsoft.com/office/powerpoint/2012/main" xmlns:ahyp="http://schemas.microsoft.com/office/drawing/2018/hyperlinkcolor" showMasterPhAnim="0" showMasterSp="0">
+<p:notes xmlns:a="http://schemas.openxmlformats.org/drawingml/2006/main" xmlns:r="http://schemas.openxmlformats.org/officeDocument/2006/relationships" xmlns:p="http://schemas.openxmlformats.org/presentationml/2006/main" showMasterSp="0" showMasterPhAnim="0">
   <p:cSld>
     <p:spTree>
       <p:nvGrpSpPr>
-        <p:cNvPr id="150" name="Shape 150"/>
+        <p:cNvPr id="1" name="Shape 150"/>
         <p:cNvGrpSpPr/>
         <p:nvPr/>
       </p:nvGrpSpPr>
@@ -823,9 +843,11 @@
       <p:sp>
         <p:nvSpPr>
           <p:cNvPr id="151" name="Google Shape;151;g1ef06b3a37a_0_33:notes"/>
-          <p:cNvSpPr/>
+          <p:cNvSpPr>
+            <a:spLocks noGrp="1" noRot="1" noChangeAspect="1"/>
+          </p:cNvSpPr>
           <p:nvPr>
-            <p:ph idx="2" type="sldImg"/>
+            <p:ph type="sldImg" idx="2"/>
           </p:nvPr>
         </p:nvSpPr>
         <p:spPr>
@@ -834,9 +856,13 @@
             <a:ext cx="6096000" cy="3429000"/>
           </a:xfrm>
           <a:custGeom>
-            <a:rect b="b" l="l" r="r" t="t"/>
+            <a:avLst/>
+            <a:gdLst/>
+            <a:ahLst/>
+            <a:cxnLst/>
+            <a:rect l="l" t="t" r="r" b="b"/>
             <a:pathLst>
-              <a:path extrusionOk="0" h="120000" w="120000">
+              <a:path w="120000" h="120000" extrusionOk="0">
                 <a:moveTo>
                   <a:pt x="0" y="0"/>
                 </a:moveTo>
@@ -858,9 +884,11 @@
       <p:sp>
         <p:nvSpPr>
           <p:cNvPr id="152" name="Google Shape;152;g1ef06b3a37a_0_33:notes"/>
-          <p:cNvSpPr txBox="1"/>
+          <p:cNvSpPr txBox="1">
+            <a:spLocks noGrp="1"/>
+          </p:cNvSpPr>
           <p:nvPr>
-            <p:ph idx="1" type="body"/>
+            <p:ph type="body" idx="1"/>
           </p:nvPr>
         </p:nvSpPr>
         <p:spPr>
@@ -873,23 +901,20 @@
           </a:prstGeom>
         </p:spPr>
         <p:txBody>
-          <a:bodyPr anchorCtr="0" anchor="t" bIns="91425" lIns="91425" spcFirstLastPara="1" rIns="91425" wrap="square" tIns="91425">
+          <a:bodyPr spcFirstLastPara="1" wrap="square" lIns="91425" tIns="91425" rIns="91425" bIns="91425" anchor="t" anchorCtr="0">
             <a:noAutofit/>
           </a:bodyPr>
           <a:lstStyle/>
           <a:p>
-            <a:pPr indent="0" lvl="0" marL="0" rtl="0" algn="l">
-              <a:spcBef>
-                <a:spcPts val="0"/>
-              </a:spcBef>
-              <a:spcAft>
-                <a:spcPts val="0"/>
-              </a:spcAft>
-              <a:buNone/>
-            </a:pPr>
-            <a:r>
-              <a:t/>
-            </a:r>
+            <a:pPr marL="0" lvl="0" indent="0" algn="l" rtl="0">
+              <a:spcBef>
+                <a:spcPts val="0"/>
+              </a:spcBef>
+              <a:spcAft>
+                <a:spcPts val="0"/>
+              </a:spcAft>
+              <a:buNone/>
+            </a:pPr>
             <a:endParaRPr/>
           </a:p>
         </p:txBody>
@@ -903,11 +928,11 @@
 </file>
 
 <file path=ppt/notesSlides/notesSlide2.xml><?xml version="1.0" encoding="utf-8"?>
-<p:notes xmlns:a="http://schemas.openxmlformats.org/drawingml/2006/main" xmlns:r="http://schemas.openxmlformats.org/officeDocument/2006/relationships" xmlns:mc="http://schemas.openxmlformats.org/markup-compatibility/2006" xmlns:mv="urn:schemas-microsoft-com:mac:vml" xmlns:p="http://schemas.openxmlformats.org/presentationml/2006/main" xmlns:c="http://schemas.openxmlformats.org/drawingml/2006/chart" xmlns:dgm="http://schemas.openxmlformats.org/drawingml/2006/diagram" xmlns:o="urn:schemas-microsoft-com:office:office" xmlns:v="urn:schemas-microsoft-com:vml" xmlns:pvml="urn:schemas-microsoft-com:office:powerpoint" xmlns:com="http://schemas.openxmlformats.org/drawingml/2006/compatibility" xmlns:p14="http://schemas.microsoft.com/office/powerpoint/2010/main" xmlns:p15="http://schemas.microsoft.com/office/powerpoint/2012/main" xmlns:ahyp="http://schemas.microsoft.com/office/drawing/2018/hyperlinkcolor" showMasterPhAnim="0" showMasterSp="0">
+<p:notes xmlns:a="http://schemas.openxmlformats.org/drawingml/2006/main" xmlns:r="http://schemas.openxmlformats.org/officeDocument/2006/relationships" xmlns:p="http://schemas.openxmlformats.org/presentationml/2006/main" showMasterSp="0" showMasterPhAnim="0">
   <p:cSld>
     <p:spTree>
       <p:nvGrpSpPr>
-        <p:cNvPr id="70" name="Shape 70"/>
+        <p:cNvPr id="1" name="Shape 70"/>
         <p:cNvGrpSpPr/>
         <p:nvPr/>
       </p:nvGrpSpPr>
@@ -922,9 +947,11 @@
       <p:sp>
         <p:nvSpPr>
           <p:cNvPr id="71" name="Google Shape;71;ge9090756a_1_232:notes"/>
-          <p:cNvSpPr/>
+          <p:cNvSpPr>
+            <a:spLocks noGrp="1" noRot="1" noChangeAspect="1"/>
+          </p:cNvSpPr>
           <p:nvPr>
-            <p:ph idx="2" type="sldImg"/>
+            <p:ph type="sldImg" idx="2"/>
           </p:nvPr>
         </p:nvSpPr>
         <p:spPr>
@@ -933,9 +960,13 @@
             <a:ext cx="6096300" cy="3429000"/>
           </a:xfrm>
           <a:custGeom>
-            <a:rect b="b" l="l" r="r" t="t"/>
+            <a:avLst/>
+            <a:gdLst/>
+            <a:ahLst/>
+            <a:cxnLst/>
+            <a:rect l="l" t="t" r="r" b="b"/>
             <a:pathLst>
-              <a:path extrusionOk="0" h="120000" w="120000">
+              <a:path w="120000" h="120000" extrusionOk="0">
                 <a:moveTo>
                   <a:pt x="0" y="0"/>
                 </a:moveTo>
@@ -957,9 +988,11 @@
       <p:sp>
         <p:nvSpPr>
           <p:cNvPr id="72" name="Google Shape;72;ge9090756a_1_232:notes"/>
-          <p:cNvSpPr txBox="1"/>
+          <p:cNvSpPr txBox="1">
+            <a:spLocks noGrp="1"/>
+          </p:cNvSpPr>
           <p:nvPr>
-            <p:ph idx="1" type="body"/>
+            <p:ph type="body" idx="1"/>
           </p:nvPr>
         </p:nvSpPr>
         <p:spPr>
@@ -972,23 +1005,20 @@
           </a:prstGeom>
         </p:spPr>
         <p:txBody>
-          <a:bodyPr anchorCtr="0" anchor="t" bIns="91425" lIns="91425" spcFirstLastPara="1" rIns="91425" wrap="square" tIns="91425">
+          <a:bodyPr spcFirstLastPara="1" wrap="square" lIns="91425" tIns="91425" rIns="91425" bIns="91425" anchor="t" anchorCtr="0">
             <a:noAutofit/>
           </a:bodyPr>
           <a:lstStyle/>
           <a:p>
-            <a:pPr indent="0" lvl="0" marL="0" rtl="0" algn="l">
-              <a:spcBef>
-                <a:spcPts val="0"/>
-              </a:spcBef>
-              <a:spcAft>
-                <a:spcPts val="0"/>
-              </a:spcAft>
-              <a:buNone/>
-            </a:pPr>
-            <a:r>
-              <a:t/>
-            </a:r>
+            <a:pPr marL="0" lvl="0" indent="0" algn="l" rtl="0">
+              <a:spcBef>
+                <a:spcPts val="0"/>
+              </a:spcBef>
+              <a:spcAft>
+                <a:spcPts val="0"/>
+              </a:spcAft>
+              <a:buNone/>
+            </a:pPr>
             <a:endParaRPr/>
           </a:p>
         </p:txBody>
@@ -1002,11 +1032,11 @@
 </file>
 
 <file path=ppt/notesSlides/notesSlide3.xml><?xml version="1.0" encoding="utf-8"?>
-<p:notes xmlns:a="http://schemas.openxmlformats.org/drawingml/2006/main" xmlns:r="http://schemas.openxmlformats.org/officeDocument/2006/relationships" xmlns:mc="http://schemas.openxmlformats.org/markup-compatibility/2006" xmlns:mv="urn:schemas-microsoft-com:mac:vml" xmlns:p="http://schemas.openxmlformats.org/presentationml/2006/main" xmlns:c="http://schemas.openxmlformats.org/drawingml/2006/chart" xmlns:dgm="http://schemas.openxmlformats.org/drawingml/2006/diagram" xmlns:o="urn:schemas-microsoft-com:office:office" xmlns:v="urn:schemas-microsoft-com:vml" xmlns:pvml="urn:schemas-microsoft-com:office:powerpoint" xmlns:com="http://schemas.openxmlformats.org/drawingml/2006/compatibility" xmlns:p14="http://schemas.microsoft.com/office/powerpoint/2010/main" xmlns:p15="http://schemas.microsoft.com/office/powerpoint/2012/main" xmlns:ahyp="http://schemas.microsoft.com/office/drawing/2018/hyperlinkcolor" showMasterPhAnim="0" showMasterSp="0">
+<p:notes xmlns:a="http://schemas.openxmlformats.org/drawingml/2006/main" xmlns:r="http://schemas.openxmlformats.org/officeDocument/2006/relationships" xmlns:p="http://schemas.openxmlformats.org/presentationml/2006/main" showMasterSp="0" showMasterPhAnim="0">
   <p:cSld>
     <p:spTree>
       <p:nvGrpSpPr>
-        <p:cNvPr id="76" name="Shape 76"/>
+        <p:cNvPr id="1" name="Shape 76"/>
         <p:cNvGrpSpPr/>
         <p:nvPr/>
       </p:nvGrpSpPr>
@@ -1021,9 +1051,11 @@
       <p:sp>
         <p:nvSpPr>
           <p:cNvPr id="77" name="Google Shape;77;g1ef06b3a37a_0_3:notes"/>
-          <p:cNvSpPr/>
+          <p:cNvSpPr>
+            <a:spLocks noGrp="1" noRot="1" noChangeAspect="1"/>
+          </p:cNvSpPr>
           <p:nvPr>
-            <p:ph idx="2" type="sldImg"/>
+            <p:ph type="sldImg" idx="2"/>
           </p:nvPr>
         </p:nvSpPr>
         <p:spPr>
@@ -1032,9 +1064,13 @@
             <a:ext cx="6096300" cy="3429000"/>
           </a:xfrm>
           <a:custGeom>
-            <a:rect b="b" l="l" r="r" t="t"/>
+            <a:avLst/>
+            <a:gdLst/>
+            <a:ahLst/>
+            <a:cxnLst/>
+            <a:rect l="l" t="t" r="r" b="b"/>
             <a:pathLst>
-              <a:path extrusionOk="0" h="120000" w="120000">
+              <a:path w="120000" h="120000" extrusionOk="0">
                 <a:moveTo>
                   <a:pt x="0" y="0"/>
                 </a:moveTo>
@@ -1056,9 +1092,11 @@
       <p:sp>
         <p:nvSpPr>
           <p:cNvPr id="78" name="Google Shape;78;g1ef06b3a37a_0_3:notes"/>
-          <p:cNvSpPr txBox="1"/>
+          <p:cNvSpPr txBox="1">
+            <a:spLocks noGrp="1"/>
+          </p:cNvSpPr>
           <p:nvPr>
-            <p:ph idx="1" type="body"/>
+            <p:ph type="body" idx="1"/>
           </p:nvPr>
         </p:nvSpPr>
         <p:spPr>
@@ -1071,23 +1109,20 @@
           </a:prstGeom>
         </p:spPr>
         <p:txBody>
-          <a:bodyPr anchorCtr="0" anchor="t" bIns="91425" lIns="91425" spcFirstLastPara="1" rIns="91425" wrap="square" tIns="91425">
+          <a:bodyPr spcFirstLastPara="1" wrap="square" lIns="91425" tIns="91425" rIns="91425" bIns="91425" anchor="t" anchorCtr="0">
             <a:noAutofit/>
           </a:bodyPr>
           <a:lstStyle/>
           <a:p>
-            <a:pPr indent="0" lvl="0" marL="0" rtl="0" algn="l">
-              <a:spcBef>
-                <a:spcPts val="0"/>
-              </a:spcBef>
-              <a:spcAft>
-                <a:spcPts val="0"/>
-              </a:spcAft>
-              <a:buNone/>
-            </a:pPr>
-            <a:r>
-              <a:t/>
-            </a:r>
+            <a:pPr marL="0" lvl="0" indent="0" algn="l" rtl="0">
+              <a:spcBef>
+                <a:spcPts val="0"/>
+              </a:spcBef>
+              <a:spcAft>
+                <a:spcPts val="0"/>
+              </a:spcAft>
+              <a:buNone/>
+            </a:pPr>
             <a:endParaRPr/>
           </a:p>
         </p:txBody>
@@ -1101,11 +1136,11 @@
 </file>
 
 <file path=ppt/notesSlides/notesSlide4.xml><?xml version="1.0" encoding="utf-8"?>
-<p:notes xmlns:a="http://schemas.openxmlformats.org/drawingml/2006/main" xmlns:r="http://schemas.openxmlformats.org/officeDocument/2006/relationships" xmlns:mc="http://schemas.openxmlformats.org/markup-compatibility/2006" xmlns:mv="urn:schemas-microsoft-com:mac:vml" xmlns:p="http://schemas.openxmlformats.org/presentationml/2006/main" xmlns:c="http://schemas.openxmlformats.org/drawingml/2006/chart" xmlns:dgm="http://schemas.openxmlformats.org/drawingml/2006/diagram" xmlns:o="urn:schemas-microsoft-com:office:office" xmlns:v="urn:schemas-microsoft-com:vml" xmlns:pvml="urn:schemas-microsoft-com:office:powerpoint" xmlns:com="http://schemas.openxmlformats.org/drawingml/2006/compatibility" xmlns:p14="http://schemas.microsoft.com/office/powerpoint/2010/main" xmlns:p15="http://schemas.microsoft.com/office/powerpoint/2012/main" xmlns:ahyp="http://schemas.microsoft.com/office/drawing/2018/hyperlinkcolor" showMasterPhAnim="0" showMasterSp="0">
+<p:notes xmlns:a="http://schemas.openxmlformats.org/drawingml/2006/main" xmlns:r="http://schemas.openxmlformats.org/officeDocument/2006/relationships" xmlns:p="http://schemas.openxmlformats.org/presentationml/2006/main" showMasterSp="0" showMasterPhAnim="0">
   <p:cSld>
     <p:spTree>
       <p:nvGrpSpPr>
-        <p:cNvPr id="88" name="Shape 88"/>
+        <p:cNvPr id="1" name="Shape 88"/>
         <p:cNvGrpSpPr/>
         <p:nvPr/>
       </p:nvGrpSpPr>
@@ -1120,9 +1155,11 @@
       <p:sp>
         <p:nvSpPr>
           <p:cNvPr id="89" name="Google Shape;89;g1ef06b3a37a_0_55:notes"/>
-          <p:cNvSpPr/>
+          <p:cNvSpPr>
+            <a:spLocks noGrp="1" noRot="1" noChangeAspect="1"/>
+          </p:cNvSpPr>
           <p:nvPr>
-            <p:ph idx="2" type="sldImg"/>
+            <p:ph type="sldImg" idx="2"/>
           </p:nvPr>
         </p:nvSpPr>
         <p:spPr>
@@ -1131,9 +1168,13 @@
             <a:ext cx="6096000" cy="3429000"/>
           </a:xfrm>
           <a:custGeom>
-            <a:rect b="b" l="l" r="r" t="t"/>
+            <a:avLst/>
+            <a:gdLst/>
+            <a:ahLst/>
+            <a:cxnLst/>
+            <a:rect l="l" t="t" r="r" b="b"/>
             <a:pathLst>
-              <a:path extrusionOk="0" h="120000" w="120000">
+              <a:path w="120000" h="120000" extrusionOk="0">
                 <a:moveTo>
                   <a:pt x="0" y="0"/>
                 </a:moveTo>
@@ -1155,9 +1196,11 @@
       <p:sp>
         <p:nvSpPr>
           <p:cNvPr id="90" name="Google Shape;90;g1ef06b3a37a_0_55:notes"/>
-          <p:cNvSpPr txBox="1"/>
+          <p:cNvSpPr txBox="1">
+            <a:spLocks noGrp="1"/>
+          </p:cNvSpPr>
           <p:nvPr>
-            <p:ph idx="1" type="body"/>
+            <p:ph type="body" idx="1"/>
           </p:nvPr>
         </p:nvSpPr>
         <p:spPr>
@@ -1170,23 +1213,20 @@
           </a:prstGeom>
         </p:spPr>
         <p:txBody>
-          <a:bodyPr anchorCtr="0" anchor="t" bIns="91425" lIns="91425" spcFirstLastPara="1" rIns="91425" wrap="square" tIns="91425">
+          <a:bodyPr spcFirstLastPara="1" wrap="square" lIns="91425" tIns="91425" rIns="91425" bIns="91425" anchor="t" anchorCtr="0">
             <a:noAutofit/>
           </a:bodyPr>
           <a:lstStyle/>
           <a:p>
-            <a:pPr indent="0" lvl="0" marL="0" rtl="0" algn="l">
-              <a:spcBef>
-                <a:spcPts val="0"/>
-              </a:spcBef>
-              <a:spcAft>
-                <a:spcPts val="0"/>
-              </a:spcAft>
-              <a:buNone/>
-            </a:pPr>
-            <a:r>
-              <a:t/>
-            </a:r>
+            <a:pPr marL="0" lvl="0" indent="0" algn="l" rtl="0">
+              <a:spcBef>
+                <a:spcPts val="0"/>
+              </a:spcBef>
+              <a:spcAft>
+                <a:spcPts val="0"/>
+              </a:spcAft>
+              <a:buNone/>
+            </a:pPr>
             <a:endParaRPr/>
           </a:p>
         </p:txBody>
@@ -1200,11 +1240,11 @@
 </file>
 
 <file path=ppt/notesSlides/notesSlide5.xml><?xml version="1.0" encoding="utf-8"?>
-<p:notes xmlns:a="http://schemas.openxmlformats.org/drawingml/2006/main" xmlns:r="http://schemas.openxmlformats.org/officeDocument/2006/relationships" xmlns:mc="http://schemas.openxmlformats.org/markup-compatibility/2006" xmlns:mv="urn:schemas-microsoft-com:mac:vml" xmlns:p="http://schemas.openxmlformats.org/presentationml/2006/main" xmlns:c="http://schemas.openxmlformats.org/drawingml/2006/chart" xmlns:dgm="http://schemas.openxmlformats.org/drawingml/2006/diagram" xmlns:o="urn:schemas-microsoft-com:office:office" xmlns:v="urn:schemas-microsoft-com:vml" xmlns:pvml="urn:schemas-microsoft-com:office:powerpoint" xmlns:com="http://schemas.openxmlformats.org/drawingml/2006/compatibility" xmlns:p14="http://schemas.microsoft.com/office/powerpoint/2010/main" xmlns:p15="http://schemas.microsoft.com/office/powerpoint/2012/main" xmlns:ahyp="http://schemas.microsoft.com/office/drawing/2018/hyperlinkcolor" showMasterPhAnim="0" showMasterSp="0">
+<p:notes xmlns:a="http://schemas.openxmlformats.org/drawingml/2006/main" xmlns:r="http://schemas.openxmlformats.org/officeDocument/2006/relationships" xmlns:p="http://schemas.openxmlformats.org/presentationml/2006/main" showMasterSp="0" showMasterPhAnim="0">
   <p:cSld>
     <p:spTree>
       <p:nvGrpSpPr>
-        <p:cNvPr id="106" name="Shape 106"/>
+        <p:cNvPr id="1" name="Shape 106"/>
         <p:cNvGrpSpPr/>
         <p:nvPr/>
       </p:nvGrpSpPr>
@@ -1219,9 +1259,11 @@
       <p:sp>
         <p:nvSpPr>
           <p:cNvPr id="107" name="Google Shape;107;g1ef06b3a37a_0_73:notes"/>
-          <p:cNvSpPr/>
+          <p:cNvSpPr>
+            <a:spLocks noGrp="1" noRot="1" noChangeAspect="1"/>
+          </p:cNvSpPr>
           <p:nvPr>
-            <p:ph idx="2" type="sldImg"/>
+            <p:ph type="sldImg" idx="2"/>
           </p:nvPr>
         </p:nvSpPr>
         <p:spPr>
@@ -1230,9 +1272,13 @@
             <a:ext cx="6096000" cy="3429000"/>
           </a:xfrm>
           <a:custGeom>
-            <a:rect b="b" l="l" r="r" t="t"/>
+            <a:avLst/>
+            <a:gdLst/>
+            <a:ahLst/>
+            <a:cxnLst/>
+            <a:rect l="l" t="t" r="r" b="b"/>
             <a:pathLst>
-              <a:path extrusionOk="0" h="120000" w="120000">
+              <a:path w="120000" h="120000" extrusionOk="0">
                 <a:moveTo>
                   <a:pt x="0" y="0"/>
                 </a:moveTo>
@@ -1254,9 +1300,11 @@
       <p:sp>
         <p:nvSpPr>
           <p:cNvPr id="108" name="Google Shape;108;g1ef06b3a37a_0_73:notes"/>
-          <p:cNvSpPr txBox="1"/>
+          <p:cNvSpPr txBox="1">
+            <a:spLocks noGrp="1"/>
+          </p:cNvSpPr>
           <p:nvPr>
-            <p:ph idx="1" type="body"/>
+            <p:ph type="body" idx="1"/>
           </p:nvPr>
         </p:nvSpPr>
         <p:spPr>
@@ -1269,23 +1317,20 @@
           </a:prstGeom>
         </p:spPr>
         <p:txBody>
-          <a:bodyPr anchorCtr="0" anchor="t" bIns="91425" lIns="91425" spcFirstLastPara="1" rIns="91425" wrap="square" tIns="91425">
+          <a:bodyPr spcFirstLastPara="1" wrap="square" lIns="91425" tIns="91425" rIns="91425" bIns="91425" anchor="t" anchorCtr="0">
             <a:noAutofit/>
           </a:bodyPr>
           <a:lstStyle/>
           <a:p>
-            <a:pPr indent="0" lvl="0" marL="0" rtl="0" algn="l">
-              <a:spcBef>
-                <a:spcPts val="0"/>
-              </a:spcBef>
-              <a:spcAft>
-                <a:spcPts val="0"/>
-              </a:spcAft>
-              <a:buNone/>
-            </a:pPr>
-            <a:r>
-              <a:t/>
-            </a:r>
+            <a:pPr marL="0" lvl="0" indent="0" algn="l" rtl="0">
+              <a:spcBef>
+                <a:spcPts val="0"/>
+              </a:spcBef>
+              <a:spcAft>
+                <a:spcPts val="0"/>
+              </a:spcAft>
+              <a:buNone/>
+            </a:pPr>
             <a:endParaRPr/>
           </a:p>
         </p:txBody>
@@ -1299,11 +1344,11 @@
 </file>
 
 <file path=ppt/notesSlides/notesSlide6.xml><?xml version="1.0" encoding="utf-8"?>
-<p:notes xmlns:a="http://schemas.openxmlformats.org/drawingml/2006/main" xmlns:r="http://schemas.openxmlformats.org/officeDocument/2006/relationships" xmlns:mc="http://schemas.openxmlformats.org/markup-compatibility/2006" xmlns:mv="urn:schemas-microsoft-com:mac:vml" xmlns:p="http://schemas.openxmlformats.org/presentationml/2006/main" xmlns:c="http://schemas.openxmlformats.org/drawingml/2006/chart" xmlns:dgm="http://schemas.openxmlformats.org/drawingml/2006/diagram" xmlns:o="urn:schemas-microsoft-com:office:office" xmlns:v="urn:schemas-microsoft-com:vml" xmlns:pvml="urn:schemas-microsoft-com:office:powerpoint" xmlns:com="http://schemas.openxmlformats.org/drawingml/2006/compatibility" xmlns:p14="http://schemas.microsoft.com/office/powerpoint/2010/main" xmlns:p15="http://schemas.microsoft.com/office/powerpoint/2012/main" xmlns:ahyp="http://schemas.microsoft.com/office/drawing/2018/hyperlinkcolor" showMasterPhAnim="0" showMasterSp="0">
+<p:notes xmlns:a="http://schemas.openxmlformats.org/drawingml/2006/main" xmlns:r="http://schemas.openxmlformats.org/officeDocument/2006/relationships" xmlns:p="http://schemas.openxmlformats.org/presentationml/2006/main" showMasterSp="0" showMasterPhAnim="0">
   <p:cSld>
     <p:spTree>
       <p:nvGrpSpPr>
-        <p:cNvPr id="113" name="Shape 113"/>
+        <p:cNvPr id="1" name="Shape 113"/>
         <p:cNvGrpSpPr/>
         <p:nvPr/>
       </p:nvGrpSpPr>
@@ -1318,9 +1363,11 @@
       <p:sp>
         <p:nvSpPr>
           <p:cNvPr id="114" name="Google Shape;114;g1ef06b3a37a_0_82:notes"/>
-          <p:cNvSpPr/>
+          <p:cNvSpPr>
+            <a:spLocks noGrp="1" noRot="1" noChangeAspect="1"/>
+          </p:cNvSpPr>
           <p:nvPr>
-            <p:ph idx="2" type="sldImg"/>
+            <p:ph type="sldImg" idx="2"/>
           </p:nvPr>
         </p:nvSpPr>
         <p:spPr>
@@ -1329,9 +1376,13 @@
             <a:ext cx="6096000" cy="3429000"/>
           </a:xfrm>
           <a:custGeom>
-            <a:rect b="b" l="l" r="r" t="t"/>
+            <a:avLst/>
+            <a:gdLst/>
+            <a:ahLst/>
+            <a:cxnLst/>
+            <a:rect l="l" t="t" r="r" b="b"/>
             <a:pathLst>
-              <a:path extrusionOk="0" h="120000" w="120000">
+              <a:path w="120000" h="120000" extrusionOk="0">
                 <a:moveTo>
                   <a:pt x="0" y="0"/>
                 </a:moveTo>
@@ -1353,9 +1404,11 @@
       <p:sp>
         <p:nvSpPr>
           <p:cNvPr id="115" name="Google Shape;115;g1ef06b3a37a_0_82:notes"/>
-          <p:cNvSpPr txBox="1"/>
+          <p:cNvSpPr txBox="1">
+            <a:spLocks noGrp="1"/>
+          </p:cNvSpPr>
           <p:nvPr>
-            <p:ph idx="1" type="body"/>
+            <p:ph type="body" idx="1"/>
           </p:nvPr>
         </p:nvSpPr>
         <p:spPr>
@@ -1368,23 +1421,20 @@
           </a:prstGeom>
         </p:spPr>
         <p:txBody>
-          <a:bodyPr anchorCtr="0" anchor="t" bIns="91425" lIns="91425" spcFirstLastPara="1" rIns="91425" wrap="square" tIns="91425">
+          <a:bodyPr spcFirstLastPara="1" wrap="square" lIns="91425" tIns="91425" rIns="91425" bIns="91425" anchor="t" anchorCtr="0">
             <a:noAutofit/>
           </a:bodyPr>
           <a:lstStyle/>
           <a:p>
-            <a:pPr indent="0" lvl="0" marL="0" rtl="0" algn="l">
-              <a:spcBef>
-                <a:spcPts val="0"/>
-              </a:spcBef>
-              <a:spcAft>
-                <a:spcPts val="0"/>
-              </a:spcAft>
-              <a:buNone/>
-            </a:pPr>
-            <a:r>
-              <a:t/>
-            </a:r>
+            <a:pPr marL="0" lvl="0" indent="0" algn="l" rtl="0">
+              <a:spcBef>
+                <a:spcPts val="0"/>
+              </a:spcBef>
+              <a:spcAft>
+                <a:spcPts val="0"/>
+              </a:spcAft>
+              <a:buNone/>
+            </a:pPr>
             <a:endParaRPr/>
           </a:p>
         </p:txBody>
@@ -1398,11 +1448,11 @@
 </file>
 
 <file path=ppt/notesSlides/notesSlide7.xml><?xml version="1.0" encoding="utf-8"?>
-<p:notes xmlns:a="http://schemas.openxmlformats.org/drawingml/2006/main" xmlns:r="http://schemas.openxmlformats.org/officeDocument/2006/relationships" xmlns:mc="http://schemas.openxmlformats.org/markup-compatibility/2006" xmlns:mv="urn:schemas-microsoft-com:mac:vml" xmlns:p="http://schemas.openxmlformats.org/presentationml/2006/main" xmlns:c="http://schemas.openxmlformats.org/drawingml/2006/chart" xmlns:dgm="http://schemas.openxmlformats.org/drawingml/2006/diagram" xmlns:o="urn:schemas-microsoft-com:office:office" xmlns:v="urn:schemas-microsoft-com:vml" xmlns:pvml="urn:schemas-microsoft-com:office:powerpoint" xmlns:com="http://schemas.openxmlformats.org/drawingml/2006/compatibility" xmlns:p14="http://schemas.microsoft.com/office/powerpoint/2010/main" xmlns:p15="http://schemas.microsoft.com/office/powerpoint/2012/main" xmlns:ahyp="http://schemas.microsoft.com/office/drawing/2018/hyperlinkcolor" showMasterPhAnim="0" showMasterSp="0">
+<p:notes xmlns:a="http://schemas.openxmlformats.org/drawingml/2006/main" xmlns:r="http://schemas.openxmlformats.org/officeDocument/2006/relationships" xmlns:p="http://schemas.openxmlformats.org/presentationml/2006/main" showMasterSp="0" showMasterPhAnim="0">
   <p:cSld>
     <p:spTree>
       <p:nvGrpSpPr>
-        <p:cNvPr id="122" name="Shape 122"/>
+        <p:cNvPr id="1" name="Shape 122"/>
         <p:cNvGrpSpPr/>
         <p:nvPr/>
       </p:nvGrpSpPr>
@@ -1417,9 +1467,11 @@
       <p:sp>
         <p:nvSpPr>
           <p:cNvPr id="123" name="Google Shape;123;g1ef06b3a37a_0_112:notes"/>
-          <p:cNvSpPr/>
+          <p:cNvSpPr>
+            <a:spLocks noGrp="1" noRot="1" noChangeAspect="1"/>
+          </p:cNvSpPr>
           <p:nvPr>
-            <p:ph idx="2" type="sldImg"/>
+            <p:ph type="sldImg" idx="2"/>
           </p:nvPr>
         </p:nvSpPr>
         <p:spPr>
@@ -1428,9 +1480,13 @@
             <a:ext cx="6096000" cy="3429000"/>
           </a:xfrm>
           <a:custGeom>
-            <a:rect b="b" l="l" r="r" t="t"/>
+            <a:avLst/>
+            <a:gdLst/>
+            <a:ahLst/>
+            <a:cxnLst/>
+            <a:rect l="l" t="t" r="r" b="b"/>
             <a:pathLst>
-              <a:path extrusionOk="0" h="120000" w="120000">
+              <a:path w="120000" h="120000" extrusionOk="0">
                 <a:moveTo>
                   <a:pt x="0" y="0"/>
                 </a:moveTo>
@@ -1452,9 +1508,11 @@
       <p:sp>
         <p:nvSpPr>
           <p:cNvPr id="124" name="Google Shape;124;g1ef06b3a37a_0_112:notes"/>
-          <p:cNvSpPr txBox="1"/>
+          <p:cNvSpPr txBox="1">
+            <a:spLocks noGrp="1"/>
+          </p:cNvSpPr>
           <p:nvPr>
-            <p:ph idx="1" type="body"/>
+            <p:ph type="body" idx="1"/>
           </p:nvPr>
         </p:nvSpPr>
         <p:spPr>
@@ -1467,12 +1525,12 @@
           </a:prstGeom>
         </p:spPr>
         <p:txBody>
-          <a:bodyPr anchorCtr="0" anchor="t" bIns="91425" lIns="91425" spcFirstLastPara="1" rIns="91425" wrap="square" tIns="91425">
+          <a:bodyPr spcFirstLastPara="1" wrap="square" lIns="91425" tIns="91425" rIns="91425" bIns="91425" anchor="t" anchorCtr="0">
             <a:noAutofit/>
           </a:bodyPr>
           <a:lstStyle/>
           <a:p>
-            <a:pPr indent="-317500" lvl="0" marL="457200" rtl="0" algn="l">
+            <a:pPr marL="457200" lvl="0" indent="-317500" algn="l" rtl="0">
               <a:spcBef>
                 <a:spcPts val="0"/>
               </a:spcBef>
@@ -1489,7 +1547,7 @@
             <a:endParaRPr/>
           </a:p>
           <a:p>
-            <a:pPr indent="-317500" lvl="0" marL="457200" rtl="0" algn="l">
+            <a:pPr marL="457200" lvl="0" indent="-317500" algn="l" rtl="0">
               <a:spcBef>
                 <a:spcPts val="0"/>
               </a:spcBef>
@@ -1506,52 +1564,43 @@
             <a:endParaRPr/>
           </a:p>
           <a:p>
-            <a:pPr indent="0" lvl="0" marL="0" rtl="0" algn="l">
-              <a:spcBef>
-                <a:spcPts val="0"/>
-              </a:spcBef>
-              <a:spcAft>
-                <a:spcPts val="0"/>
-              </a:spcAft>
-              <a:buNone/>
-            </a:pPr>
-            <a:r>
-              <a:t/>
-            </a:r>
+            <a:pPr marL="0" lvl="0" indent="0" algn="l" rtl="0">
+              <a:spcBef>
+                <a:spcPts val="0"/>
+              </a:spcBef>
+              <a:spcAft>
+                <a:spcPts val="0"/>
+              </a:spcAft>
+              <a:buNone/>
+            </a:pPr>
             <a:endParaRPr/>
           </a:p>
           <a:p>
-            <a:pPr indent="0" lvl="0" marL="0" rtl="0" algn="l">
-              <a:spcBef>
-                <a:spcPts val="0"/>
-              </a:spcBef>
-              <a:spcAft>
-                <a:spcPts val="0"/>
-              </a:spcAft>
-              <a:buNone/>
-            </a:pPr>
-            <a:r>
-              <a:t/>
-            </a:r>
+            <a:pPr marL="0" lvl="0" indent="0" algn="l" rtl="0">
+              <a:spcBef>
+                <a:spcPts val="0"/>
+              </a:spcBef>
+              <a:spcAft>
+                <a:spcPts val="0"/>
+              </a:spcAft>
+              <a:buNone/>
+            </a:pPr>
             <a:endParaRPr/>
           </a:p>
           <a:p>
-            <a:pPr indent="0" lvl="0" marL="0" rtl="0" algn="l">
-              <a:spcBef>
-                <a:spcPts val="0"/>
-              </a:spcBef>
-              <a:spcAft>
-                <a:spcPts val="0"/>
-              </a:spcAft>
-              <a:buNone/>
-            </a:pPr>
-            <a:r>
-              <a:t/>
-            </a:r>
+            <a:pPr marL="0" lvl="0" indent="0" algn="l" rtl="0">
+              <a:spcBef>
+                <a:spcPts val="0"/>
+              </a:spcBef>
+              <a:spcAft>
+                <a:spcPts val="0"/>
+              </a:spcAft>
+              <a:buNone/>
+            </a:pPr>
             <a:endParaRPr/>
           </a:p>
           <a:p>
-            <a:pPr indent="0" lvl="0" marL="0" rtl="0" algn="l">
+            <a:pPr marL="0" lvl="0" indent="0" algn="l" rtl="0">
               <a:spcBef>
                 <a:spcPts val="0"/>
               </a:spcBef>
@@ -1567,22 +1616,19 @@
             <a:endParaRPr/>
           </a:p>
           <a:p>
-            <a:pPr indent="0" lvl="0" marL="0" rtl="0" algn="l">
-              <a:spcBef>
-                <a:spcPts val="0"/>
-              </a:spcBef>
-              <a:spcAft>
-                <a:spcPts val="0"/>
-              </a:spcAft>
-              <a:buNone/>
-            </a:pPr>
-            <a:r>
-              <a:t/>
-            </a:r>
+            <a:pPr marL="0" lvl="0" indent="0" algn="l" rtl="0">
+              <a:spcBef>
+                <a:spcPts val="0"/>
+              </a:spcBef>
+              <a:spcAft>
+                <a:spcPts val="0"/>
+              </a:spcAft>
+              <a:buNone/>
+            </a:pPr>
             <a:endParaRPr/>
           </a:p>
           <a:p>
-            <a:pPr indent="0" lvl="0" marL="0" rtl="0" algn="l">
+            <a:pPr marL="0" lvl="0" indent="0" algn="l" rtl="0">
               <a:spcBef>
                 <a:spcPts val="0"/>
               </a:spcBef>
@@ -1608,11 +1654,11 @@
 </file>
 
 <file path=ppt/notesSlides/notesSlide8.xml><?xml version="1.0" encoding="utf-8"?>
-<p:notes xmlns:a="http://schemas.openxmlformats.org/drawingml/2006/main" xmlns:r="http://schemas.openxmlformats.org/officeDocument/2006/relationships" xmlns:mc="http://schemas.openxmlformats.org/markup-compatibility/2006" xmlns:mv="urn:schemas-microsoft-com:mac:vml" xmlns:p="http://schemas.openxmlformats.org/presentationml/2006/main" xmlns:c="http://schemas.openxmlformats.org/drawingml/2006/chart" xmlns:dgm="http://schemas.openxmlformats.org/drawingml/2006/diagram" xmlns:o="urn:schemas-microsoft-com:office:office" xmlns:v="urn:schemas-microsoft-com:vml" xmlns:pvml="urn:schemas-microsoft-com:office:powerpoint" xmlns:com="http://schemas.openxmlformats.org/drawingml/2006/compatibility" xmlns:p14="http://schemas.microsoft.com/office/powerpoint/2010/main" xmlns:p15="http://schemas.microsoft.com/office/powerpoint/2012/main" xmlns:ahyp="http://schemas.microsoft.com/office/drawing/2018/hyperlinkcolor" showMasterPhAnim="0" showMasterSp="0">
+<p:notes xmlns:a="http://schemas.openxmlformats.org/drawingml/2006/main" xmlns:r="http://schemas.openxmlformats.org/officeDocument/2006/relationships" xmlns:p="http://schemas.openxmlformats.org/presentationml/2006/main" showMasterSp="0" showMasterPhAnim="0">
   <p:cSld>
     <p:spTree>
       <p:nvGrpSpPr>
-        <p:cNvPr id="129" name="Shape 129"/>
+        <p:cNvPr id="1" name="Shape 129"/>
         <p:cNvGrpSpPr/>
         <p:nvPr/>
       </p:nvGrpSpPr>
@@ -1627,9 +1673,11 @@
       <p:sp>
         <p:nvSpPr>
           <p:cNvPr id="130" name="Google Shape;130;g1ef06b3a37a_0_119:notes"/>
-          <p:cNvSpPr/>
+          <p:cNvSpPr>
+            <a:spLocks noGrp="1" noRot="1" noChangeAspect="1"/>
+          </p:cNvSpPr>
           <p:nvPr>
-            <p:ph idx="2" type="sldImg"/>
+            <p:ph type="sldImg" idx="2"/>
           </p:nvPr>
         </p:nvSpPr>
         <p:spPr>
@@ -1638,9 +1686,13 @@
             <a:ext cx="6096000" cy="3429000"/>
           </a:xfrm>
           <a:custGeom>
-            <a:rect b="b" l="l" r="r" t="t"/>
+            <a:avLst/>
+            <a:gdLst/>
+            <a:ahLst/>
+            <a:cxnLst/>
+            <a:rect l="l" t="t" r="r" b="b"/>
             <a:pathLst>
-              <a:path extrusionOk="0" h="120000" w="120000">
+              <a:path w="120000" h="120000" extrusionOk="0">
                 <a:moveTo>
                   <a:pt x="0" y="0"/>
                 </a:moveTo>
@@ -1662,9 +1714,11 @@
       <p:sp>
         <p:nvSpPr>
           <p:cNvPr id="131" name="Google Shape;131;g1ef06b3a37a_0_119:notes"/>
-          <p:cNvSpPr txBox="1"/>
+          <p:cNvSpPr txBox="1">
+            <a:spLocks noGrp="1"/>
+          </p:cNvSpPr>
           <p:nvPr>
-            <p:ph idx="1" type="body"/>
+            <p:ph type="body" idx="1"/>
           </p:nvPr>
         </p:nvSpPr>
         <p:spPr>
@@ -1677,23 +1731,20 @@
           </a:prstGeom>
         </p:spPr>
         <p:txBody>
-          <a:bodyPr anchorCtr="0" anchor="t" bIns="91425" lIns="91425" spcFirstLastPara="1" rIns="91425" wrap="square" tIns="91425">
+          <a:bodyPr spcFirstLastPara="1" wrap="square" lIns="91425" tIns="91425" rIns="91425" bIns="91425" anchor="t" anchorCtr="0">
             <a:noAutofit/>
           </a:bodyPr>
           <a:lstStyle/>
           <a:p>
-            <a:pPr indent="0" lvl="0" marL="0" rtl="0" algn="l">
-              <a:spcBef>
-                <a:spcPts val="0"/>
-              </a:spcBef>
-              <a:spcAft>
-                <a:spcPts val="0"/>
-              </a:spcAft>
-              <a:buNone/>
-            </a:pPr>
-            <a:r>
-              <a:t/>
-            </a:r>
+            <a:pPr marL="0" lvl="0" indent="0" algn="l" rtl="0">
+              <a:spcBef>
+                <a:spcPts val="0"/>
+              </a:spcBef>
+              <a:spcAft>
+                <a:spcPts val="0"/>
+              </a:spcAft>
+              <a:buNone/>
+            </a:pPr>
             <a:endParaRPr/>
           </a:p>
         </p:txBody>
@@ -1707,11 +1758,11 @@
 </file>
 
 <file path=ppt/notesSlides/notesSlide9.xml><?xml version="1.0" encoding="utf-8"?>
-<p:notes xmlns:a="http://schemas.openxmlformats.org/drawingml/2006/main" xmlns:r="http://schemas.openxmlformats.org/officeDocument/2006/relationships" xmlns:mc="http://schemas.openxmlformats.org/markup-compatibility/2006" xmlns:mv="urn:schemas-microsoft-com:mac:vml" xmlns:p="http://schemas.openxmlformats.org/presentationml/2006/main" xmlns:c="http://schemas.openxmlformats.org/drawingml/2006/chart" xmlns:dgm="http://schemas.openxmlformats.org/drawingml/2006/diagram" xmlns:o="urn:schemas-microsoft-com:office:office" xmlns:v="urn:schemas-microsoft-com:vml" xmlns:pvml="urn:schemas-microsoft-com:office:powerpoint" xmlns:com="http://schemas.openxmlformats.org/drawingml/2006/compatibility" xmlns:p14="http://schemas.microsoft.com/office/powerpoint/2010/main" xmlns:p15="http://schemas.microsoft.com/office/powerpoint/2012/main" xmlns:ahyp="http://schemas.microsoft.com/office/drawing/2018/hyperlinkcolor" showMasterPhAnim="0" showMasterSp="0">
+<p:notes xmlns:a="http://schemas.openxmlformats.org/drawingml/2006/main" xmlns:r="http://schemas.openxmlformats.org/officeDocument/2006/relationships" xmlns:p="http://schemas.openxmlformats.org/presentationml/2006/main" showMasterSp="0" showMasterPhAnim="0">
   <p:cSld>
     <p:spTree>
       <p:nvGrpSpPr>
-        <p:cNvPr id="138" name="Shape 138"/>
+        <p:cNvPr id="1" name="Shape 138"/>
         <p:cNvGrpSpPr/>
         <p:nvPr/>
       </p:nvGrpSpPr>
@@ -1726,9 +1777,11 @@
       <p:sp>
         <p:nvSpPr>
           <p:cNvPr id="139" name="Google Shape;139;g1f02b51ad1c_1_0:notes"/>
-          <p:cNvSpPr/>
+          <p:cNvSpPr>
+            <a:spLocks noGrp="1" noRot="1" noChangeAspect="1"/>
+          </p:cNvSpPr>
           <p:nvPr>
-            <p:ph idx="2" type="sldImg"/>
+            <p:ph type="sldImg" idx="2"/>
           </p:nvPr>
         </p:nvSpPr>
         <p:spPr>
@@ -1737,9 +1790,13 @@
             <a:ext cx="6096000" cy="3429000"/>
           </a:xfrm>
           <a:custGeom>
-            <a:rect b="b" l="l" r="r" t="t"/>
+            <a:avLst/>
+            <a:gdLst/>
+            <a:ahLst/>
+            <a:cxnLst/>
+            <a:rect l="l" t="t" r="r" b="b"/>
             <a:pathLst>
-              <a:path extrusionOk="0" h="120000" w="120000">
+              <a:path w="120000" h="120000" extrusionOk="0">
                 <a:moveTo>
                   <a:pt x="0" y="0"/>
                 </a:moveTo>
@@ -1761,9 +1818,11 @@
       <p:sp>
         <p:nvSpPr>
           <p:cNvPr id="140" name="Google Shape;140;g1f02b51ad1c_1_0:notes"/>
-          <p:cNvSpPr txBox="1"/>
+          <p:cNvSpPr txBox="1">
+            <a:spLocks noGrp="1"/>
+          </p:cNvSpPr>
           <p:nvPr>
-            <p:ph idx="1" type="body"/>
+            <p:ph type="body" idx="1"/>
           </p:nvPr>
         </p:nvSpPr>
         <p:spPr>
@@ -1776,23 +1835,20 @@
           </a:prstGeom>
         </p:spPr>
         <p:txBody>
-          <a:bodyPr anchorCtr="0" anchor="t" bIns="91425" lIns="91425" spcFirstLastPara="1" rIns="91425" wrap="square" tIns="91425">
+          <a:bodyPr spcFirstLastPara="1" wrap="square" lIns="91425" tIns="91425" rIns="91425" bIns="91425" anchor="t" anchorCtr="0">
             <a:noAutofit/>
           </a:bodyPr>
           <a:lstStyle/>
           <a:p>
-            <a:pPr indent="0" lvl="0" marL="0" rtl="0" algn="l">
-              <a:spcBef>
-                <a:spcPts val="0"/>
-              </a:spcBef>
-              <a:spcAft>
-                <a:spcPts val="0"/>
-              </a:spcAft>
-              <a:buNone/>
-            </a:pPr>
-            <a:r>
-              <a:t/>
-            </a:r>
+            <a:pPr marL="0" lvl="0" indent="0" algn="l" rtl="0">
+              <a:spcBef>
+                <a:spcPts val="0"/>
+              </a:spcBef>
+              <a:spcAft>
+                <a:spcPts val="0"/>
+              </a:spcAft>
+              <a:buNone/>
+            </a:pPr>
             <a:endParaRPr/>
           </a:p>
         </p:txBody>
@@ -1806,11 +1862,11 @@
 </file>
 
 <file path=ppt/slideLayouts/slideLayout1.xml><?xml version="1.0" encoding="utf-8"?>
-<p:sldLayout xmlns:a="http://schemas.openxmlformats.org/drawingml/2006/main" xmlns:r="http://schemas.openxmlformats.org/officeDocument/2006/relationships" xmlns:mc="http://schemas.openxmlformats.org/markup-compatibility/2006" xmlns:mv="urn:schemas-microsoft-com:mac:vml" xmlns:p="http://schemas.openxmlformats.org/presentationml/2006/main" xmlns:c="http://schemas.openxmlformats.org/drawingml/2006/chart" xmlns:dgm="http://schemas.openxmlformats.org/drawingml/2006/diagram" xmlns:o="urn:schemas-microsoft-com:office:office" xmlns:v="urn:schemas-microsoft-com:vml" xmlns:pvml="urn:schemas-microsoft-com:office:powerpoint" xmlns:com="http://schemas.openxmlformats.org/drawingml/2006/compatibility" xmlns:p14="http://schemas.microsoft.com/office/powerpoint/2010/main" xmlns:p15="http://schemas.microsoft.com/office/powerpoint/2012/main" xmlns:ahyp="http://schemas.microsoft.com/office/drawing/2018/hyperlinkcolor" matchingName="Title slide" type="title">
+<p:sldLayout xmlns:a="http://schemas.openxmlformats.org/drawingml/2006/main" xmlns:r="http://schemas.openxmlformats.org/officeDocument/2006/relationships" xmlns:p="http://schemas.openxmlformats.org/presentationml/2006/main" matchingName="Title slide" type="title">
   <p:cSld name="TITLE">
     <p:spTree>
       <p:nvGrpSpPr>
-        <p:cNvPr id="9" name="Shape 9"/>
+        <p:cNvPr id="1" name="Shape 9"/>
         <p:cNvGrpSpPr/>
         <p:nvPr/>
       </p:nvGrpSpPr>
@@ -1844,23 +1900,20 @@
           </a:ln>
         </p:spPr>
         <p:txBody>
-          <a:bodyPr anchorCtr="0" anchor="ctr" bIns="91425" lIns="91425" spcFirstLastPara="1" rIns="91425" wrap="square" tIns="91425">
+          <a:bodyPr spcFirstLastPara="1" wrap="square" lIns="91425" tIns="91425" rIns="91425" bIns="91425" anchor="ctr" anchorCtr="0">
             <a:noAutofit/>
           </a:bodyPr>
           <a:lstStyle/>
           <a:p>
-            <a:pPr indent="0" lvl="0" marL="0" rtl="0" algn="l">
-              <a:spcBef>
-                <a:spcPts val="0"/>
-              </a:spcBef>
-              <a:spcAft>
-                <a:spcPts val="0"/>
-              </a:spcAft>
-              <a:buNone/>
-            </a:pPr>
-            <a:r>
-              <a:t/>
-            </a:r>
+            <a:pPr marL="0" lvl="0" indent="0" algn="l" rtl="0">
+              <a:spcBef>
+                <a:spcPts val="0"/>
+              </a:spcBef>
+              <a:spcAft>
+                <a:spcPts val="0"/>
+              </a:spcAft>
+              <a:buNone/>
+            </a:pPr>
             <a:endParaRPr/>
           </a:p>
         </p:txBody>
@@ -1878,7 +1931,7 @@
           </a:xfrm>
           <a:prstGeom prst="round1Rect">
             <a:avLst>
-              <a:gd fmla="val 16667" name="adj"/>
+              <a:gd name="adj" fmla="val 16667"/>
             </a:avLst>
           </a:prstGeom>
           <a:solidFill>
@@ -1891,23 +1944,20 @@
           </a:ln>
         </p:spPr>
         <p:txBody>
-          <a:bodyPr anchorCtr="0" anchor="ctr" bIns="91425" lIns="91425" spcFirstLastPara="1" rIns="91425" wrap="square" tIns="91425">
+          <a:bodyPr spcFirstLastPara="1" wrap="square" lIns="91425" tIns="91425" rIns="91425" bIns="91425" anchor="ctr" anchorCtr="0">
             <a:noAutofit/>
           </a:bodyPr>
           <a:lstStyle/>
           <a:p>
-            <a:pPr indent="0" lvl="0" marL="0" rtl="0" algn="l">
-              <a:spcBef>
-                <a:spcPts val="0"/>
-              </a:spcBef>
-              <a:spcAft>
-                <a:spcPts val="0"/>
-              </a:spcAft>
-              <a:buNone/>
-            </a:pPr>
-            <a:r>
-              <a:t/>
-            </a:r>
+            <a:pPr marL="0" lvl="0" indent="0" algn="l" rtl="0">
+              <a:spcBef>
+                <a:spcPts val="0"/>
+              </a:spcBef>
+              <a:spcAft>
+                <a:spcPts val="0"/>
+              </a:spcAft>
+              <a:buNone/>
+            </a:pPr>
             <a:endParaRPr/>
           </a:p>
         </p:txBody>
@@ -1915,7 +1965,9 @@
       <p:sp>
         <p:nvSpPr>
           <p:cNvPr id="12" name="Google Shape;12;p2"/>
-          <p:cNvSpPr txBox="1"/>
+          <p:cNvSpPr txBox="1">
+            <a:spLocks noGrp="1"/>
+          </p:cNvSpPr>
           <p:nvPr>
             <p:ph type="ctrTitle"/>
           </p:nvPr>
@@ -1930,7 +1982,7 @@
           </a:prstGeom>
         </p:spPr>
         <p:txBody>
-          <a:bodyPr anchorCtr="0" anchor="b" bIns="91425" lIns="91425" spcFirstLastPara="1" rIns="91425" wrap="square" tIns="91425">
+          <a:bodyPr spcFirstLastPara="1" wrap="square" lIns="91425" tIns="91425" rIns="91425" bIns="91425" anchor="b" anchorCtr="0">
             <a:noAutofit/>
           </a:bodyPr>
           <a:lstStyle>
@@ -2034,15 +2086,19 @@
               <a:defRPr sz="4800"/>
             </a:lvl9pPr>
           </a:lstStyle>
-          <a:p/>
+          <a:p>
+            <a:endParaRPr/>
+          </a:p>
         </p:txBody>
       </p:sp>
       <p:sp>
         <p:nvSpPr>
           <p:cNvPr id="13" name="Google Shape;13;p2"/>
-          <p:cNvSpPr txBox="1"/>
+          <p:cNvSpPr txBox="1">
+            <a:spLocks noGrp="1"/>
+          </p:cNvSpPr>
           <p:nvPr>
-            <p:ph idx="1" type="subTitle"/>
+            <p:ph type="subTitle" idx="1"/>
           </p:nvPr>
         </p:nvSpPr>
         <p:spPr>
@@ -2055,7 +2111,7 @@
           </a:prstGeom>
         </p:spPr>
         <p:txBody>
-          <a:bodyPr anchorCtr="0" anchor="t" bIns="91425" lIns="91425" spcFirstLastPara="1" rIns="91425" wrap="square" tIns="91425">
+          <a:bodyPr spcFirstLastPara="1" wrap="square" lIns="91425" tIns="91425" rIns="91425" bIns="91425" anchor="t" anchorCtr="0">
             <a:noAutofit/>
           </a:bodyPr>
           <a:lstStyle>
@@ -2249,15 +2305,19 @@
               </a:defRPr>
             </a:lvl9pPr>
           </a:lstStyle>
-          <a:p/>
+          <a:p>
+            <a:endParaRPr/>
+          </a:p>
         </p:txBody>
       </p:sp>
       <p:sp>
         <p:nvSpPr>
           <p:cNvPr id="14" name="Google Shape;14;p2"/>
-          <p:cNvSpPr txBox="1"/>
+          <p:cNvSpPr txBox="1">
+            <a:spLocks noGrp="1"/>
+          </p:cNvSpPr>
           <p:nvPr>
-            <p:ph idx="12" type="sldNum"/>
+            <p:ph type="sldNum" idx="12"/>
           </p:nvPr>
         </p:nvSpPr>
         <p:spPr>
@@ -2270,7 +2330,7 @@
           </a:prstGeom>
         </p:spPr>
         <p:txBody>
-          <a:bodyPr anchorCtr="0" anchor="ctr" bIns="91425" lIns="91425" spcFirstLastPara="1" rIns="91425" wrap="square" tIns="91425">
+          <a:bodyPr spcFirstLastPara="1" wrap="square" lIns="91425" tIns="91425" rIns="91425" bIns="91425" anchor="ctr" anchorCtr="0">
             <a:noAutofit/>
           </a:bodyPr>
           <a:lstStyle>
@@ -2312,7 +2372,7 @@
             </a:lvl9pPr>
           </a:lstStyle>
           <a:p>
-            <a:pPr indent="0" lvl="0" marL="0" rtl="0" algn="r">
+            <a:pPr marL="0" lvl="0" indent="0" algn="r" rtl="0">
               <a:spcBef>
                 <a:spcPts val="0"/>
               </a:spcBef>
@@ -2338,18 +2398,19 @@
 </file>
 
 <file path=ppt/slideLayouts/slideLayout10.xml><?xml version="1.0" encoding="utf-8"?>
-<p:sldLayout xmlns:a="http://schemas.openxmlformats.org/drawingml/2006/main" xmlns:r="http://schemas.openxmlformats.org/officeDocument/2006/relationships" xmlns:mc="http://schemas.openxmlformats.org/markup-compatibility/2006" xmlns:mv="urn:schemas-microsoft-com:mac:vml" xmlns:p="http://schemas.openxmlformats.org/presentationml/2006/main" xmlns:c="http://schemas.openxmlformats.org/drawingml/2006/chart" xmlns:dgm="http://schemas.openxmlformats.org/drawingml/2006/diagram" xmlns:o="urn:schemas-microsoft-com:office:office" xmlns:v="urn:schemas-microsoft-com:vml" xmlns:pvml="urn:schemas-microsoft-com:office:powerpoint" xmlns:com="http://schemas.openxmlformats.org/drawingml/2006/compatibility" xmlns:p14="http://schemas.microsoft.com/office/powerpoint/2010/main" xmlns:p15="http://schemas.microsoft.com/office/powerpoint/2012/main" xmlns:ahyp="http://schemas.microsoft.com/office/drawing/2018/hyperlinkcolor" matchingName="Big number">
+<p:sldLayout xmlns:a="http://schemas.openxmlformats.org/drawingml/2006/main" xmlns:r="http://schemas.openxmlformats.org/officeDocument/2006/relationships" xmlns:p="http://schemas.openxmlformats.org/presentationml/2006/main" matchingName="Big number">
   <p:cSld name="BIG_NUMBER">
     <p:bg>
       <p:bgPr>
         <a:solidFill>
           <a:schemeClr val="accent4"/>
         </a:solidFill>
+        <a:effectLst/>
       </p:bgPr>
     </p:bg>
     <p:spTree>
       <p:nvGrpSpPr>
-        <p:cNvPr id="57" name="Shape 57"/>
+        <p:cNvPr id="1" name="Shape 57"/>
         <p:cNvGrpSpPr/>
         <p:nvPr/>
       </p:nvGrpSpPr>
@@ -2364,9 +2425,11 @@
       <p:sp>
         <p:nvSpPr>
           <p:cNvPr id="58" name="Google Shape;58;p11"/>
-          <p:cNvSpPr txBox="1"/>
+          <p:cNvSpPr txBox="1">
+            <a:spLocks noGrp="1"/>
+          </p:cNvSpPr>
           <p:nvPr>
-            <p:ph hasCustomPrompt="1" type="title"/>
+            <p:ph type="title" hasCustomPrompt="1"/>
           </p:nvPr>
         </p:nvSpPr>
         <p:spPr>
@@ -2379,11 +2442,11 @@
           </a:prstGeom>
         </p:spPr>
         <p:txBody>
-          <a:bodyPr anchorCtr="0" anchor="b" bIns="91425" lIns="91425" spcFirstLastPara="1" rIns="91425" wrap="square" tIns="91425">
+          <a:bodyPr spcFirstLastPara="1" wrap="square" lIns="91425" tIns="91425" rIns="91425" bIns="91425" anchor="b" anchorCtr="0">
             <a:noAutofit/>
           </a:bodyPr>
           <a:lstStyle>
-            <a:lvl1pPr lvl="0" rtl="0" algn="ctr">
+            <a:lvl1pPr lvl="0" algn="ctr" rtl="0">
               <a:spcBef>
                 <a:spcPts val="0"/>
               </a:spcBef>
@@ -2401,7 +2464,7 @@
                 </a:solidFill>
               </a:defRPr>
             </a:lvl1pPr>
-            <a:lvl2pPr lvl="1" rtl="0" algn="ctr">
+            <a:lvl2pPr lvl="1" algn="ctr" rtl="0">
               <a:spcBef>
                 <a:spcPts val="0"/>
               </a:spcBef>
@@ -2419,7 +2482,7 @@
                 </a:solidFill>
               </a:defRPr>
             </a:lvl2pPr>
-            <a:lvl3pPr lvl="2" rtl="0" algn="ctr">
+            <a:lvl3pPr lvl="2" algn="ctr" rtl="0">
               <a:spcBef>
                 <a:spcPts val="0"/>
               </a:spcBef>
@@ -2437,7 +2500,7 @@
                 </a:solidFill>
               </a:defRPr>
             </a:lvl3pPr>
-            <a:lvl4pPr lvl="3" rtl="0" algn="ctr">
+            <a:lvl4pPr lvl="3" algn="ctr" rtl="0">
               <a:spcBef>
                 <a:spcPts val="0"/>
               </a:spcBef>
@@ -2455,7 +2518,7 @@
                 </a:solidFill>
               </a:defRPr>
             </a:lvl4pPr>
-            <a:lvl5pPr lvl="4" rtl="0" algn="ctr">
+            <a:lvl5pPr lvl="4" algn="ctr" rtl="0">
               <a:spcBef>
                 <a:spcPts val="0"/>
               </a:spcBef>
@@ -2473,7 +2536,7 @@
                 </a:solidFill>
               </a:defRPr>
             </a:lvl5pPr>
-            <a:lvl6pPr lvl="5" rtl="0" algn="ctr">
+            <a:lvl6pPr lvl="5" algn="ctr" rtl="0">
               <a:spcBef>
                 <a:spcPts val="0"/>
               </a:spcBef>
@@ -2491,7 +2554,7 @@
                 </a:solidFill>
               </a:defRPr>
             </a:lvl6pPr>
-            <a:lvl7pPr lvl="6" rtl="0" algn="ctr">
+            <a:lvl7pPr lvl="6" algn="ctr" rtl="0">
               <a:spcBef>
                 <a:spcPts val="0"/>
               </a:spcBef>
@@ -2509,7 +2572,7 @@
                 </a:solidFill>
               </a:defRPr>
             </a:lvl7pPr>
-            <a:lvl8pPr lvl="7" rtl="0" algn="ctr">
+            <a:lvl8pPr lvl="7" algn="ctr" rtl="0">
               <a:spcBef>
                 <a:spcPts val="0"/>
               </a:spcBef>
@@ -2527,7 +2590,7 @@
                 </a:solidFill>
               </a:defRPr>
             </a:lvl8pPr>
-            <a:lvl9pPr lvl="8" rtl="0" algn="ctr">
+            <a:lvl9pPr lvl="8" algn="ctr" rtl="0">
               <a:spcBef>
                 <a:spcPts val="0"/>
               </a:spcBef>
@@ -2556,9 +2619,11 @@
       <p:sp>
         <p:nvSpPr>
           <p:cNvPr id="59" name="Google Shape;59;p11"/>
-          <p:cNvSpPr txBox="1"/>
+          <p:cNvSpPr txBox="1">
+            <a:spLocks noGrp="1"/>
+          </p:cNvSpPr>
           <p:nvPr>
-            <p:ph idx="1" type="body"/>
+            <p:ph type="body" idx="1"/>
           </p:nvPr>
         </p:nvSpPr>
         <p:spPr>
@@ -2571,11 +2636,11 @@
           </a:prstGeom>
         </p:spPr>
         <p:txBody>
-          <a:bodyPr anchorCtr="0" anchor="t" bIns="91425" lIns="91425" spcFirstLastPara="1" rIns="91425" wrap="square" tIns="91425">
+          <a:bodyPr spcFirstLastPara="1" wrap="square" lIns="91425" tIns="91425" rIns="91425" bIns="91425" anchor="t" anchorCtr="0">
             <a:noAutofit/>
           </a:bodyPr>
           <a:lstStyle>
-            <a:lvl1pPr indent="-342900" lvl="0" marL="457200" rtl="0" algn="ctr">
+            <a:lvl1pPr marL="457200" lvl="0" indent="-342900" algn="ctr" rtl="0">
               <a:spcBef>
                 <a:spcPts val="0"/>
               </a:spcBef>
@@ -2586,7 +2651,7 @@
               <a:buChar char="●"/>
               <a:defRPr/>
             </a:lvl1pPr>
-            <a:lvl2pPr indent="-317500" lvl="1" marL="914400" rtl="0" algn="ctr">
+            <a:lvl2pPr marL="914400" lvl="1" indent="-317500" algn="ctr" rtl="0">
               <a:spcBef>
                 <a:spcPts val="1600"/>
               </a:spcBef>
@@ -2597,7 +2662,7 @@
               <a:buChar char="○"/>
               <a:defRPr/>
             </a:lvl2pPr>
-            <a:lvl3pPr indent="-317500" lvl="2" marL="1371600" rtl="0" algn="ctr">
+            <a:lvl3pPr marL="1371600" lvl="2" indent="-317500" algn="ctr" rtl="0">
               <a:spcBef>
                 <a:spcPts val="1600"/>
               </a:spcBef>
@@ -2608,7 +2673,7 @@
               <a:buChar char="■"/>
               <a:defRPr/>
             </a:lvl3pPr>
-            <a:lvl4pPr indent="-317500" lvl="3" marL="1828800" rtl="0" algn="ctr">
+            <a:lvl4pPr marL="1828800" lvl="3" indent="-317500" algn="ctr" rtl="0">
               <a:spcBef>
                 <a:spcPts val="1600"/>
               </a:spcBef>
@@ -2619,7 +2684,7 @@
               <a:buChar char="●"/>
               <a:defRPr/>
             </a:lvl4pPr>
-            <a:lvl5pPr indent="-317500" lvl="4" marL="2286000" rtl="0" algn="ctr">
+            <a:lvl5pPr marL="2286000" lvl="4" indent="-317500" algn="ctr" rtl="0">
               <a:spcBef>
                 <a:spcPts val="1600"/>
               </a:spcBef>
@@ -2630,7 +2695,7 @@
               <a:buChar char="○"/>
               <a:defRPr/>
             </a:lvl5pPr>
-            <a:lvl6pPr indent="-317500" lvl="5" marL="2743200" rtl="0" algn="ctr">
+            <a:lvl6pPr marL="2743200" lvl="5" indent="-317500" algn="ctr" rtl="0">
               <a:spcBef>
                 <a:spcPts val="1600"/>
               </a:spcBef>
@@ -2641,7 +2706,7 @@
               <a:buChar char="■"/>
               <a:defRPr/>
             </a:lvl6pPr>
-            <a:lvl7pPr indent="-317500" lvl="6" marL="3200400" rtl="0" algn="ctr">
+            <a:lvl7pPr marL="3200400" lvl="6" indent="-317500" algn="ctr" rtl="0">
               <a:spcBef>
                 <a:spcPts val="1600"/>
               </a:spcBef>
@@ -2652,7 +2717,7 @@
               <a:buChar char="●"/>
               <a:defRPr/>
             </a:lvl7pPr>
-            <a:lvl8pPr indent="-317500" lvl="7" marL="3657600" rtl="0" algn="ctr">
+            <a:lvl8pPr marL="3657600" lvl="7" indent="-317500" algn="ctr" rtl="0">
               <a:spcBef>
                 <a:spcPts val="1600"/>
               </a:spcBef>
@@ -2663,7 +2728,7 @@
               <a:buChar char="○"/>
               <a:defRPr/>
             </a:lvl8pPr>
-            <a:lvl9pPr indent="-317500" lvl="8" marL="4114800" rtl="0" algn="ctr">
+            <a:lvl9pPr marL="4114800" lvl="8" indent="-317500" algn="ctr" rtl="0">
               <a:spcBef>
                 <a:spcPts val="1600"/>
               </a:spcBef>
@@ -2675,15 +2740,19 @@
               <a:defRPr/>
             </a:lvl9pPr>
           </a:lstStyle>
-          <a:p/>
+          <a:p>
+            <a:endParaRPr/>
+          </a:p>
         </p:txBody>
       </p:sp>
       <p:sp>
         <p:nvSpPr>
           <p:cNvPr id="60" name="Google Shape;60;p11"/>
-          <p:cNvSpPr txBox="1"/>
+          <p:cNvSpPr txBox="1">
+            <a:spLocks noGrp="1"/>
+          </p:cNvSpPr>
           <p:nvPr>
-            <p:ph idx="12" type="sldNum"/>
+            <p:ph type="sldNum" idx="12"/>
           </p:nvPr>
         </p:nvSpPr>
         <p:spPr>
@@ -2696,7 +2765,7 @@
           </a:prstGeom>
         </p:spPr>
         <p:txBody>
-          <a:bodyPr anchorCtr="0" anchor="ctr" bIns="91425" lIns="91425" spcFirstLastPara="1" rIns="91425" wrap="square" tIns="91425">
+          <a:bodyPr spcFirstLastPara="1" wrap="square" lIns="91425" tIns="91425" rIns="91425" bIns="91425" anchor="ctr" anchorCtr="0">
             <a:noAutofit/>
           </a:bodyPr>
           <a:lstStyle>
@@ -2738,7 +2807,7 @@
             </a:lvl9pPr>
           </a:lstStyle>
           <a:p>
-            <a:pPr indent="0" lvl="0" marL="0" rtl="0" algn="r">
+            <a:pPr marL="0" lvl="0" indent="0" algn="r" rtl="0">
               <a:spcBef>
                 <a:spcPts val="0"/>
               </a:spcBef>
@@ -2764,18 +2833,19 @@
 </file>
 
 <file path=ppt/slideLayouts/slideLayout11.xml><?xml version="1.0" encoding="utf-8"?>
-<p:sldLayout xmlns:a="http://schemas.openxmlformats.org/drawingml/2006/main" xmlns:r="http://schemas.openxmlformats.org/officeDocument/2006/relationships" xmlns:mc="http://schemas.openxmlformats.org/markup-compatibility/2006" xmlns:mv="urn:schemas-microsoft-com:mac:vml" xmlns:p="http://schemas.openxmlformats.org/presentationml/2006/main" xmlns:c="http://schemas.openxmlformats.org/drawingml/2006/chart" xmlns:dgm="http://schemas.openxmlformats.org/drawingml/2006/diagram" xmlns:o="urn:schemas-microsoft-com:office:office" xmlns:v="urn:schemas-microsoft-com:vml" xmlns:pvml="urn:schemas-microsoft-com:office:powerpoint" xmlns:com="http://schemas.openxmlformats.org/drawingml/2006/compatibility" xmlns:p14="http://schemas.microsoft.com/office/powerpoint/2010/main" xmlns:p15="http://schemas.microsoft.com/office/powerpoint/2012/main" xmlns:ahyp="http://schemas.microsoft.com/office/drawing/2018/hyperlinkcolor" matchingName="Blank" type="blank">
+<p:sldLayout xmlns:a="http://schemas.openxmlformats.org/drawingml/2006/main" xmlns:r="http://schemas.openxmlformats.org/officeDocument/2006/relationships" xmlns:p="http://schemas.openxmlformats.org/presentationml/2006/main" matchingName="Blank" type="blank">
   <p:cSld name="BLANK">
     <p:bg>
       <p:bgPr>
         <a:solidFill>
           <a:schemeClr val="accent4"/>
         </a:solidFill>
+        <a:effectLst/>
       </p:bgPr>
     </p:bg>
     <p:spTree>
       <p:nvGrpSpPr>
-        <p:cNvPr id="61" name="Shape 61"/>
+        <p:cNvPr id="1" name="Shape 61"/>
         <p:cNvGrpSpPr/>
         <p:nvPr/>
       </p:nvGrpSpPr>
@@ -2790,9 +2860,11 @@
       <p:sp>
         <p:nvSpPr>
           <p:cNvPr id="62" name="Google Shape;62;p12"/>
-          <p:cNvSpPr txBox="1"/>
+          <p:cNvSpPr txBox="1">
+            <a:spLocks noGrp="1"/>
+          </p:cNvSpPr>
           <p:nvPr>
-            <p:ph idx="12" type="sldNum"/>
+            <p:ph type="sldNum" idx="12"/>
           </p:nvPr>
         </p:nvSpPr>
         <p:spPr>
@@ -2805,7 +2877,7 @@
           </a:prstGeom>
         </p:spPr>
         <p:txBody>
-          <a:bodyPr anchorCtr="0" anchor="ctr" bIns="91425" lIns="91425" spcFirstLastPara="1" rIns="91425" wrap="square" tIns="91425">
+          <a:bodyPr spcFirstLastPara="1" wrap="square" lIns="91425" tIns="91425" rIns="91425" bIns="91425" anchor="ctr" anchorCtr="0">
             <a:noAutofit/>
           </a:bodyPr>
           <a:lstStyle>
@@ -2847,7 +2919,7 @@
             </a:lvl9pPr>
           </a:lstStyle>
           <a:p>
-            <a:pPr indent="0" lvl="0" marL="0" rtl="0" algn="r">
+            <a:pPr marL="0" lvl="0" indent="0" algn="r" rtl="0">
               <a:spcBef>
                 <a:spcPts val="0"/>
               </a:spcBef>
@@ -2873,11 +2945,11 @@
 </file>
 
 <file path=ppt/slideLayouts/slideLayout2.xml><?xml version="1.0" encoding="utf-8"?>
-<p:sldLayout xmlns:a="http://schemas.openxmlformats.org/drawingml/2006/main" xmlns:r="http://schemas.openxmlformats.org/officeDocument/2006/relationships" xmlns:mc="http://schemas.openxmlformats.org/markup-compatibility/2006" xmlns:mv="urn:schemas-microsoft-com:mac:vml" xmlns:p="http://schemas.openxmlformats.org/presentationml/2006/main" xmlns:c="http://schemas.openxmlformats.org/drawingml/2006/chart" xmlns:dgm="http://schemas.openxmlformats.org/drawingml/2006/diagram" xmlns:o="urn:schemas-microsoft-com:office:office" xmlns:v="urn:schemas-microsoft-com:vml" xmlns:pvml="urn:schemas-microsoft-com:office:powerpoint" xmlns:com="http://schemas.openxmlformats.org/drawingml/2006/compatibility" xmlns:p14="http://schemas.microsoft.com/office/powerpoint/2010/main" xmlns:p15="http://schemas.microsoft.com/office/powerpoint/2012/main" xmlns:ahyp="http://schemas.microsoft.com/office/drawing/2018/hyperlinkcolor" matchingName="Section header" type="secHead">
+<p:sldLayout xmlns:a="http://schemas.openxmlformats.org/drawingml/2006/main" xmlns:r="http://schemas.openxmlformats.org/officeDocument/2006/relationships" xmlns:p="http://schemas.openxmlformats.org/presentationml/2006/main" matchingName="Section header" type="secHead">
   <p:cSld name="SECTION_HEADER">
     <p:spTree>
       <p:nvGrpSpPr>
-        <p:cNvPr id="15" name="Shape 15"/>
+        <p:cNvPr id="1" name="Shape 15"/>
         <p:cNvGrpSpPr/>
         <p:nvPr/>
       </p:nvGrpSpPr>
@@ -2892,7 +2964,9 @@
       <p:sp>
         <p:nvSpPr>
           <p:cNvPr id="16" name="Google Shape;16;p3"/>
-          <p:cNvSpPr txBox="1"/>
+          <p:cNvSpPr txBox="1">
+            <a:spLocks noGrp="1"/>
+          </p:cNvSpPr>
           <p:nvPr>
             <p:ph type="title"/>
           </p:nvPr>
@@ -2907,7 +2981,7 @@
           </a:prstGeom>
         </p:spPr>
         <p:txBody>
-          <a:bodyPr anchorCtr="0" anchor="ctr" bIns="91425" lIns="91425" spcFirstLastPara="1" rIns="91425" wrap="square" tIns="91425">
+          <a:bodyPr spcFirstLastPara="1" wrap="square" lIns="91425" tIns="91425" rIns="91425" bIns="91425" anchor="ctr" anchorCtr="0">
             <a:noAutofit/>
           </a:bodyPr>
           <a:lstStyle>
@@ -3011,15 +3085,19 @@
               <a:defRPr sz="4200"/>
             </a:lvl9pPr>
           </a:lstStyle>
-          <a:p/>
+          <a:p>
+            <a:endParaRPr/>
+          </a:p>
         </p:txBody>
       </p:sp>
       <p:sp>
         <p:nvSpPr>
           <p:cNvPr id="17" name="Google Shape;17;p3"/>
-          <p:cNvSpPr txBox="1"/>
+          <p:cNvSpPr txBox="1">
+            <a:spLocks noGrp="1"/>
+          </p:cNvSpPr>
           <p:nvPr>
-            <p:ph idx="12" type="sldNum"/>
+            <p:ph type="sldNum" idx="12"/>
           </p:nvPr>
         </p:nvSpPr>
         <p:spPr>
@@ -3032,7 +3110,7 @@
           </a:prstGeom>
         </p:spPr>
         <p:txBody>
-          <a:bodyPr anchorCtr="0" anchor="ctr" bIns="91425" lIns="91425" spcFirstLastPara="1" rIns="91425" wrap="square" tIns="91425">
+          <a:bodyPr spcFirstLastPara="1" wrap="square" lIns="91425" tIns="91425" rIns="91425" bIns="91425" anchor="ctr" anchorCtr="0">
             <a:noAutofit/>
           </a:bodyPr>
           <a:lstStyle>
@@ -3110,7 +3188,7 @@
             </a:lvl9pPr>
           </a:lstStyle>
           <a:p>
-            <a:pPr indent="0" lvl="0" marL="0" rtl="0" algn="r">
+            <a:pPr marL="0" lvl="0" indent="0" algn="r" rtl="0">
               <a:spcBef>
                 <a:spcPts val="0"/>
               </a:spcBef>
@@ -3136,11 +3214,11 @@
 </file>
 
 <file path=ppt/slideLayouts/slideLayout3.xml><?xml version="1.0" encoding="utf-8"?>
-<p:sldLayout xmlns:a="http://schemas.openxmlformats.org/drawingml/2006/main" xmlns:r="http://schemas.openxmlformats.org/officeDocument/2006/relationships" xmlns:mc="http://schemas.openxmlformats.org/markup-compatibility/2006" xmlns:mv="urn:schemas-microsoft-com:mac:vml" xmlns:p="http://schemas.openxmlformats.org/presentationml/2006/main" xmlns:c="http://schemas.openxmlformats.org/drawingml/2006/chart" xmlns:dgm="http://schemas.openxmlformats.org/drawingml/2006/diagram" xmlns:o="urn:schemas-microsoft-com:office:office" xmlns:v="urn:schemas-microsoft-com:vml" xmlns:pvml="urn:schemas-microsoft-com:office:powerpoint" xmlns:com="http://schemas.openxmlformats.org/drawingml/2006/compatibility" xmlns:p14="http://schemas.microsoft.com/office/powerpoint/2010/main" xmlns:p15="http://schemas.microsoft.com/office/powerpoint/2012/main" xmlns:ahyp="http://schemas.microsoft.com/office/drawing/2018/hyperlinkcolor" matchingName="Title and body" type="tx">
+<p:sldLayout xmlns:a="http://schemas.openxmlformats.org/drawingml/2006/main" xmlns:r="http://schemas.openxmlformats.org/officeDocument/2006/relationships" xmlns:p="http://schemas.openxmlformats.org/presentationml/2006/main" matchingName="Title and body" type="tx">
   <p:cSld name="TITLE_AND_BODY">
     <p:spTree>
       <p:nvGrpSpPr>
-        <p:cNvPr id="18" name="Shape 18"/>
+        <p:cNvPr id="1" name="Shape 18"/>
         <p:cNvGrpSpPr/>
         <p:nvPr/>
       </p:nvGrpSpPr>
@@ -3159,7 +3237,7 @@
           <p:nvPr/>
         </p:nvSpPr>
         <p:spPr>
-          <a:xfrm flipH="1" rot="10800000">
+          <a:xfrm rot="10800000" flipH="1">
             <a:off x="0" y="1686000"/>
             <a:ext cx="9144000" cy="3457500"/>
           </a:xfrm>
@@ -3174,23 +3252,20 @@
           </a:ln>
         </p:spPr>
         <p:txBody>
-          <a:bodyPr anchorCtr="0" anchor="ctr" bIns="91425" lIns="91425" spcFirstLastPara="1" rIns="91425" wrap="square" tIns="91425">
+          <a:bodyPr spcFirstLastPara="1" wrap="square" lIns="91425" tIns="91425" rIns="91425" bIns="91425" anchor="ctr" anchorCtr="0">
             <a:noAutofit/>
           </a:bodyPr>
           <a:lstStyle/>
           <a:p>
-            <a:pPr indent="0" lvl="0" marL="0" rtl="0" algn="l">
-              <a:spcBef>
-                <a:spcPts val="0"/>
-              </a:spcBef>
-              <a:spcAft>
-                <a:spcPts val="0"/>
-              </a:spcAft>
-              <a:buNone/>
-            </a:pPr>
-            <a:r>
-              <a:t/>
-            </a:r>
+            <a:pPr marL="0" lvl="0" indent="0" algn="l" rtl="0">
+              <a:spcBef>
+                <a:spcPts val="0"/>
+              </a:spcBef>
+              <a:spcAft>
+                <a:spcPts val="0"/>
+              </a:spcAft>
+              <a:buNone/>
+            </a:pPr>
             <a:endParaRPr/>
           </a:p>
         </p:txBody>
@@ -3231,23 +3306,20 @@
           </a:ln>
         </p:spPr>
         <p:txBody>
-          <a:bodyPr anchorCtr="0" anchor="ctr" bIns="91425" lIns="91425" spcFirstLastPara="1" rIns="91425" wrap="square" tIns="91425">
+          <a:bodyPr spcFirstLastPara="1" wrap="square" lIns="91425" tIns="91425" rIns="91425" bIns="91425" anchor="ctr" anchorCtr="0">
             <a:noAutofit/>
           </a:bodyPr>
           <a:lstStyle/>
           <a:p>
-            <a:pPr indent="0" lvl="0" marL="0" rtl="0" algn="l">
-              <a:spcBef>
-                <a:spcPts val="0"/>
-              </a:spcBef>
-              <a:spcAft>
-                <a:spcPts val="0"/>
-              </a:spcAft>
-              <a:buNone/>
-            </a:pPr>
-            <a:r>
-              <a:t/>
-            </a:r>
+            <a:pPr marL="0" lvl="0" indent="0" algn="l" rtl="0">
+              <a:spcBef>
+                <a:spcPts val="0"/>
+              </a:spcBef>
+              <a:spcAft>
+                <a:spcPts val="0"/>
+              </a:spcAft>
+              <a:buNone/>
+            </a:pPr>
             <a:endParaRPr/>
           </a:p>
         </p:txBody>
@@ -3255,7 +3327,9 @@
       <p:sp>
         <p:nvSpPr>
           <p:cNvPr id="21" name="Google Shape;21;p4"/>
-          <p:cNvSpPr txBox="1"/>
+          <p:cNvSpPr txBox="1">
+            <a:spLocks noGrp="1"/>
+          </p:cNvSpPr>
           <p:nvPr>
             <p:ph type="title"/>
           </p:nvPr>
@@ -3270,7 +3344,7 @@
           </a:prstGeom>
         </p:spPr>
         <p:txBody>
-          <a:bodyPr anchorCtr="0" anchor="b" bIns="91425" lIns="91425" spcFirstLastPara="1" rIns="91425" wrap="square" tIns="91425">
+          <a:bodyPr spcFirstLastPara="1" wrap="square" lIns="91425" tIns="91425" rIns="91425" bIns="91425" anchor="b" anchorCtr="0">
             <a:noAutofit/>
           </a:bodyPr>
           <a:lstStyle>
@@ -3374,15 +3448,19 @@
               <a:defRPr/>
             </a:lvl9pPr>
           </a:lstStyle>
-          <a:p/>
+          <a:p>
+            <a:endParaRPr/>
+          </a:p>
         </p:txBody>
       </p:sp>
       <p:sp>
         <p:nvSpPr>
           <p:cNvPr id="22" name="Google Shape;22;p4"/>
-          <p:cNvSpPr txBox="1"/>
+          <p:cNvSpPr txBox="1">
+            <a:spLocks noGrp="1"/>
+          </p:cNvSpPr>
           <p:nvPr>
-            <p:ph idx="1" type="body"/>
+            <p:ph type="body" idx="1"/>
           </p:nvPr>
         </p:nvSpPr>
         <p:spPr>
@@ -3395,11 +3473,11 @@
           </a:prstGeom>
         </p:spPr>
         <p:txBody>
-          <a:bodyPr anchorCtr="0" anchor="t" bIns="91425" lIns="91425" spcFirstLastPara="1" rIns="91425" wrap="square" tIns="91425">
+          <a:bodyPr spcFirstLastPara="1" wrap="square" lIns="91425" tIns="91425" rIns="91425" bIns="91425" anchor="t" anchorCtr="0">
             <a:noAutofit/>
           </a:bodyPr>
           <a:lstStyle>
-            <a:lvl1pPr indent="-342900" lvl="0" marL="457200" rtl="0">
+            <a:lvl1pPr marL="457200" lvl="0" indent="-342900" rtl="0">
               <a:spcBef>
                 <a:spcPts val="0"/>
               </a:spcBef>
@@ -3410,7 +3488,7 @@
               <a:buChar char="●"/>
               <a:defRPr/>
             </a:lvl1pPr>
-            <a:lvl2pPr indent="-317500" lvl="1" marL="914400" rtl="0">
+            <a:lvl2pPr marL="914400" lvl="1" indent="-317500" rtl="0">
               <a:spcBef>
                 <a:spcPts val="1600"/>
               </a:spcBef>
@@ -3421,7 +3499,7 @@
               <a:buChar char="○"/>
               <a:defRPr/>
             </a:lvl2pPr>
-            <a:lvl3pPr indent="-317500" lvl="2" marL="1371600" rtl="0">
+            <a:lvl3pPr marL="1371600" lvl="2" indent="-317500" rtl="0">
               <a:spcBef>
                 <a:spcPts val="1600"/>
               </a:spcBef>
@@ -3432,7 +3510,7 @@
               <a:buChar char="■"/>
               <a:defRPr/>
             </a:lvl3pPr>
-            <a:lvl4pPr indent="-317500" lvl="3" marL="1828800" rtl="0">
+            <a:lvl4pPr marL="1828800" lvl="3" indent="-317500" rtl="0">
               <a:spcBef>
                 <a:spcPts val="1600"/>
               </a:spcBef>
@@ -3443,7 +3521,7 @@
               <a:buChar char="●"/>
               <a:defRPr/>
             </a:lvl4pPr>
-            <a:lvl5pPr indent="-317500" lvl="4" marL="2286000" rtl="0">
+            <a:lvl5pPr marL="2286000" lvl="4" indent="-317500" rtl="0">
               <a:spcBef>
                 <a:spcPts val="1600"/>
               </a:spcBef>
@@ -3454,7 +3532,7 @@
               <a:buChar char="○"/>
               <a:defRPr/>
             </a:lvl5pPr>
-            <a:lvl6pPr indent="-317500" lvl="5" marL="2743200" rtl="0">
+            <a:lvl6pPr marL="2743200" lvl="5" indent="-317500" rtl="0">
               <a:spcBef>
                 <a:spcPts val="1600"/>
               </a:spcBef>
@@ -3465,7 +3543,7 @@
               <a:buChar char="■"/>
               <a:defRPr/>
             </a:lvl6pPr>
-            <a:lvl7pPr indent="-317500" lvl="6" marL="3200400" rtl="0">
+            <a:lvl7pPr marL="3200400" lvl="6" indent="-317500" rtl="0">
               <a:spcBef>
                 <a:spcPts val="1600"/>
               </a:spcBef>
@@ -3476,7 +3554,7 @@
               <a:buChar char="●"/>
               <a:defRPr/>
             </a:lvl7pPr>
-            <a:lvl8pPr indent="-317500" lvl="7" marL="3657600" rtl="0">
+            <a:lvl8pPr marL="3657600" lvl="7" indent="-317500" rtl="0">
               <a:spcBef>
                 <a:spcPts val="1600"/>
               </a:spcBef>
@@ -3487,7 +3565,7 @@
               <a:buChar char="○"/>
               <a:defRPr/>
             </a:lvl8pPr>
-            <a:lvl9pPr indent="-317500" lvl="8" marL="4114800" rtl="0">
+            <a:lvl9pPr marL="4114800" lvl="8" indent="-317500" rtl="0">
               <a:spcBef>
                 <a:spcPts val="1600"/>
               </a:spcBef>
@@ -3499,15 +3577,19 @@
               <a:defRPr/>
             </a:lvl9pPr>
           </a:lstStyle>
-          <a:p/>
+          <a:p>
+            <a:endParaRPr/>
+          </a:p>
         </p:txBody>
       </p:sp>
       <p:sp>
         <p:nvSpPr>
           <p:cNvPr id="23" name="Google Shape;23;p4"/>
-          <p:cNvSpPr txBox="1"/>
+          <p:cNvSpPr txBox="1">
+            <a:spLocks noGrp="1"/>
+          </p:cNvSpPr>
           <p:nvPr>
-            <p:ph idx="12" type="sldNum"/>
+            <p:ph type="sldNum" idx="12"/>
           </p:nvPr>
         </p:nvSpPr>
         <p:spPr>
@@ -3520,7 +3602,7 @@
           </a:prstGeom>
         </p:spPr>
         <p:txBody>
-          <a:bodyPr anchorCtr="0" anchor="ctr" bIns="91425" lIns="91425" spcFirstLastPara="1" rIns="91425" wrap="square" tIns="91425">
+          <a:bodyPr spcFirstLastPara="1" wrap="square" lIns="91425" tIns="91425" rIns="91425" bIns="91425" anchor="ctr" anchorCtr="0">
             <a:noAutofit/>
           </a:bodyPr>
           <a:lstStyle>
@@ -3562,7 +3644,7 @@
             </a:lvl9pPr>
           </a:lstStyle>
           <a:p>
-            <a:pPr indent="0" lvl="0" marL="0" rtl="0" algn="r">
+            <a:pPr marL="0" lvl="0" indent="0" algn="r" rtl="0">
               <a:spcBef>
                 <a:spcPts val="0"/>
               </a:spcBef>
@@ -3588,11 +3670,11 @@
 </file>
 
 <file path=ppt/slideLayouts/slideLayout4.xml><?xml version="1.0" encoding="utf-8"?>
-<p:sldLayout xmlns:a="http://schemas.openxmlformats.org/drawingml/2006/main" xmlns:r="http://schemas.openxmlformats.org/officeDocument/2006/relationships" xmlns:mc="http://schemas.openxmlformats.org/markup-compatibility/2006" xmlns:mv="urn:schemas-microsoft-com:mac:vml" xmlns:p="http://schemas.openxmlformats.org/presentationml/2006/main" xmlns:c="http://schemas.openxmlformats.org/drawingml/2006/chart" xmlns:dgm="http://schemas.openxmlformats.org/drawingml/2006/diagram" xmlns:o="urn:schemas-microsoft-com:office:office" xmlns:v="urn:schemas-microsoft-com:vml" xmlns:pvml="urn:schemas-microsoft-com:office:powerpoint" xmlns:com="http://schemas.openxmlformats.org/drawingml/2006/compatibility" xmlns:p14="http://schemas.microsoft.com/office/powerpoint/2010/main" xmlns:p15="http://schemas.microsoft.com/office/powerpoint/2012/main" xmlns:ahyp="http://schemas.microsoft.com/office/drawing/2018/hyperlinkcolor" matchingName="Title and two columns" type="twoColTx">
+<p:sldLayout xmlns:a="http://schemas.openxmlformats.org/drawingml/2006/main" xmlns:r="http://schemas.openxmlformats.org/officeDocument/2006/relationships" xmlns:p="http://schemas.openxmlformats.org/presentationml/2006/main" matchingName="Title and two columns" type="twoColTx">
   <p:cSld name="TITLE_AND_TWO_COLUMNS">
     <p:spTree>
       <p:nvGrpSpPr>
-        <p:cNvPr id="24" name="Shape 24"/>
+        <p:cNvPr id="1" name="Shape 24"/>
         <p:cNvGrpSpPr/>
         <p:nvPr/>
       </p:nvGrpSpPr>
@@ -3611,7 +3693,7 @@
           <p:nvPr/>
         </p:nvSpPr>
         <p:spPr>
-          <a:xfrm flipH="1" rot="10800000">
+          <a:xfrm rot="10800000" flipH="1">
             <a:off x="0" y="1686000"/>
             <a:ext cx="9144000" cy="3457500"/>
           </a:xfrm>
@@ -3626,23 +3708,20 @@
           </a:ln>
         </p:spPr>
         <p:txBody>
-          <a:bodyPr anchorCtr="0" anchor="ctr" bIns="91425" lIns="91425" spcFirstLastPara="1" rIns="91425" wrap="square" tIns="91425">
+          <a:bodyPr spcFirstLastPara="1" wrap="square" lIns="91425" tIns="91425" rIns="91425" bIns="91425" anchor="ctr" anchorCtr="0">
             <a:noAutofit/>
           </a:bodyPr>
           <a:lstStyle/>
           <a:p>
-            <a:pPr indent="0" lvl="0" marL="0" rtl="0" algn="l">
-              <a:spcBef>
-                <a:spcPts val="0"/>
-              </a:spcBef>
-              <a:spcAft>
-                <a:spcPts val="0"/>
-              </a:spcAft>
-              <a:buNone/>
-            </a:pPr>
-            <a:r>
-              <a:t/>
-            </a:r>
+            <a:pPr marL="0" lvl="0" indent="0" algn="l" rtl="0">
+              <a:spcBef>
+                <a:spcPts val="0"/>
+              </a:spcBef>
+              <a:spcAft>
+                <a:spcPts val="0"/>
+              </a:spcAft>
+              <a:buNone/>
+            </a:pPr>
             <a:endParaRPr/>
           </a:p>
         </p:txBody>
@@ -3683,23 +3762,20 @@
           </a:ln>
         </p:spPr>
         <p:txBody>
-          <a:bodyPr anchorCtr="0" anchor="ctr" bIns="91425" lIns="91425" spcFirstLastPara="1" rIns="91425" wrap="square" tIns="91425">
+          <a:bodyPr spcFirstLastPara="1" wrap="square" lIns="91425" tIns="91425" rIns="91425" bIns="91425" anchor="ctr" anchorCtr="0">
             <a:noAutofit/>
           </a:bodyPr>
           <a:lstStyle/>
           <a:p>
-            <a:pPr indent="0" lvl="0" marL="0" rtl="0" algn="l">
-              <a:spcBef>
-                <a:spcPts val="0"/>
-              </a:spcBef>
-              <a:spcAft>
-                <a:spcPts val="0"/>
-              </a:spcAft>
-              <a:buNone/>
-            </a:pPr>
-            <a:r>
-              <a:t/>
-            </a:r>
+            <a:pPr marL="0" lvl="0" indent="0" algn="l" rtl="0">
+              <a:spcBef>
+                <a:spcPts val="0"/>
+              </a:spcBef>
+              <a:spcAft>
+                <a:spcPts val="0"/>
+              </a:spcAft>
+              <a:buNone/>
+            </a:pPr>
             <a:endParaRPr/>
           </a:p>
         </p:txBody>
@@ -3707,7 +3783,9 @@
       <p:sp>
         <p:nvSpPr>
           <p:cNvPr id="27" name="Google Shape;27;p5"/>
-          <p:cNvSpPr txBox="1"/>
+          <p:cNvSpPr txBox="1">
+            <a:spLocks noGrp="1"/>
+          </p:cNvSpPr>
           <p:nvPr>
             <p:ph type="title"/>
           </p:nvPr>
@@ -3722,7 +3800,7 @@
           </a:prstGeom>
         </p:spPr>
         <p:txBody>
-          <a:bodyPr anchorCtr="0" anchor="b" bIns="91425" lIns="91425" spcFirstLastPara="1" rIns="91425" wrap="square" tIns="91425">
+          <a:bodyPr spcFirstLastPara="1" wrap="square" lIns="91425" tIns="91425" rIns="91425" bIns="91425" anchor="b" anchorCtr="0">
             <a:noAutofit/>
           </a:bodyPr>
           <a:lstStyle>
@@ -3826,15 +3904,19 @@
               <a:defRPr/>
             </a:lvl9pPr>
           </a:lstStyle>
-          <a:p/>
+          <a:p>
+            <a:endParaRPr/>
+          </a:p>
         </p:txBody>
       </p:sp>
       <p:sp>
         <p:nvSpPr>
           <p:cNvPr id="28" name="Google Shape;28;p5"/>
-          <p:cNvSpPr txBox="1"/>
+          <p:cNvSpPr txBox="1">
+            <a:spLocks noGrp="1"/>
+          </p:cNvSpPr>
           <p:nvPr>
-            <p:ph idx="1" type="body"/>
+            <p:ph type="body" idx="1"/>
           </p:nvPr>
         </p:nvSpPr>
         <p:spPr>
@@ -3847,11 +3929,11 @@
           </a:prstGeom>
         </p:spPr>
         <p:txBody>
-          <a:bodyPr anchorCtr="0" anchor="t" bIns="91425" lIns="91425" spcFirstLastPara="1" rIns="91425" wrap="square" tIns="91425">
+          <a:bodyPr spcFirstLastPara="1" wrap="square" lIns="91425" tIns="91425" rIns="91425" bIns="91425" anchor="t" anchorCtr="0">
             <a:noAutofit/>
           </a:bodyPr>
           <a:lstStyle>
-            <a:lvl1pPr indent="-317500" lvl="0" marL="457200" rtl="0">
+            <a:lvl1pPr marL="457200" lvl="0" indent="-317500" rtl="0">
               <a:spcBef>
                 <a:spcPts val="0"/>
               </a:spcBef>
@@ -3862,7 +3944,7 @@
               <a:buChar char="●"/>
               <a:defRPr sz="1400"/>
             </a:lvl1pPr>
-            <a:lvl2pPr indent="-304800" lvl="1" marL="914400" rtl="0">
+            <a:lvl2pPr marL="914400" lvl="1" indent="-304800" rtl="0">
               <a:spcBef>
                 <a:spcPts val="1600"/>
               </a:spcBef>
@@ -3873,7 +3955,7 @@
               <a:buChar char="○"/>
               <a:defRPr sz="1200"/>
             </a:lvl2pPr>
-            <a:lvl3pPr indent="-304800" lvl="2" marL="1371600" rtl="0">
+            <a:lvl3pPr marL="1371600" lvl="2" indent="-304800" rtl="0">
               <a:spcBef>
                 <a:spcPts val="1600"/>
               </a:spcBef>
@@ -3884,7 +3966,7 @@
               <a:buChar char="■"/>
               <a:defRPr sz="1200"/>
             </a:lvl3pPr>
-            <a:lvl4pPr indent="-304800" lvl="3" marL="1828800" rtl="0">
+            <a:lvl4pPr marL="1828800" lvl="3" indent="-304800" rtl="0">
               <a:spcBef>
                 <a:spcPts val="1600"/>
               </a:spcBef>
@@ -3895,7 +3977,7 @@
               <a:buChar char="●"/>
               <a:defRPr sz="1200"/>
             </a:lvl4pPr>
-            <a:lvl5pPr indent="-304800" lvl="4" marL="2286000" rtl="0">
+            <a:lvl5pPr marL="2286000" lvl="4" indent="-304800" rtl="0">
               <a:spcBef>
                 <a:spcPts val="1600"/>
               </a:spcBef>
@@ -3906,7 +3988,7 @@
               <a:buChar char="○"/>
               <a:defRPr sz="1200"/>
             </a:lvl5pPr>
-            <a:lvl6pPr indent="-304800" lvl="5" marL="2743200" rtl="0">
+            <a:lvl6pPr marL="2743200" lvl="5" indent="-304800" rtl="0">
               <a:spcBef>
                 <a:spcPts val="1600"/>
               </a:spcBef>
@@ -3917,7 +3999,7 @@
               <a:buChar char="■"/>
               <a:defRPr sz="1200"/>
             </a:lvl6pPr>
-            <a:lvl7pPr indent="-304800" lvl="6" marL="3200400" rtl="0">
+            <a:lvl7pPr marL="3200400" lvl="6" indent="-304800" rtl="0">
               <a:spcBef>
                 <a:spcPts val="1600"/>
               </a:spcBef>
@@ -3928,7 +4010,7 @@
               <a:buChar char="●"/>
               <a:defRPr sz="1200"/>
             </a:lvl7pPr>
-            <a:lvl8pPr indent="-304800" lvl="7" marL="3657600" rtl="0">
+            <a:lvl8pPr marL="3657600" lvl="7" indent="-304800" rtl="0">
               <a:spcBef>
                 <a:spcPts val="1600"/>
               </a:spcBef>
@@ -3939,7 +4021,7 @@
               <a:buChar char="○"/>
               <a:defRPr sz="1200"/>
             </a:lvl8pPr>
-            <a:lvl9pPr indent="-304800" lvl="8" marL="4114800" rtl="0">
+            <a:lvl9pPr marL="4114800" lvl="8" indent="-304800" rtl="0">
               <a:spcBef>
                 <a:spcPts val="1600"/>
               </a:spcBef>
@@ -3951,15 +4033,19 @@
               <a:defRPr sz="1200"/>
             </a:lvl9pPr>
           </a:lstStyle>
-          <a:p/>
+          <a:p>
+            <a:endParaRPr/>
+          </a:p>
         </p:txBody>
       </p:sp>
       <p:sp>
         <p:nvSpPr>
           <p:cNvPr id="29" name="Google Shape;29;p5"/>
-          <p:cNvSpPr txBox="1"/>
+          <p:cNvSpPr txBox="1">
+            <a:spLocks noGrp="1"/>
+          </p:cNvSpPr>
           <p:nvPr>
-            <p:ph idx="2" type="body"/>
+            <p:ph type="body" idx="2"/>
           </p:nvPr>
         </p:nvSpPr>
         <p:spPr>
@@ -3972,11 +4058,11 @@
           </a:prstGeom>
         </p:spPr>
         <p:txBody>
-          <a:bodyPr anchorCtr="0" anchor="t" bIns="91425" lIns="91425" spcFirstLastPara="1" rIns="91425" wrap="square" tIns="91425">
+          <a:bodyPr spcFirstLastPara="1" wrap="square" lIns="91425" tIns="91425" rIns="91425" bIns="91425" anchor="t" anchorCtr="0">
             <a:noAutofit/>
           </a:bodyPr>
           <a:lstStyle>
-            <a:lvl1pPr indent="-317500" lvl="0" marL="457200" rtl="0">
+            <a:lvl1pPr marL="457200" lvl="0" indent="-317500" rtl="0">
               <a:spcBef>
                 <a:spcPts val="0"/>
               </a:spcBef>
@@ -3987,7 +4073,7 @@
               <a:buChar char="●"/>
               <a:defRPr sz="1400"/>
             </a:lvl1pPr>
-            <a:lvl2pPr indent="-304800" lvl="1" marL="914400" rtl="0">
+            <a:lvl2pPr marL="914400" lvl="1" indent="-304800" rtl="0">
               <a:spcBef>
                 <a:spcPts val="1600"/>
               </a:spcBef>
@@ -3998,7 +4084,7 @@
               <a:buChar char="○"/>
               <a:defRPr sz="1200"/>
             </a:lvl2pPr>
-            <a:lvl3pPr indent="-304800" lvl="2" marL="1371600" rtl="0">
+            <a:lvl3pPr marL="1371600" lvl="2" indent="-304800" rtl="0">
               <a:spcBef>
                 <a:spcPts val="1600"/>
               </a:spcBef>
@@ -4009,7 +4095,7 @@
               <a:buChar char="■"/>
               <a:defRPr sz="1200"/>
             </a:lvl3pPr>
-            <a:lvl4pPr indent="-304800" lvl="3" marL="1828800" rtl="0">
+            <a:lvl4pPr marL="1828800" lvl="3" indent="-304800" rtl="0">
               <a:spcBef>
                 <a:spcPts val="1600"/>
               </a:spcBef>
@@ -4020,7 +4106,7 @@
               <a:buChar char="●"/>
               <a:defRPr sz="1200"/>
             </a:lvl4pPr>
-            <a:lvl5pPr indent="-304800" lvl="4" marL="2286000" rtl="0">
+            <a:lvl5pPr marL="2286000" lvl="4" indent="-304800" rtl="0">
               <a:spcBef>
                 <a:spcPts val="1600"/>
               </a:spcBef>
@@ -4031,7 +4117,7 @@
               <a:buChar char="○"/>
               <a:defRPr sz="1200"/>
             </a:lvl5pPr>
-            <a:lvl6pPr indent="-304800" lvl="5" marL="2743200" rtl="0">
+            <a:lvl6pPr marL="2743200" lvl="5" indent="-304800" rtl="0">
               <a:spcBef>
                 <a:spcPts val="1600"/>
               </a:spcBef>
@@ -4042,7 +4128,7 @@
               <a:buChar char="■"/>
               <a:defRPr sz="1200"/>
             </a:lvl6pPr>
-            <a:lvl7pPr indent="-304800" lvl="6" marL="3200400" rtl="0">
+            <a:lvl7pPr marL="3200400" lvl="6" indent="-304800" rtl="0">
               <a:spcBef>
                 <a:spcPts val="1600"/>
               </a:spcBef>
@@ -4053,7 +4139,7 @@
               <a:buChar char="●"/>
               <a:defRPr sz="1200"/>
             </a:lvl7pPr>
-            <a:lvl8pPr indent="-304800" lvl="7" marL="3657600" rtl="0">
+            <a:lvl8pPr marL="3657600" lvl="7" indent="-304800" rtl="0">
               <a:spcBef>
                 <a:spcPts val="1600"/>
               </a:spcBef>
@@ -4064,7 +4150,7 @@
               <a:buChar char="○"/>
               <a:defRPr sz="1200"/>
             </a:lvl8pPr>
-            <a:lvl9pPr indent="-304800" lvl="8" marL="4114800" rtl="0">
+            <a:lvl9pPr marL="4114800" lvl="8" indent="-304800" rtl="0">
               <a:spcBef>
                 <a:spcPts val="1600"/>
               </a:spcBef>
@@ -4076,15 +4162,19 @@
               <a:defRPr sz="1200"/>
             </a:lvl9pPr>
           </a:lstStyle>
-          <a:p/>
+          <a:p>
+            <a:endParaRPr/>
+          </a:p>
         </p:txBody>
       </p:sp>
       <p:sp>
         <p:nvSpPr>
           <p:cNvPr id="30" name="Google Shape;30;p5"/>
-          <p:cNvSpPr txBox="1"/>
+          <p:cNvSpPr txBox="1">
+            <a:spLocks noGrp="1"/>
+          </p:cNvSpPr>
           <p:nvPr>
-            <p:ph idx="12" type="sldNum"/>
+            <p:ph type="sldNum" idx="12"/>
           </p:nvPr>
         </p:nvSpPr>
         <p:spPr>
@@ -4097,7 +4187,7 @@
           </a:prstGeom>
         </p:spPr>
         <p:txBody>
-          <a:bodyPr anchorCtr="0" anchor="ctr" bIns="91425" lIns="91425" spcFirstLastPara="1" rIns="91425" wrap="square" tIns="91425">
+          <a:bodyPr spcFirstLastPara="1" wrap="square" lIns="91425" tIns="91425" rIns="91425" bIns="91425" anchor="ctr" anchorCtr="0">
             <a:noAutofit/>
           </a:bodyPr>
           <a:lstStyle>
@@ -4139,7 +4229,7 @@
             </a:lvl9pPr>
           </a:lstStyle>
           <a:p>
-            <a:pPr indent="0" lvl="0" marL="0" rtl="0" algn="r">
+            <a:pPr marL="0" lvl="0" indent="0" algn="r" rtl="0">
               <a:spcBef>
                 <a:spcPts val="0"/>
               </a:spcBef>
@@ -4165,11 +4255,11 @@
 </file>
 
 <file path=ppt/slideLayouts/slideLayout5.xml><?xml version="1.0" encoding="utf-8"?>
-<p:sldLayout xmlns:a="http://schemas.openxmlformats.org/drawingml/2006/main" xmlns:r="http://schemas.openxmlformats.org/officeDocument/2006/relationships" xmlns:mc="http://schemas.openxmlformats.org/markup-compatibility/2006" xmlns:mv="urn:schemas-microsoft-com:mac:vml" xmlns:p="http://schemas.openxmlformats.org/presentationml/2006/main" xmlns:c="http://schemas.openxmlformats.org/drawingml/2006/chart" xmlns:dgm="http://schemas.openxmlformats.org/drawingml/2006/diagram" xmlns:o="urn:schemas-microsoft-com:office:office" xmlns:v="urn:schemas-microsoft-com:vml" xmlns:pvml="urn:schemas-microsoft-com:office:powerpoint" xmlns:com="http://schemas.openxmlformats.org/drawingml/2006/compatibility" xmlns:p14="http://schemas.microsoft.com/office/powerpoint/2010/main" xmlns:p15="http://schemas.microsoft.com/office/powerpoint/2012/main" xmlns:ahyp="http://schemas.microsoft.com/office/drawing/2018/hyperlinkcolor" matchingName="Title only" type="titleOnly">
+<p:sldLayout xmlns:a="http://schemas.openxmlformats.org/drawingml/2006/main" xmlns:r="http://schemas.openxmlformats.org/officeDocument/2006/relationships" xmlns:p="http://schemas.openxmlformats.org/presentationml/2006/main" matchingName="Title only" type="titleOnly">
   <p:cSld name="TITLE_ONLY">
     <p:spTree>
       <p:nvGrpSpPr>
-        <p:cNvPr id="31" name="Shape 31"/>
+        <p:cNvPr id="1" name="Shape 31"/>
         <p:cNvGrpSpPr/>
         <p:nvPr/>
       </p:nvGrpSpPr>
@@ -4188,7 +4278,7 @@
           <p:nvPr/>
         </p:nvSpPr>
         <p:spPr>
-          <a:xfrm flipH="1" rot="10800000">
+          <a:xfrm rot="10800000" flipH="1">
             <a:off x="0" y="656400"/>
             <a:ext cx="9144000" cy="4487100"/>
           </a:xfrm>
@@ -4203,23 +4293,20 @@
           </a:ln>
         </p:spPr>
         <p:txBody>
-          <a:bodyPr anchorCtr="0" anchor="ctr" bIns="91425" lIns="91425" spcFirstLastPara="1" rIns="91425" wrap="square" tIns="91425">
+          <a:bodyPr spcFirstLastPara="1" wrap="square" lIns="91425" tIns="91425" rIns="91425" bIns="91425" anchor="ctr" anchorCtr="0">
             <a:noAutofit/>
           </a:bodyPr>
           <a:lstStyle/>
           <a:p>
-            <a:pPr indent="0" lvl="0" marL="0" rtl="0" algn="l">
-              <a:spcBef>
-                <a:spcPts val="0"/>
-              </a:spcBef>
-              <a:spcAft>
-                <a:spcPts val="0"/>
-              </a:spcAft>
-              <a:buNone/>
-            </a:pPr>
-            <a:r>
-              <a:t/>
-            </a:r>
+            <a:pPr marL="0" lvl="0" indent="0" algn="l" rtl="0">
+              <a:spcBef>
+                <a:spcPts val="0"/>
+              </a:spcBef>
+              <a:spcAft>
+                <a:spcPts val="0"/>
+              </a:spcAft>
+              <a:buNone/>
+            </a:pPr>
             <a:endParaRPr/>
           </a:p>
         </p:txBody>
@@ -4260,23 +4347,20 @@
           </a:ln>
         </p:spPr>
         <p:txBody>
-          <a:bodyPr anchorCtr="0" anchor="ctr" bIns="91425" lIns="91425" spcFirstLastPara="1" rIns="91425" wrap="square" tIns="91425">
+          <a:bodyPr spcFirstLastPara="1" wrap="square" lIns="91425" tIns="91425" rIns="91425" bIns="91425" anchor="ctr" anchorCtr="0">
             <a:noAutofit/>
           </a:bodyPr>
           <a:lstStyle/>
           <a:p>
-            <a:pPr indent="0" lvl="0" marL="0" rtl="0" algn="l">
-              <a:spcBef>
-                <a:spcPts val="0"/>
-              </a:spcBef>
-              <a:spcAft>
-                <a:spcPts val="0"/>
-              </a:spcAft>
-              <a:buNone/>
-            </a:pPr>
-            <a:r>
-              <a:t/>
-            </a:r>
+            <a:pPr marL="0" lvl="0" indent="0" algn="l" rtl="0">
+              <a:spcBef>
+                <a:spcPts val="0"/>
+              </a:spcBef>
+              <a:spcAft>
+                <a:spcPts val="0"/>
+              </a:spcAft>
+              <a:buNone/>
+            </a:pPr>
             <a:endParaRPr/>
           </a:p>
         </p:txBody>
@@ -4284,7 +4368,9 @@
       <p:sp>
         <p:nvSpPr>
           <p:cNvPr id="34" name="Google Shape;34;p6"/>
-          <p:cNvSpPr txBox="1"/>
+          <p:cNvSpPr txBox="1">
+            <a:spLocks noGrp="1"/>
+          </p:cNvSpPr>
           <p:nvPr>
             <p:ph type="title"/>
           </p:nvPr>
@@ -4299,7 +4385,7 @@
           </a:prstGeom>
         </p:spPr>
         <p:txBody>
-          <a:bodyPr anchorCtr="0" anchor="ctr" bIns="91425" lIns="91425" spcFirstLastPara="1" rIns="91425" wrap="square" tIns="91425">
+          <a:bodyPr spcFirstLastPara="1" wrap="square" lIns="91425" tIns="91425" rIns="91425" bIns="91425" anchor="ctr" anchorCtr="0">
             <a:noAutofit/>
           </a:bodyPr>
           <a:lstStyle>
@@ -4403,15 +4489,19 @@
               <a:defRPr sz="1800"/>
             </a:lvl9pPr>
           </a:lstStyle>
-          <a:p/>
+          <a:p>
+            <a:endParaRPr/>
+          </a:p>
         </p:txBody>
       </p:sp>
       <p:sp>
         <p:nvSpPr>
           <p:cNvPr id="35" name="Google Shape;35;p6"/>
-          <p:cNvSpPr txBox="1"/>
+          <p:cNvSpPr txBox="1">
+            <a:spLocks noGrp="1"/>
+          </p:cNvSpPr>
           <p:nvPr>
-            <p:ph idx="12" type="sldNum"/>
+            <p:ph type="sldNum" idx="12"/>
           </p:nvPr>
         </p:nvSpPr>
         <p:spPr>
@@ -4424,7 +4514,7 @@
           </a:prstGeom>
         </p:spPr>
         <p:txBody>
-          <a:bodyPr anchorCtr="0" anchor="ctr" bIns="91425" lIns="91425" spcFirstLastPara="1" rIns="91425" wrap="square" tIns="91425">
+          <a:bodyPr spcFirstLastPara="1" wrap="square" lIns="91425" tIns="91425" rIns="91425" bIns="91425" anchor="ctr" anchorCtr="0">
             <a:noAutofit/>
           </a:bodyPr>
           <a:lstStyle>
@@ -4466,7 +4556,7 @@
             </a:lvl9pPr>
           </a:lstStyle>
           <a:p>
-            <a:pPr indent="0" lvl="0" marL="0" rtl="0" algn="r">
+            <a:pPr marL="0" lvl="0" indent="0" algn="r" rtl="0">
               <a:spcBef>
                 <a:spcPts val="0"/>
               </a:spcBef>
@@ -4492,11 +4582,11 @@
 </file>
 
 <file path=ppt/slideLayouts/slideLayout6.xml><?xml version="1.0" encoding="utf-8"?>
-<p:sldLayout xmlns:a="http://schemas.openxmlformats.org/drawingml/2006/main" xmlns:r="http://schemas.openxmlformats.org/officeDocument/2006/relationships" xmlns:mc="http://schemas.openxmlformats.org/markup-compatibility/2006" xmlns:mv="urn:schemas-microsoft-com:mac:vml" xmlns:p="http://schemas.openxmlformats.org/presentationml/2006/main" xmlns:c="http://schemas.openxmlformats.org/drawingml/2006/chart" xmlns:dgm="http://schemas.openxmlformats.org/drawingml/2006/diagram" xmlns:o="urn:schemas-microsoft-com:office:office" xmlns:v="urn:schemas-microsoft-com:vml" xmlns:pvml="urn:schemas-microsoft-com:office:powerpoint" xmlns:com="http://schemas.openxmlformats.org/drawingml/2006/compatibility" xmlns:p14="http://schemas.microsoft.com/office/powerpoint/2010/main" xmlns:p15="http://schemas.microsoft.com/office/powerpoint/2012/main" xmlns:ahyp="http://schemas.microsoft.com/office/drawing/2018/hyperlinkcolor" matchingName="One column text">
+<p:sldLayout xmlns:a="http://schemas.openxmlformats.org/drawingml/2006/main" xmlns:r="http://schemas.openxmlformats.org/officeDocument/2006/relationships" xmlns:p="http://schemas.openxmlformats.org/presentationml/2006/main" matchingName="One column text">
   <p:cSld name="ONE_COLUMN_TEXT">
     <p:spTree>
       <p:nvGrpSpPr>
-        <p:cNvPr id="36" name="Shape 36"/>
+        <p:cNvPr id="1" name="Shape 36"/>
         <p:cNvGrpSpPr/>
         <p:nvPr/>
       </p:nvGrpSpPr>
@@ -4515,7 +4605,7 @@
           <p:nvPr/>
         </p:nvSpPr>
         <p:spPr>
-          <a:xfrm flipH="1" rot="10800000">
+          <a:xfrm rot="10800000" flipH="1">
             <a:off x="3276600" y="25"/>
             <a:ext cx="5867400" cy="5143500"/>
           </a:xfrm>
@@ -4530,23 +4620,20 @@
           </a:ln>
         </p:spPr>
         <p:txBody>
-          <a:bodyPr anchorCtr="0" anchor="ctr" bIns="91425" lIns="91425" spcFirstLastPara="1" rIns="91425" wrap="square" tIns="91425">
+          <a:bodyPr spcFirstLastPara="1" wrap="square" lIns="91425" tIns="91425" rIns="91425" bIns="91425" anchor="ctr" anchorCtr="0">
             <a:noAutofit/>
           </a:bodyPr>
           <a:lstStyle/>
           <a:p>
-            <a:pPr indent="0" lvl="0" marL="0" rtl="0" algn="l">
-              <a:spcBef>
-                <a:spcPts val="0"/>
-              </a:spcBef>
-              <a:spcAft>
-                <a:spcPts val="0"/>
-              </a:spcAft>
-              <a:buNone/>
-            </a:pPr>
-            <a:r>
-              <a:t/>
-            </a:r>
+            <a:pPr marL="0" lvl="0" indent="0" algn="l" rtl="0">
+              <a:spcBef>
+                <a:spcPts val="0"/>
+              </a:spcBef>
+              <a:spcAft>
+                <a:spcPts val="0"/>
+              </a:spcAft>
+              <a:buNone/>
+            </a:pPr>
             <a:endParaRPr/>
           </a:p>
         </p:txBody>
@@ -4587,23 +4674,20 @@
           </a:ln>
         </p:spPr>
         <p:txBody>
-          <a:bodyPr anchorCtr="0" anchor="ctr" bIns="91425" lIns="91425" spcFirstLastPara="1" rIns="91425" wrap="square" tIns="91425">
+          <a:bodyPr spcFirstLastPara="1" wrap="square" lIns="91425" tIns="91425" rIns="91425" bIns="91425" anchor="ctr" anchorCtr="0">
             <a:noAutofit/>
           </a:bodyPr>
           <a:lstStyle/>
           <a:p>
-            <a:pPr indent="0" lvl="0" marL="0" rtl="0" algn="l">
-              <a:spcBef>
-                <a:spcPts val="0"/>
-              </a:spcBef>
-              <a:spcAft>
-                <a:spcPts val="0"/>
-              </a:spcAft>
-              <a:buNone/>
-            </a:pPr>
-            <a:r>
-              <a:t/>
-            </a:r>
+            <a:pPr marL="0" lvl="0" indent="0" algn="l" rtl="0">
+              <a:spcBef>
+                <a:spcPts val="0"/>
+              </a:spcBef>
+              <a:spcAft>
+                <a:spcPts val="0"/>
+              </a:spcAft>
+              <a:buNone/>
+            </a:pPr>
             <a:endParaRPr/>
           </a:p>
         </p:txBody>
@@ -4611,7 +4695,9 @@
       <p:sp>
         <p:nvSpPr>
           <p:cNvPr id="39" name="Google Shape;39;p7"/>
-          <p:cNvSpPr txBox="1"/>
+          <p:cNvSpPr txBox="1">
+            <a:spLocks noGrp="1"/>
+          </p:cNvSpPr>
           <p:nvPr>
             <p:ph type="title"/>
           </p:nvPr>
@@ -4626,7 +4712,7 @@
           </a:prstGeom>
         </p:spPr>
         <p:txBody>
-          <a:bodyPr anchorCtr="0" anchor="b" bIns="91425" lIns="91425" spcFirstLastPara="1" rIns="91425" wrap="square" tIns="91425">
+          <a:bodyPr spcFirstLastPara="1" wrap="square" lIns="91425" tIns="91425" rIns="91425" bIns="91425" anchor="b" anchorCtr="0">
             <a:noAutofit/>
           </a:bodyPr>
           <a:lstStyle>
@@ -4730,15 +4816,19 @@
               <a:defRPr sz="2400"/>
             </a:lvl9pPr>
           </a:lstStyle>
-          <a:p/>
+          <a:p>
+            <a:endParaRPr/>
+          </a:p>
         </p:txBody>
       </p:sp>
       <p:sp>
         <p:nvSpPr>
           <p:cNvPr id="40" name="Google Shape;40;p7"/>
-          <p:cNvSpPr txBox="1"/>
+          <p:cNvSpPr txBox="1">
+            <a:spLocks noGrp="1"/>
+          </p:cNvSpPr>
           <p:nvPr>
-            <p:ph idx="1" type="body"/>
+            <p:ph type="body" idx="1"/>
           </p:nvPr>
         </p:nvSpPr>
         <p:spPr>
@@ -4751,11 +4841,11 @@
           </a:prstGeom>
         </p:spPr>
         <p:txBody>
-          <a:bodyPr anchorCtr="0" anchor="t" bIns="91425" lIns="91425" spcFirstLastPara="1" rIns="91425" wrap="square" tIns="91425">
+          <a:bodyPr spcFirstLastPara="1" wrap="square" lIns="91425" tIns="91425" rIns="91425" bIns="91425" anchor="t" anchorCtr="0">
             <a:noAutofit/>
           </a:bodyPr>
           <a:lstStyle>
-            <a:lvl1pPr indent="-304800" lvl="0" marL="457200" rtl="0">
+            <a:lvl1pPr marL="457200" lvl="0" indent="-304800" rtl="0">
               <a:spcBef>
                 <a:spcPts val="0"/>
               </a:spcBef>
@@ -4773,7 +4863,7 @@
                 </a:solidFill>
               </a:defRPr>
             </a:lvl1pPr>
-            <a:lvl2pPr indent="-304800" lvl="1" marL="914400" rtl="0">
+            <a:lvl2pPr marL="914400" lvl="1" indent="-304800" rtl="0">
               <a:spcBef>
                 <a:spcPts val="1600"/>
               </a:spcBef>
@@ -4791,7 +4881,7 @@
                 </a:solidFill>
               </a:defRPr>
             </a:lvl2pPr>
-            <a:lvl3pPr indent="-304800" lvl="2" marL="1371600" rtl="0">
+            <a:lvl3pPr marL="1371600" lvl="2" indent="-304800" rtl="0">
               <a:spcBef>
                 <a:spcPts val="1600"/>
               </a:spcBef>
@@ -4809,7 +4899,7 @@
                 </a:solidFill>
               </a:defRPr>
             </a:lvl3pPr>
-            <a:lvl4pPr indent="-304800" lvl="3" marL="1828800" rtl="0">
+            <a:lvl4pPr marL="1828800" lvl="3" indent="-304800" rtl="0">
               <a:spcBef>
                 <a:spcPts val="1600"/>
               </a:spcBef>
@@ -4827,7 +4917,7 @@
                 </a:solidFill>
               </a:defRPr>
             </a:lvl4pPr>
-            <a:lvl5pPr indent="-304800" lvl="4" marL="2286000" rtl="0">
+            <a:lvl5pPr marL="2286000" lvl="4" indent="-304800" rtl="0">
               <a:spcBef>
                 <a:spcPts val="1600"/>
               </a:spcBef>
@@ -4845,7 +4935,7 @@
                 </a:solidFill>
               </a:defRPr>
             </a:lvl5pPr>
-            <a:lvl6pPr indent="-304800" lvl="5" marL="2743200" rtl="0">
+            <a:lvl6pPr marL="2743200" lvl="5" indent="-304800" rtl="0">
               <a:spcBef>
                 <a:spcPts val="1600"/>
               </a:spcBef>
@@ -4863,7 +4953,7 @@
                 </a:solidFill>
               </a:defRPr>
             </a:lvl6pPr>
-            <a:lvl7pPr indent="-304800" lvl="6" marL="3200400" rtl="0">
+            <a:lvl7pPr marL="3200400" lvl="6" indent="-304800" rtl="0">
               <a:spcBef>
                 <a:spcPts val="1600"/>
               </a:spcBef>
@@ -4881,7 +4971,7 @@
                 </a:solidFill>
               </a:defRPr>
             </a:lvl7pPr>
-            <a:lvl8pPr indent="-304800" lvl="7" marL="3657600" rtl="0">
+            <a:lvl8pPr marL="3657600" lvl="7" indent="-304800" rtl="0">
               <a:spcBef>
                 <a:spcPts val="1600"/>
               </a:spcBef>
@@ -4899,7 +4989,7 @@
                 </a:solidFill>
               </a:defRPr>
             </a:lvl8pPr>
-            <a:lvl9pPr indent="-304800" lvl="8" marL="4114800" rtl="0">
+            <a:lvl9pPr marL="4114800" lvl="8" indent="-304800" rtl="0">
               <a:spcBef>
                 <a:spcPts val="1600"/>
               </a:spcBef>
@@ -4918,15 +5008,19 @@
               </a:defRPr>
             </a:lvl9pPr>
           </a:lstStyle>
-          <a:p/>
+          <a:p>
+            <a:endParaRPr/>
+          </a:p>
         </p:txBody>
       </p:sp>
       <p:sp>
         <p:nvSpPr>
           <p:cNvPr id="41" name="Google Shape;41;p7"/>
-          <p:cNvSpPr txBox="1"/>
+          <p:cNvSpPr txBox="1">
+            <a:spLocks noGrp="1"/>
+          </p:cNvSpPr>
           <p:nvPr>
-            <p:ph idx="12" type="sldNum"/>
+            <p:ph type="sldNum" idx="12"/>
           </p:nvPr>
         </p:nvSpPr>
         <p:spPr>
@@ -4939,7 +5033,7 @@
           </a:prstGeom>
         </p:spPr>
         <p:txBody>
-          <a:bodyPr anchorCtr="0" anchor="ctr" bIns="91425" lIns="91425" spcFirstLastPara="1" rIns="91425" wrap="square" tIns="91425">
+          <a:bodyPr spcFirstLastPara="1" wrap="square" lIns="91425" tIns="91425" rIns="91425" bIns="91425" anchor="ctr" anchorCtr="0">
             <a:noAutofit/>
           </a:bodyPr>
           <a:lstStyle>
@@ -4981,7 +5075,7 @@
             </a:lvl9pPr>
           </a:lstStyle>
           <a:p>
-            <a:pPr indent="0" lvl="0" marL="0" rtl="0" algn="r">
+            <a:pPr marL="0" lvl="0" indent="0" algn="r" rtl="0">
               <a:spcBef>
                 <a:spcPts val="0"/>
               </a:spcBef>
@@ -5007,11 +5101,11 @@
 </file>
 
 <file path=ppt/slideLayouts/slideLayout7.xml><?xml version="1.0" encoding="utf-8"?>
-<p:sldLayout xmlns:a="http://schemas.openxmlformats.org/drawingml/2006/main" xmlns:r="http://schemas.openxmlformats.org/officeDocument/2006/relationships" xmlns:mc="http://schemas.openxmlformats.org/markup-compatibility/2006" xmlns:mv="urn:schemas-microsoft-com:mac:vml" xmlns:p="http://schemas.openxmlformats.org/presentationml/2006/main" xmlns:c="http://schemas.openxmlformats.org/drawingml/2006/chart" xmlns:dgm="http://schemas.openxmlformats.org/drawingml/2006/diagram" xmlns:o="urn:schemas-microsoft-com:office:office" xmlns:v="urn:schemas-microsoft-com:vml" xmlns:pvml="urn:schemas-microsoft-com:office:powerpoint" xmlns:com="http://schemas.openxmlformats.org/drawingml/2006/compatibility" xmlns:p14="http://schemas.microsoft.com/office/powerpoint/2010/main" xmlns:p15="http://schemas.microsoft.com/office/powerpoint/2012/main" xmlns:ahyp="http://schemas.microsoft.com/office/drawing/2018/hyperlinkcolor" matchingName="Main point">
+<p:sldLayout xmlns:a="http://schemas.openxmlformats.org/drawingml/2006/main" xmlns:r="http://schemas.openxmlformats.org/officeDocument/2006/relationships" xmlns:p="http://schemas.openxmlformats.org/presentationml/2006/main" matchingName="Main point">
   <p:cSld name="MAIN_POINT">
     <p:spTree>
       <p:nvGrpSpPr>
-        <p:cNvPr id="42" name="Shape 42"/>
+        <p:cNvPr id="1" name="Shape 42"/>
         <p:cNvGrpSpPr/>
         <p:nvPr/>
       </p:nvGrpSpPr>
@@ -5026,7 +5120,9 @@
       <p:sp>
         <p:nvSpPr>
           <p:cNvPr id="43" name="Google Shape;43;p8"/>
-          <p:cNvSpPr txBox="1"/>
+          <p:cNvSpPr txBox="1">
+            <a:spLocks noGrp="1"/>
+          </p:cNvSpPr>
           <p:nvPr>
             <p:ph type="title"/>
           </p:nvPr>
@@ -5041,7 +5137,7 @@
           </a:prstGeom>
         </p:spPr>
         <p:txBody>
-          <a:bodyPr anchorCtr="0" anchor="ctr" bIns="91425" lIns="91425" spcFirstLastPara="1" rIns="91425" wrap="square" tIns="91425">
+          <a:bodyPr spcFirstLastPara="1" wrap="square" lIns="91425" tIns="91425" rIns="91425" bIns="91425" anchor="ctr" anchorCtr="0">
             <a:noAutofit/>
           </a:bodyPr>
           <a:lstStyle>
@@ -5145,15 +5241,19 @@
               <a:defRPr sz="6000"/>
             </a:lvl9pPr>
           </a:lstStyle>
-          <a:p/>
+          <a:p>
+            <a:endParaRPr/>
+          </a:p>
         </p:txBody>
       </p:sp>
       <p:sp>
         <p:nvSpPr>
           <p:cNvPr id="44" name="Google Shape;44;p8"/>
-          <p:cNvSpPr txBox="1"/>
+          <p:cNvSpPr txBox="1">
+            <a:spLocks noGrp="1"/>
+          </p:cNvSpPr>
           <p:nvPr>
-            <p:ph idx="12" type="sldNum"/>
+            <p:ph type="sldNum" idx="12"/>
           </p:nvPr>
         </p:nvSpPr>
         <p:spPr>
@@ -5166,7 +5266,7 @@
           </a:prstGeom>
         </p:spPr>
         <p:txBody>
-          <a:bodyPr anchorCtr="0" anchor="ctr" bIns="91425" lIns="91425" spcFirstLastPara="1" rIns="91425" wrap="square" tIns="91425">
+          <a:bodyPr spcFirstLastPara="1" wrap="square" lIns="91425" tIns="91425" rIns="91425" bIns="91425" anchor="ctr" anchorCtr="0">
             <a:noAutofit/>
           </a:bodyPr>
           <a:lstStyle>
@@ -5244,7 +5344,7 @@
             </a:lvl9pPr>
           </a:lstStyle>
           <a:p>
-            <a:pPr indent="0" lvl="0" marL="0" rtl="0" algn="r">
+            <a:pPr marL="0" lvl="0" indent="0" algn="r" rtl="0">
               <a:spcBef>
                 <a:spcPts val="0"/>
               </a:spcBef>
@@ -5270,11 +5370,11 @@
 </file>
 
 <file path=ppt/slideLayouts/slideLayout8.xml><?xml version="1.0" encoding="utf-8"?>
-<p:sldLayout xmlns:a="http://schemas.openxmlformats.org/drawingml/2006/main" xmlns:r="http://schemas.openxmlformats.org/officeDocument/2006/relationships" xmlns:mc="http://schemas.openxmlformats.org/markup-compatibility/2006" xmlns:mv="urn:schemas-microsoft-com:mac:vml" xmlns:p="http://schemas.openxmlformats.org/presentationml/2006/main" xmlns:c="http://schemas.openxmlformats.org/drawingml/2006/chart" xmlns:dgm="http://schemas.openxmlformats.org/drawingml/2006/diagram" xmlns:o="urn:schemas-microsoft-com:office:office" xmlns:v="urn:schemas-microsoft-com:vml" xmlns:pvml="urn:schemas-microsoft-com:office:powerpoint" xmlns:com="http://schemas.openxmlformats.org/drawingml/2006/compatibility" xmlns:p14="http://schemas.microsoft.com/office/powerpoint/2010/main" xmlns:p15="http://schemas.microsoft.com/office/powerpoint/2012/main" xmlns:ahyp="http://schemas.microsoft.com/office/drawing/2018/hyperlinkcolor" matchingName="Section title and description">
+<p:sldLayout xmlns:a="http://schemas.openxmlformats.org/drawingml/2006/main" xmlns:r="http://schemas.openxmlformats.org/officeDocument/2006/relationships" xmlns:p="http://schemas.openxmlformats.org/presentationml/2006/main" matchingName="Section title and description">
   <p:cSld name="SECTION_TITLE_AND_DESCRIPTION">
     <p:spTree>
       <p:nvGrpSpPr>
-        <p:cNvPr id="45" name="Shape 45"/>
+        <p:cNvPr id="1" name="Shape 45"/>
         <p:cNvGrpSpPr/>
         <p:nvPr/>
       </p:nvGrpSpPr>
@@ -5308,23 +5408,20 @@
           </a:ln>
         </p:spPr>
         <p:txBody>
-          <a:bodyPr anchorCtr="0" anchor="ctr" bIns="91425" lIns="91425" spcFirstLastPara="1" rIns="91425" wrap="square" tIns="91425">
+          <a:bodyPr spcFirstLastPara="1" wrap="square" lIns="91425" tIns="91425" rIns="91425" bIns="91425" anchor="ctr" anchorCtr="0">
             <a:noAutofit/>
           </a:bodyPr>
           <a:lstStyle/>
           <a:p>
-            <a:pPr indent="0" lvl="0" marL="0" rtl="0" algn="l">
-              <a:spcBef>
-                <a:spcPts val="0"/>
-              </a:spcBef>
-              <a:spcAft>
-                <a:spcPts val="0"/>
-              </a:spcAft>
-              <a:buNone/>
-            </a:pPr>
-            <a:r>
-              <a:t/>
-            </a:r>
+            <a:pPr marL="0" lvl="0" indent="0" algn="l" rtl="0">
+              <a:spcBef>
+                <a:spcPts val="0"/>
+              </a:spcBef>
+              <a:spcAft>
+                <a:spcPts val="0"/>
+              </a:spcAft>
+              <a:buNone/>
+            </a:pPr>
             <a:endParaRPr/>
           </a:p>
         </p:txBody>
@@ -5365,23 +5462,20 @@
           </a:ln>
         </p:spPr>
         <p:txBody>
-          <a:bodyPr anchorCtr="0" anchor="ctr" bIns="91425" lIns="91425" spcFirstLastPara="1" rIns="91425" wrap="square" tIns="91425">
+          <a:bodyPr spcFirstLastPara="1" wrap="square" lIns="91425" tIns="91425" rIns="91425" bIns="91425" anchor="ctr" anchorCtr="0">
             <a:noAutofit/>
           </a:bodyPr>
           <a:lstStyle/>
           <a:p>
-            <a:pPr indent="0" lvl="0" marL="0" rtl="0" algn="l">
-              <a:spcBef>
-                <a:spcPts val="0"/>
-              </a:spcBef>
-              <a:spcAft>
-                <a:spcPts val="0"/>
-              </a:spcAft>
-              <a:buNone/>
-            </a:pPr>
-            <a:r>
-              <a:t/>
-            </a:r>
+            <a:pPr marL="0" lvl="0" indent="0" algn="l" rtl="0">
+              <a:spcBef>
+                <a:spcPts val="0"/>
+              </a:spcBef>
+              <a:spcAft>
+                <a:spcPts val="0"/>
+              </a:spcAft>
+              <a:buNone/>
+            </a:pPr>
             <a:endParaRPr/>
           </a:p>
         </p:txBody>
@@ -5389,7 +5483,9 @@
       <p:sp>
         <p:nvSpPr>
           <p:cNvPr id="48" name="Google Shape;48;p9"/>
-          <p:cNvSpPr txBox="1"/>
+          <p:cNvSpPr txBox="1">
+            <a:spLocks noGrp="1"/>
+          </p:cNvSpPr>
           <p:nvPr>
             <p:ph type="title"/>
           </p:nvPr>
@@ -5404,11 +5500,11 @@
           </a:prstGeom>
         </p:spPr>
         <p:txBody>
-          <a:bodyPr anchorCtr="0" anchor="b" bIns="91425" lIns="91425" spcFirstLastPara="1" rIns="91425" wrap="square" tIns="91425">
+          <a:bodyPr spcFirstLastPara="1" wrap="square" lIns="91425" tIns="91425" rIns="91425" bIns="91425" anchor="b" anchorCtr="0">
             <a:noAutofit/>
           </a:bodyPr>
           <a:lstStyle>
-            <a:lvl1pPr lvl="0" rtl="0" algn="ctr">
+            <a:lvl1pPr lvl="0" algn="ctr" rtl="0">
               <a:spcBef>
                 <a:spcPts val="0"/>
               </a:spcBef>
@@ -5426,7 +5522,7 @@
                 </a:solidFill>
               </a:defRPr>
             </a:lvl1pPr>
-            <a:lvl2pPr lvl="1" rtl="0" algn="ctr">
+            <a:lvl2pPr lvl="1" algn="ctr" rtl="0">
               <a:spcBef>
                 <a:spcPts val="0"/>
               </a:spcBef>
@@ -5444,7 +5540,7 @@
                 </a:solidFill>
               </a:defRPr>
             </a:lvl2pPr>
-            <a:lvl3pPr lvl="2" rtl="0" algn="ctr">
+            <a:lvl3pPr lvl="2" algn="ctr" rtl="0">
               <a:spcBef>
                 <a:spcPts val="0"/>
               </a:spcBef>
@@ -5462,7 +5558,7 @@
                 </a:solidFill>
               </a:defRPr>
             </a:lvl3pPr>
-            <a:lvl4pPr lvl="3" rtl="0" algn="ctr">
+            <a:lvl4pPr lvl="3" algn="ctr" rtl="0">
               <a:spcBef>
                 <a:spcPts val="0"/>
               </a:spcBef>
@@ -5480,7 +5576,7 @@
                 </a:solidFill>
               </a:defRPr>
             </a:lvl4pPr>
-            <a:lvl5pPr lvl="4" rtl="0" algn="ctr">
+            <a:lvl5pPr lvl="4" algn="ctr" rtl="0">
               <a:spcBef>
                 <a:spcPts val="0"/>
               </a:spcBef>
@@ -5498,7 +5594,7 @@
                 </a:solidFill>
               </a:defRPr>
             </a:lvl5pPr>
-            <a:lvl6pPr lvl="5" rtl="0" algn="ctr">
+            <a:lvl6pPr lvl="5" algn="ctr" rtl="0">
               <a:spcBef>
                 <a:spcPts val="0"/>
               </a:spcBef>
@@ -5516,7 +5612,7 @@
                 </a:solidFill>
               </a:defRPr>
             </a:lvl6pPr>
-            <a:lvl7pPr lvl="6" rtl="0" algn="ctr">
+            <a:lvl7pPr lvl="6" algn="ctr" rtl="0">
               <a:spcBef>
                 <a:spcPts val="0"/>
               </a:spcBef>
@@ -5534,7 +5630,7 @@
                 </a:solidFill>
               </a:defRPr>
             </a:lvl7pPr>
-            <a:lvl8pPr lvl="7" rtl="0" algn="ctr">
+            <a:lvl8pPr lvl="7" algn="ctr" rtl="0">
               <a:spcBef>
                 <a:spcPts val="0"/>
               </a:spcBef>
@@ -5552,7 +5648,7 @@
                 </a:solidFill>
               </a:defRPr>
             </a:lvl8pPr>
-            <a:lvl9pPr lvl="8" rtl="0" algn="ctr">
+            <a:lvl9pPr lvl="8" algn="ctr" rtl="0">
               <a:spcBef>
                 <a:spcPts val="0"/>
               </a:spcBef>
@@ -5571,15 +5667,19 @@
               </a:defRPr>
             </a:lvl9pPr>
           </a:lstStyle>
-          <a:p/>
+          <a:p>
+            <a:endParaRPr/>
+          </a:p>
         </p:txBody>
       </p:sp>
       <p:sp>
         <p:nvSpPr>
           <p:cNvPr id="49" name="Google Shape;49;p9"/>
-          <p:cNvSpPr txBox="1"/>
+          <p:cNvSpPr txBox="1">
+            <a:spLocks noGrp="1"/>
+          </p:cNvSpPr>
           <p:nvPr>
-            <p:ph idx="1" type="subTitle"/>
+            <p:ph type="subTitle" idx="1"/>
           </p:nvPr>
         </p:nvSpPr>
         <p:spPr>
@@ -5592,11 +5692,11 @@
           </a:prstGeom>
         </p:spPr>
         <p:txBody>
-          <a:bodyPr anchorCtr="0" anchor="t" bIns="91425" lIns="91425" spcFirstLastPara="1" rIns="91425" wrap="square" tIns="91425">
+          <a:bodyPr spcFirstLastPara="1" wrap="square" lIns="91425" tIns="91425" rIns="91425" bIns="91425" anchor="t" anchorCtr="0">
             <a:noAutofit/>
           </a:bodyPr>
           <a:lstStyle>
-            <a:lvl1pPr lvl="0" rtl="0" algn="ctr">
+            <a:lvl1pPr lvl="0" algn="ctr" rtl="0">
               <a:lnSpc>
                 <a:spcPct val="100000"/>
               </a:lnSpc>
@@ -5610,7 +5710,7 @@
               <a:buNone/>
               <a:defRPr sz="2100"/>
             </a:lvl1pPr>
-            <a:lvl2pPr lvl="1" rtl="0" algn="ctr">
+            <a:lvl2pPr lvl="1" algn="ctr" rtl="0">
               <a:lnSpc>
                 <a:spcPct val="100000"/>
               </a:lnSpc>
@@ -5624,7 +5724,7 @@
               <a:buNone/>
               <a:defRPr sz="2100"/>
             </a:lvl2pPr>
-            <a:lvl3pPr lvl="2" rtl="0" algn="ctr">
+            <a:lvl3pPr lvl="2" algn="ctr" rtl="0">
               <a:lnSpc>
                 <a:spcPct val="100000"/>
               </a:lnSpc>
@@ -5638,7 +5738,7 @@
               <a:buNone/>
               <a:defRPr sz="2100"/>
             </a:lvl3pPr>
-            <a:lvl4pPr lvl="3" rtl="0" algn="ctr">
+            <a:lvl4pPr lvl="3" algn="ctr" rtl="0">
               <a:lnSpc>
                 <a:spcPct val="100000"/>
               </a:lnSpc>
@@ -5652,7 +5752,7 @@
               <a:buNone/>
               <a:defRPr sz="2100"/>
             </a:lvl4pPr>
-            <a:lvl5pPr lvl="4" rtl="0" algn="ctr">
+            <a:lvl5pPr lvl="4" algn="ctr" rtl="0">
               <a:lnSpc>
                 <a:spcPct val="100000"/>
               </a:lnSpc>
@@ -5666,7 +5766,7 @@
               <a:buNone/>
               <a:defRPr sz="2100"/>
             </a:lvl5pPr>
-            <a:lvl6pPr lvl="5" rtl="0" algn="ctr">
+            <a:lvl6pPr lvl="5" algn="ctr" rtl="0">
               <a:lnSpc>
                 <a:spcPct val="100000"/>
               </a:lnSpc>
@@ -5680,7 +5780,7 @@
               <a:buNone/>
               <a:defRPr sz="2100"/>
             </a:lvl6pPr>
-            <a:lvl7pPr lvl="6" rtl="0" algn="ctr">
+            <a:lvl7pPr lvl="6" algn="ctr" rtl="0">
               <a:lnSpc>
                 <a:spcPct val="100000"/>
               </a:lnSpc>
@@ -5694,7 +5794,7 @@
               <a:buNone/>
               <a:defRPr sz="2100"/>
             </a:lvl7pPr>
-            <a:lvl8pPr lvl="7" rtl="0" algn="ctr">
+            <a:lvl8pPr lvl="7" algn="ctr" rtl="0">
               <a:lnSpc>
                 <a:spcPct val="100000"/>
               </a:lnSpc>
@@ -5708,7 +5808,7 @@
               <a:buNone/>
               <a:defRPr sz="2100"/>
             </a:lvl8pPr>
-            <a:lvl9pPr lvl="8" rtl="0" algn="ctr">
+            <a:lvl9pPr lvl="8" algn="ctr" rtl="0">
               <a:lnSpc>
                 <a:spcPct val="100000"/>
               </a:lnSpc>
@@ -5723,15 +5823,19 @@
               <a:defRPr sz="2100"/>
             </a:lvl9pPr>
           </a:lstStyle>
-          <a:p/>
+          <a:p>
+            <a:endParaRPr/>
+          </a:p>
         </p:txBody>
       </p:sp>
       <p:sp>
         <p:nvSpPr>
           <p:cNvPr id="50" name="Google Shape;50;p9"/>
-          <p:cNvSpPr txBox="1"/>
+          <p:cNvSpPr txBox="1">
+            <a:spLocks noGrp="1"/>
+          </p:cNvSpPr>
           <p:nvPr>
-            <p:ph idx="2" type="body"/>
+            <p:ph type="body" idx="2"/>
           </p:nvPr>
         </p:nvSpPr>
         <p:spPr>
@@ -5744,11 +5848,11 @@
           </a:prstGeom>
         </p:spPr>
         <p:txBody>
-          <a:bodyPr anchorCtr="0" anchor="ctr" bIns="91425" lIns="91425" spcFirstLastPara="1" rIns="91425" wrap="square" tIns="91425">
+          <a:bodyPr spcFirstLastPara="1" wrap="square" lIns="91425" tIns="91425" rIns="91425" bIns="91425" anchor="ctr" anchorCtr="0">
             <a:noAutofit/>
           </a:bodyPr>
           <a:lstStyle>
-            <a:lvl1pPr indent="-342900" lvl="0" marL="457200" rtl="0">
+            <a:lvl1pPr marL="457200" lvl="0" indent="-342900" rtl="0">
               <a:spcBef>
                 <a:spcPts val="0"/>
               </a:spcBef>
@@ -5766,7 +5870,7 @@
                 </a:solidFill>
               </a:defRPr>
             </a:lvl1pPr>
-            <a:lvl2pPr indent="-317500" lvl="1" marL="914400" rtl="0">
+            <a:lvl2pPr marL="914400" lvl="1" indent="-317500" rtl="0">
               <a:spcBef>
                 <a:spcPts val="1600"/>
               </a:spcBef>
@@ -5784,7 +5888,7 @@
                 </a:solidFill>
               </a:defRPr>
             </a:lvl2pPr>
-            <a:lvl3pPr indent="-317500" lvl="2" marL="1371600" rtl="0">
+            <a:lvl3pPr marL="1371600" lvl="2" indent="-317500" rtl="0">
               <a:spcBef>
                 <a:spcPts val="1600"/>
               </a:spcBef>
@@ -5802,7 +5906,7 @@
                 </a:solidFill>
               </a:defRPr>
             </a:lvl3pPr>
-            <a:lvl4pPr indent="-317500" lvl="3" marL="1828800" rtl="0">
+            <a:lvl4pPr marL="1828800" lvl="3" indent="-317500" rtl="0">
               <a:spcBef>
                 <a:spcPts val="1600"/>
               </a:spcBef>
@@ -5820,7 +5924,7 @@
                 </a:solidFill>
               </a:defRPr>
             </a:lvl4pPr>
-            <a:lvl5pPr indent="-317500" lvl="4" marL="2286000" rtl="0">
+            <a:lvl5pPr marL="2286000" lvl="4" indent="-317500" rtl="0">
               <a:spcBef>
                 <a:spcPts val="1600"/>
               </a:spcBef>
@@ -5838,7 +5942,7 @@
                 </a:solidFill>
               </a:defRPr>
             </a:lvl5pPr>
-            <a:lvl6pPr indent="-317500" lvl="5" marL="2743200" rtl="0">
+            <a:lvl6pPr marL="2743200" lvl="5" indent="-317500" rtl="0">
               <a:spcBef>
                 <a:spcPts val="1600"/>
               </a:spcBef>
@@ -5856,7 +5960,7 @@
                 </a:solidFill>
               </a:defRPr>
             </a:lvl6pPr>
-            <a:lvl7pPr indent="-317500" lvl="6" marL="3200400" rtl="0">
+            <a:lvl7pPr marL="3200400" lvl="6" indent="-317500" rtl="0">
               <a:spcBef>
                 <a:spcPts val="1600"/>
               </a:spcBef>
@@ -5874,7 +5978,7 @@
                 </a:solidFill>
               </a:defRPr>
             </a:lvl7pPr>
-            <a:lvl8pPr indent="-317500" lvl="7" marL="3657600" rtl="0">
+            <a:lvl8pPr marL="3657600" lvl="7" indent="-317500" rtl="0">
               <a:spcBef>
                 <a:spcPts val="1600"/>
               </a:spcBef>
@@ -5892,7 +5996,7 @@
                 </a:solidFill>
               </a:defRPr>
             </a:lvl8pPr>
-            <a:lvl9pPr indent="-317500" lvl="8" marL="4114800" rtl="0">
+            <a:lvl9pPr marL="4114800" lvl="8" indent="-317500" rtl="0">
               <a:spcBef>
                 <a:spcPts val="1600"/>
               </a:spcBef>
@@ -5911,15 +6015,19 @@
               </a:defRPr>
             </a:lvl9pPr>
           </a:lstStyle>
-          <a:p/>
+          <a:p>
+            <a:endParaRPr/>
+          </a:p>
         </p:txBody>
       </p:sp>
       <p:sp>
         <p:nvSpPr>
           <p:cNvPr id="51" name="Google Shape;51;p9"/>
-          <p:cNvSpPr txBox="1"/>
+          <p:cNvSpPr txBox="1">
+            <a:spLocks noGrp="1"/>
+          </p:cNvSpPr>
           <p:nvPr>
-            <p:ph idx="12" type="sldNum"/>
+            <p:ph type="sldNum" idx="12"/>
           </p:nvPr>
         </p:nvSpPr>
         <p:spPr>
@@ -5932,7 +6040,7 @@
           </a:prstGeom>
         </p:spPr>
         <p:txBody>
-          <a:bodyPr anchorCtr="0" anchor="ctr" bIns="91425" lIns="91425" spcFirstLastPara="1" rIns="91425" wrap="square" tIns="91425">
+          <a:bodyPr spcFirstLastPara="1" wrap="square" lIns="91425" tIns="91425" rIns="91425" bIns="91425" anchor="ctr" anchorCtr="0">
             <a:noAutofit/>
           </a:bodyPr>
           <a:lstStyle>
@@ -6010,7 +6118,7 @@
             </a:lvl9pPr>
           </a:lstStyle>
           <a:p>
-            <a:pPr indent="0" lvl="0" marL="0" rtl="0" algn="r">
+            <a:pPr marL="0" lvl="0" indent="0" algn="r" rtl="0">
               <a:spcBef>
                 <a:spcPts val="0"/>
               </a:spcBef>
@@ -6036,11 +6144,11 @@
 </file>
 
 <file path=ppt/slideLayouts/slideLayout9.xml><?xml version="1.0" encoding="utf-8"?>
-<p:sldLayout xmlns:a="http://schemas.openxmlformats.org/drawingml/2006/main" xmlns:r="http://schemas.openxmlformats.org/officeDocument/2006/relationships" xmlns:mc="http://schemas.openxmlformats.org/markup-compatibility/2006" xmlns:mv="urn:schemas-microsoft-com:mac:vml" xmlns:p="http://schemas.openxmlformats.org/presentationml/2006/main" xmlns:c="http://schemas.openxmlformats.org/drawingml/2006/chart" xmlns:dgm="http://schemas.openxmlformats.org/drawingml/2006/diagram" xmlns:o="urn:schemas-microsoft-com:office:office" xmlns:v="urn:schemas-microsoft-com:vml" xmlns:pvml="urn:schemas-microsoft-com:office:powerpoint" xmlns:com="http://schemas.openxmlformats.org/drawingml/2006/compatibility" xmlns:p14="http://schemas.microsoft.com/office/powerpoint/2010/main" xmlns:p15="http://schemas.microsoft.com/office/powerpoint/2012/main" xmlns:ahyp="http://schemas.microsoft.com/office/drawing/2018/hyperlinkcolor" matchingName="Caption">
+<p:sldLayout xmlns:a="http://schemas.openxmlformats.org/drawingml/2006/main" xmlns:r="http://schemas.openxmlformats.org/officeDocument/2006/relationships" xmlns:p="http://schemas.openxmlformats.org/presentationml/2006/main" matchingName="Caption">
   <p:cSld name="CAPTION_ONLY">
     <p:spTree>
       <p:nvGrpSpPr>
-        <p:cNvPr id="52" name="Shape 52"/>
+        <p:cNvPr id="1" name="Shape 52"/>
         <p:cNvGrpSpPr/>
         <p:nvPr/>
       </p:nvGrpSpPr>
@@ -6059,7 +6167,7 @@
           <p:nvPr/>
         </p:nvSpPr>
         <p:spPr>
-          <a:xfrm flipH="1" rot="10800000">
+          <a:xfrm rot="10800000" flipH="1">
             <a:off x="0" y="0"/>
             <a:ext cx="9144000" cy="4695900"/>
           </a:xfrm>
@@ -6074,23 +6182,20 @@
           </a:ln>
         </p:spPr>
         <p:txBody>
-          <a:bodyPr anchorCtr="0" anchor="ctr" bIns="91425" lIns="91425" spcFirstLastPara="1" rIns="91425" wrap="square" tIns="91425">
+          <a:bodyPr spcFirstLastPara="1" wrap="square" lIns="91425" tIns="91425" rIns="91425" bIns="91425" anchor="ctr" anchorCtr="0">
             <a:noAutofit/>
           </a:bodyPr>
           <a:lstStyle/>
           <a:p>
-            <a:pPr indent="0" lvl="0" marL="0" rtl="0" algn="l">
-              <a:spcBef>
-                <a:spcPts val="0"/>
-              </a:spcBef>
-              <a:spcAft>
-                <a:spcPts val="0"/>
-              </a:spcAft>
-              <a:buNone/>
-            </a:pPr>
-            <a:r>
-              <a:t/>
-            </a:r>
+            <a:pPr marL="0" lvl="0" indent="0" algn="l" rtl="0">
+              <a:spcBef>
+                <a:spcPts val="0"/>
+              </a:spcBef>
+              <a:spcAft>
+                <a:spcPts val="0"/>
+              </a:spcAft>
+              <a:buNone/>
+            </a:pPr>
             <a:endParaRPr/>
           </a:p>
         </p:txBody>
@@ -6102,7 +6207,7 @@
           <p:nvPr/>
         </p:nvSpPr>
         <p:spPr>
-          <a:xfrm flipH="1" rot="10800000">
+          <a:xfrm rot="10800000" flipH="1">
             <a:off x="0" y="4622725"/>
             <a:ext cx="9144000" cy="74100"/>
           </a:xfrm>
@@ -6131,23 +6236,20 @@
           </a:ln>
         </p:spPr>
         <p:txBody>
-          <a:bodyPr anchorCtr="0" anchor="ctr" bIns="91425" lIns="91425" spcFirstLastPara="1" rIns="91425" wrap="square" tIns="91425">
+          <a:bodyPr spcFirstLastPara="1" wrap="square" lIns="91425" tIns="91425" rIns="91425" bIns="91425" anchor="ctr" anchorCtr="0">
             <a:noAutofit/>
           </a:bodyPr>
           <a:lstStyle/>
           <a:p>
-            <a:pPr indent="0" lvl="0" marL="0" rtl="0" algn="l">
-              <a:spcBef>
-                <a:spcPts val="0"/>
-              </a:spcBef>
-              <a:spcAft>
-                <a:spcPts val="0"/>
-              </a:spcAft>
-              <a:buNone/>
-            </a:pPr>
-            <a:r>
-              <a:t/>
-            </a:r>
+            <a:pPr marL="0" lvl="0" indent="0" algn="l" rtl="0">
+              <a:spcBef>
+                <a:spcPts val="0"/>
+              </a:spcBef>
+              <a:spcAft>
+                <a:spcPts val="0"/>
+              </a:spcAft>
+              <a:buNone/>
+            </a:pPr>
             <a:endParaRPr/>
           </a:p>
         </p:txBody>
@@ -6155,9 +6257,11 @@
       <p:sp>
         <p:nvSpPr>
           <p:cNvPr id="55" name="Google Shape;55;p10"/>
-          <p:cNvSpPr txBox="1"/>
+          <p:cNvSpPr txBox="1">
+            <a:spLocks noGrp="1"/>
+          </p:cNvSpPr>
           <p:nvPr>
-            <p:ph idx="1" type="body"/>
+            <p:ph type="body" idx="1"/>
           </p:nvPr>
         </p:nvSpPr>
         <p:spPr>
@@ -6170,11 +6274,11 @@
           </a:prstGeom>
         </p:spPr>
         <p:txBody>
-          <a:bodyPr anchorCtr="0" anchor="ctr" bIns="91425" lIns="91425" spcFirstLastPara="1" rIns="91425" wrap="square" tIns="91425">
+          <a:bodyPr spcFirstLastPara="1" wrap="square" lIns="91425" tIns="91425" rIns="91425" bIns="91425" anchor="ctr" anchorCtr="0">
             <a:noAutofit/>
           </a:bodyPr>
           <a:lstStyle>
-            <a:lvl1pPr indent="-228600" lvl="0" marL="457200" rtl="0">
+            <a:lvl1pPr marL="457200" lvl="0" indent="-228600" rtl="0">
               <a:lnSpc>
                 <a:spcPct val="100000"/>
               </a:lnSpc>
@@ -6196,15 +6300,19 @@
               </a:defRPr>
             </a:lvl1pPr>
           </a:lstStyle>
-          <a:p/>
+          <a:p>
+            <a:endParaRPr/>
+          </a:p>
         </p:txBody>
       </p:sp>
       <p:sp>
         <p:nvSpPr>
           <p:cNvPr id="56" name="Google Shape;56;p10"/>
-          <p:cNvSpPr txBox="1"/>
+          <p:cNvSpPr txBox="1">
+            <a:spLocks noGrp="1"/>
+          </p:cNvSpPr>
           <p:nvPr>
-            <p:ph idx="12" type="sldNum"/>
+            <p:ph type="sldNum" idx="12"/>
           </p:nvPr>
         </p:nvSpPr>
         <p:spPr>
@@ -6217,7 +6325,7 @@
           </a:prstGeom>
         </p:spPr>
         <p:txBody>
-          <a:bodyPr anchorCtr="0" anchor="ctr" bIns="91425" lIns="91425" spcFirstLastPara="1" rIns="91425" wrap="square" tIns="91425">
+          <a:bodyPr spcFirstLastPara="1" wrap="square" lIns="91425" tIns="91425" rIns="91425" bIns="91425" anchor="ctr" anchorCtr="0">
             <a:noAutofit/>
           </a:bodyPr>
           <a:lstStyle>
@@ -6295,7 +6403,7 @@
             </a:lvl9pPr>
           </a:lstStyle>
           <a:p>
-            <a:pPr indent="0" lvl="0" marL="0" rtl="0" algn="r">
+            <a:pPr marL="0" lvl="0" indent="0" algn="r" rtl="0">
               <a:spcBef>
                 <a:spcPts val="0"/>
               </a:spcBef>
@@ -6321,18 +6429,19 @@
 </file>
 
 <file path=ppt/slideMasters/slideMaster1.xml><?xml version="1.0" encoding="utf-8"?>
-<p:sldMaster xmlns:a="http://schemas.openxmlformats.org/drawingml/2006/main" xmlns:r="http://schemas.openxmlformats.org/officeDocument/2006/relationships" xmlns:mc="http://schemas.openxmlformats.org/markup-compatibility/2006" xmlns:mv="urn:schemas-microsoft-com:mac:vml" xmlns:p="http://schemas.openxmlformats.org/presentationml/2006/main" xmlns:c="http://schemas.openxmlformats.org/drawingml/2006/chart" xmlns:dgm="http://schemas.openxmlformats.org/drawingml/2006/diagram" xmlns:o="urn:schemas-microsoft-com:office:office" xmlns:v="urn:schemas-microsoft-com:vml" xmlns:pvml="urn:schemas-microsoft-com:office:powerpoint" xmlns:com="http://schemas.openxmlformats.org/drawingml/2006/compatibility" xmlns:p14="http://schemas.microsoft.com/office/powerpoint/2010/main" xmlns:p15="http://schemas.microsoft.com/office/powerpoint/2012/main" xmlns:ahyp="http://schemas.microsoft.com/office/drawing/2018/hyperlinkcolor">
+<p:sldMaster xmlns:a="http://schemas.openxmlformats.org/drawingml/2006/main" xmlns:r="http://schemas.openxmlformats.org/officeDocument/2006/relationships" xmlns:p="http://schemas.openxmlformats.org/presentationml/2006/main">
   <p:cSld name="material">
     <p:bg>
       <p:bgPr>
         <a:solidFill>
           <a:schemeClr val="dk1"/>
         </a:solidFill>
+        <a:effectLst/>
       </p:bgPr>
     </p:bg>
     <p:spTree>
       <p:nvGrpSpPr>
-        <p:cNvPr id="5" name="Shape 5"/>
+        <p:cNvPr id="1" name="Shape 5"/>
         <p:cNvGrpSpPr/>
         <p:nvPr/>
       </p:nvGrpSpPr>
@@ -6347,7 +6456,9 @@
       <p:sp>
         <p:nvSpPr>
           <p:cNvPr id="6" name="Google Shape;6;p1"/>
-          <p:cNvSpPr txBox="1"/>
+          <p:cNvSpPr txBox="1">
+            <a:spLocks noGrp="1"/>
+          </p:cNvSpPr>
           <p:nvPr>
             <p:ph type="title"/>
           </p:nvPr>
@@ -6366,7 +6477,7 @@
           </a:ln>
         </p:spPr>
         <p:txBody>
-          <a:bodyPr anchorCtr="0" anchor="b" bIns="91425" lIns="91425" spcFirstLastPara="1" rIns="91425" wrap="square" tIns="91425">
+          <a:bodyPr spcFirstLastPara="1" wrap="square" lIns="91425" tIns="91425" rIns="91425" bIns="91425" anchor="b" anchorCtr="0">
             <a:noAutofit/>
           </a:bodyPr>
           <a:lstStyle>
@@ -6578,15 +6689,19 @@
               </a:defRPr>
             </a:lvl9pPr>
           </a:lstStyle>
-          <a:p/>
+          <a:p>
+            <a:endParaRPr/>
+          </a:p>
         </p:txBody>
       </p:sp>
       <p:sp>
         <p:nvSpPr>
           <p:cNvPr id="7" name="Google Shape;7;p1"/>
-          <p:cNvSpPr txBox="1"/>
+          <p:cNvSpPr txBox="1">
+            <a:spLocks noGrp="1"/>
+          </p:cNvSpPr>
           <p:nvPr>
-            <p:ph idx="1" type="body"/>
+            <p:ph type="body" idx="1"/>
           </p:nvPr>
         </p:nvSpPr>
         <p:spPr>
@@ -6603,11 +6718,11 @@
           </a:ln>
         </p:spPr>
         <p:txBody>
-          <a:bodyPr anchorCtr="0" anchor="t" bIns="91425" lIns="91425" spcFirstLastPara="1" rIns="91425" wrap="square" tIns="91425">
+          <a:bodyPr spcFirstLastPara="1" wrap="square" lIns="91425" tIns="91425" rIns="91425" bIns="91425" anchor="t" anchorCtr="0">
             <a:noAutofit/>
           </a:bodyPr>
           <a:lstStyle>
-            <a:lvl1pPr indent="-342900" lvl="0" marL="457200" rtl="0">
+            <a:lvl1pPr marL="457200" lvl="0" indent="-342900" rtl="0">
               <a:lnSpc>
                 <a:spcPct val="115000"/>
               </a:lnSpc>
@@ -6633,7 +6748,7 @@
                 <a:sym typeface="Roboto"/>
               </a:defRPr>
             </a:lvl1pPr>
-            <a:lvl2pPr indent="-317500" lvl="1" marL="914400" rtl="0">
+            <a:lvl2pPr marL="914400" lvl="1" indent="-317500" rtl="0">
               <a:lnSpc>
                 <a:spcPct val="115000"/>
               </a:lnSpc>
@@ -6659,7 +6774,7 @@
                 <a:sym typeface="Roboto"/>
               </a:defRPr>
             </a:lvl2pPr>
-            <a:lvl3pPr indent="-317500" lvl="2" marL="1371600" rtl="0">
+            <a:lvl3pPr marL="1371600" lvl="2" indent="-317500" rtl="0">
               <a:lnSpc>
                 <a:spcPct val="115000"/>
               </a:lnSpc>
@@ -6685,7 +6800,7 @@
                 <a:sym typeface="Roboto"/>
               </a:defRPr>
             </a:lvl3pPr>
-            <a:lvl4pPr indent="-317500" lvl="3" marL="1828800" rtl="0">
+            <a:lvl4pPr marL="1828800" lvl="3" indent="-317500" rtl="0">
               <a:lnSpc>
                 <a:spcPct val="115000"/>
               </a:lnSpc>
@@ -6711,7 +6826,7 @@
                 <a:sym typeface="Roboto"/>
               </a:defRPr>
             </a:lvl4pPr>
-            <a:lvl5pPr indent="-317500" lvl="4" marL="2286000" rtl="0">
+            <a:lvl5pPr marL="2286000" lvl="4" indent="-317500" rtl="0">
               <a:lnSpc>
                 <a:spcPct val="115000"/>
               </a:lnSpc>
@@ -6737,7 +6852,7 @@
                 <a:sym typeface="Roboto"/>
               </a:defRPr>
             </a:lvl5pPr>
-            <a:lvl6pPr indent="-317500" lvl="5" marL="2743200" rtl="0">
+            <a:lvl6pPr marL="2743200" lvl="5" indent="-317500" rtl="0">
               <a:lnSpc>
                 <a:spcPct val="115000"/>
               </a:lnSpc>
@@ -6763,7 +6878,7 @@
                 <a:sym typeface="Roboto"/>
               </a:defRPr>
             </a:lvl6pPr>
-            <a:lvl7pPr indent="-317500" lvl="6" marL="3200400" rtl="0">
+            <a:lvl7pPr marL="3200400" lvl="6" indent="-317500" rtl="0">
               <a:lnSpc>
                 <a:spcPct val="115000"/>
               </a:lnSpc>
@@ -6789,7 +6904,7 @@
                 <a:sym typeface="Roboto"/>
               </a:defRPr>
             </a:lvl7pPr>
-            <a:lvl8pPr indent="-317500" lvl="7" marL="3657600" rtl="0">
+            <a:lvl8pPr marL="3657600" lvl="7" indent="-317500" rtl="0">
               <a:lnSpc>
                 <a:spcPct val="115000"/>
               </a:lnSpc>
@@ -6815,7 +6930,7 @@
                 <a:sym typeface="Roboto"/>
               </a:defRPr>
             </a:lvl8pPr>
-            <a:lvl9pPr indent="-317500" lvl="8" marL="4114800" rtl="0">
+            <a:lvl9pPr marL="4114800" lvl="8" indent="-317500" rtl="0">
               <a:lnSpc>
                 <a:spcPct val="115000"/>
               </a:lnSpc>
@@ -6842,15 +6957,19 @@
               </a:defRPr>
             </a:lvl9pPr>
           </a:lstStyle>
-          <a:p/>
+          <a:p>
+            <a:endParaRPr/>
+          </a:p>
         </p:txBody>
       </p:sp>
       <p:sp>
         <p:nvSpPr>
           <p:cNvPr id="8" name="Google Shape;8;p1"/>
-          <p:cNvSpPr txBox="1"/>
+          <p:cNvSpPr txBox="1">
+            <a:spLocks noGrp="1"/>
+          </p:cNvSpPr>
           <p:nvPr>
-            <p:ph idx="12" type="sldNum"/>
+            <p:ph type="sldNum" idx="12"/>
           </p:nvPr>
         </p:nvSpPr>
         <p:spPr>
@@ -6867,11 +6986,11 @@
           </a:ln>
         </p:spPr>
         <p:txBody>
-          <a:bodyPr anchorCtr="0" anchor="ctr" bIns="91425" lIns="91425" spcFirstLastPara="1" rIns="91425" wrap="square" tIns="91425">
+          <a:bodyPr spcFirstLastPara="1" wrap="square" lIns="91425" tIns="91425" rIns="91425" bIns="91425" anchor="ctr" anchorCtr="0">
             <a:noAutofit/>
           </a:bodyPr>
           <a:lstStyle>
-            <a:lvl1pPr lvl="0" rtl="0" algn="r">
+            <a:lvl1pPr lvl="0" algn="r" rtl="0">
               <a:buNone/>
               <a:defRPr sz="1000">
                 <a:solidFill>
@@ -6883,7 +7002,7 @@
                 <a:sym typeface="Roboto"/>
               </a:defRPr>
             </a:lvl1pPr>
-            <a:lvl2pPr lvl="1" rtl="0" algn="r">
+            <a:lvl2pPr lvl="1" algn="r" rtl="0">
               <a:buNone/>
               <a:defRPr sz="1000">
                 <a:solidFill>
@@ -6895,7 +7014,7 @@
                 <a:sym typeface="Roboto"/>
               </a:defRPr>
             </a:lvl2pPr>
-            <a:lvl3pPr lvl="2" rtl="0" algn="r">
+            <a:lvl3pPr lvl="2" algn="r" rtl="0">
               <a:buNone/>
               <a:defRPr sz="1000">
                 <a:solidFill>
@@ -6907,7 +7026,7 @@
                 <a:sym typeface="Roboto"/>
               </a:defRPr>
             </a:lvl3pPr>
-            <a:lvl4pPr lvl="3" rtl="0" algn="r">
+            <a:lvl4pPr lvl="3" algn="r" rtl="0">
               <a:buNone/>
               <a:defRPr sz="1000">
                 <a:solidFill>
@@ -6919,7 +7038,7 @@
                 <a:sym typeface="Roboto"/>
               </a:defRPr>
             </a:lvl4pPr>
-            <a:lvl5pPr lvl="4" rtl="0" algn="r">
+            <a:lvl5pPr lvl="4" algn="r" rtl="0">
               <a:buNone/>
               <a:defRPr sz="1000">
                 <a:solidFill>
@@ -6931,7 +7050,7 @@
                 <a:sym typeface="Roboto"/>
               </a:defRPr>
             </a:lvl5pPr>
-            <a:lvl6pPr lvl="5" rtl="0" algn="r">
+            <a:lvl6pPr lvl="5" algn="r" rtl="0">
               <a:buNone/>
               <a:defRPr sz="1000">
                 <a:solidFill>
@@ -6943,7 +7062,7 @@
                 <a:sym typeface="Roboto"/>
               </a:defRPr>
             </a:lvl6pPr>
-            <a:lvl7pPr lvl="6" rtl="0" algn="r">
+            <a:lvl7pPr lvl="6" algn="r" rtl="0">
               <a:buNone/>
               <a:defRPr sz="1000">
                 <a:solidFill>
@@ -6955,7 +7074,7 @@
                 <a:sym typeface="Roboto"/>
               </a:defRPr>
             </a:lvl7pPr>
-            <a:lvl8pPr lvl="7" rtl="0" algn="r">
+            <a:lvl8pPr lvl="7" algn="r" rtl="0">
               <a:buNone/>
               <a:defRPr sz="1000">
                 <a:solidFill>
@@ -6967,7 +7086,7 @@
                 <a:sym typeface="Roboto"/>
               </a:defRPr>
             </a:lvl8pPr>
-            <a:lvl9pPr lvl="8" rtl="0" algn="r">
+            <a:lvl9pPr lvl="8" algn="r" rtl="0">
               <a:buNone/>
               <a:defRPr sz="1000">
                 <a:solidFill>
@@ -6981,7 +7100,7 @@
             </a:lvl9pPr>
           </a:lstStyle>
           <a:p>
-            <a:pPr indent="0" lvl="0" marL="0" rtl="0" algn="r">
+            <a:pPr marL="0" lvl="0" indent="0" algn="r" rtl="0">
               <a:spcBef>
                 <a:spcPts val="0"/>
               </a:spcBef>
@@ -7000,7 +7119,7 @@
       </p:sp>
     </p:spTree>
   </p:cSld>
-  <p:clrMap accent1="accent1" accent2="accent2" accent3="accent3" accent4="accent4" accent5="accent5" accent6="accent6" bg1="lt1" bg2="dk2" tx1="dk1" tx2="lt2" folHlink="folHlink" hlink="hlink"/>
+  <p:clrMap bg1="lt1" tx1="dk1" bg2="dk2" tx2="lt2" accent1="accent1" accent2="accent2" accent3="accent3" accent4="accent4" accent5="accent5" accent6="accent6" hlink="hlink" folHlink="folHlink"/>
   <p:sldLayoutIdLst>
     <p:sldLayoutId id="2147483648" r:id="rId1"/>
     <p:sldLayoutId id="2147483649" r:id="rId2"/>
@@ -7014,10 +7133,10 @@
     <p:sldLayoutId id="2147483657" r:id="rId10"/>
     <p:sldLayoutId id="2147483658" r:id="rId11"/>
   </p:sldLayoutIdLst>
-  <p:hf dt="0" ftr="0" hdr="0" sldNum="0"/>
+  <p:hf sldNum="0" hdr="0" ftr="0" dt="0"/>
   <p:txStyles>
     <p:titleStyle>
-      <a:defPPr lvl="0" marR="0" rtl="0" algn="l">
+      <a:defPPr marR="0" lvl="0" algn="l" rtl="0">
         <a:lnSpc>
           <a:spcPct val="100000"/>
         </a:lnSpc>
@@ -7028,7 +7147,7 @@
           <a:spcPts val="0"/>
         </a:spcAft>
       </a:defPPr>
-      <a:lvl1pPr lvl="0" marR="0" rtl="0" algn="l">
+      <a:lvl1pPr marR="0" lvl="0" algn="l" rtl="0">
         <a:lnSpc>
           <a:spcPct val="100000"/>
         </a:lnSpc>
@@ -7042,7 +7161,7 @@
           <a:srgbClr val="000000"/>
         </a:buClr>
         <a:buFont typeface="Arial"/>
-        <a:defRPr b="0" i="0" sz="1400" u="none" cap="none" strike="noStrike">
+        <a:defRPr sz="1400" b="0" i="0" u="none" strike="noStrike" cap="none">
           <a:solidFill>
             <a:srgbClr val="000000"/>
           </a:solidFill>
@@ -7052,7 +7171,7 @@
           <a:sym typeface="Arial"/>
         </a:defRPr>
       </a:lvl1pPr>
-      <a:lvl2pPr lvl="1" marR="0" rtl="0" algn="l">
+      <a:lvl2pPr marR="0" lvl="1" algn="l" rtl="0">
         <a:lnSpc>
           <a:spcPct val="100000"/>
         </a:lnSpc>
@@ -7066,7 +7185,7 @@
           <a:srgbClr val="000000"/>
         </a:buClr>
         <a:buFont typeface="Arial"/>
-        <a:defRPr b="0" i="0" sz="1400" u="none" cap="none" strike="noStrike">
+        <a:defRPr sz="1400" b="0" i="0" u="none" strike="noStrike" cap="none">
           <a:solidFill>
             <a:srgbClr val="000000"/>
           </a:solidFill>
@@ -7076,7 +7195,7 @@
           <a:sym typeface="Arial"/>
         </a:defRPr>
       </a:lvl2pPr>
-      <a:lvl3pPr lvl="2" marR="0" rtl="0" algn="l">
+      <a:lvl3pPr marR="0" lvl="2" algn="l" rtl="0">
         <a:lnSpc>
           <a:spcPct val="100000"/>
         </a:lnSpc>
@@ -7090,7 +7209,7 @@
           <a:srgbClr val="000000"/>
         </a:buClr>
         <a:buFont typeface="Arial"/>
-        <a:defRPr b="0" i="0" sz="1400" u="none" cap="none" strike="noStrike">
+        <a:defRPr sz="1400" b="0" i="0" u="none" strike="noStrike" cap="none">
           <a:solidFill>
             <a:srgbClr val="000000"/>
           </a:solidFill>
@@ -7100,7 +7219,7 @@
           <a:sym typeface="Arial"/>
         </a:defRPr>
       </a:lvl3pPr>
-      <a:lvl4pPr lvl="3" marR="0" rtl="0" algn="l">
+      <a:lvl4pPr marR="0" lvl="3" algn="l" rtl="0">
         <a:lnSpc>
           <a:spcPct val="100000"/>
         </a:lnSpc>
@@ -7114,7 +7233,7 @@
           <a:srgbClr val="000000"/>
         </a:buClr>
         <a:buFont typeface="Arial"/>
-        <a:defRPr b="0" i="0" sz="1400" u="none" cap="none" strike="noStrike">
+        <a:defRPr sz="1400" b="0" i="0" u="none" strike="noStrike" cap="none">
           <a:solidFill>
             <a:srgbClr val="000000"/>
           </a:solidFill>
@@ -7124,7 +7243,7 @@
           <a:sym typeface="Arial"/>
         </a:defRPr>
       </a:lvl4pPr>
-      <a:lvl5pPr lvl="4" marR="0" rtl="0" algn="l">
+      <a:lvl5pPr marR="0" lvl="4" algn="l" rtl="0">
         <a:lnSpc>
           <a:spcPct val="100000"/>
         </a:lnSpc>
@@ -7138,7 +7257,7 @@
           <a:srgbClr val="000000"/>
         </a:buClr>
         <a:buFont typeface="Arial"/>
-        <a:defRPr b="0" i="0" sz="1400" u="none" cap="none" strike="noStrike">
+        <a:defRPr sz="1400" b="0" i="0" u="none" strike="noStrike" cap="none">
           <a:solidFill>
             <a:srgbClr val="000000"/>
           </a:solidFill>
@@ -7148,7 +7267,7 @@
           <a:sym typeface="Arial"/>
         </a:defRPr>
       </a:lvl5pPr>
-      <a:lvl6pPr lvl="5" marR="0" rtl="0" algn="l">
+      <a:lvl6pPr marR="0" lvl="5" algn="l" rtl="0">
         <a:lnSpc>
           <a:spcPct val="100000"/>
         </a:lnSpc>
@@ -7162,7 +7281,7 @@
           <a:srgbClr val="000000"/>
         </a:buClr>
         <a:buFont typeface="Arial"/>
-        <a:defRPr b="0" i="0" sz="1400" u="none" cap="none" strike="noStrike">
+        <a:defRPr sz="1400" b="0" i="0" u="none" strike="noStrike" cap="none">
           <a:solidFill>
             <a:srgbClr val="000000"/>
           </a:solidFill>
@@ -7172,7 +7291,7 @@
           <a:sym typeface="Arial"/>
         </a:defRPr>
       </a:lvl6pPr>
-      <a:lvl7pPr lvl="6" marR="0" rtl="0" algn="l">
+      <a:lvl7pPr marR="0" lvl="6" algn="l" rtl="0">
         <a:lnSpc>
           <a:spcPct val="100000"/>
         </a:lnSpc>
@@ -7186,7 +7305,7 @@
           <a:srgbClr val="000000"/>
         </a:buClr>
         <a:buFont typeface="Arial"/>
-        <a:defRPr b="0" i="0" sz="1400" u="none" cap="none" strike="noStrike">
+        <a:defRPr sz="1400" b="0" i="0" u="none" strike="noStrike" cap="none">
           <a:solidFill>
             <a:srgbClr val="000000"/>
           </a:solidFill>
@@ -7196,7 +7315,7 @@
           <a:sym typeface="Arial"/>
         </a:defRPr>
       </a:lvl7pPr>
-      <a:lvl8pPr lvl="7" marR="0" rtl="0" algn="l">
+      <a:lvl8pPr marR="0" lvl="7" algn="l" rtl="0">
         <a:lnSpc>
           <a:spcPct val="100000"/>
         </a:lnSpc>
@@ -7210,7 +7329,7 @@
           <a:srgbClr val="000000"/>
         </a:buClr>
         <a:buFont typeface="Arial"/>
-        <a:defRPr b="0" i="0" sz="1400" u="none" cap="none" strike="noStrike">
+        <a:defRPr sz="1400" b="0" i="0" u="none" strike="noStrike" cap="none">
           <a:solidFill>
             <a:srgbClr val="000000"/>
           </a:solidFill>
@@ -7220,7 +7339,7 @@
           <a:sym typeface="Arial"/>
         </a:defRPr>
       </a:lvl8pPr>
-      <a:lvl9pPr lvl="8" marR="0" rtl="0" algn="l">
+      <a:lvl9pPr marR="0" lvl="8" algn="l" rtl="0">
         <a:lnSpc>
           <a:spcPct val="100000"/>
         </a:lnSpc>
@@ -7234,7 +7353,7 @@
           <a:srgbClr val="000000"/>
         </a:buClr>
         <a:buFont typeface="Arial"/>
-        <a:defRPr b="0" i="0" sz="1400" u="none" cap="none" strike="noStrike">
+        <a:defRPr sz="1400" b="0" i="0" u="none" strike="noStrike" cap="none">
           <a:solidFill>
             <a:srgbClr val="000000"/>
           </a:solidFill>
@@ -7246,7 +7365,7 @@
       </a:lvl9pPr>
     </p:titleStyle>
     <p:bodyStyle>
-      <a:defPPr lvl="0" marR="0" rtl="0" algn="l">
+      <a:defPPr marR="0" lvl="0" algn="l" rtl="0">
         <a:lnSpc>
           <a:spcPct val="100000"/>
         </a:lnSpc>
@@ -7257,7 +7376,7 @@
           <a:spcPts val="0"/>
         </a:spcAft>
       </a:defPPr>
-      <a:lvl1pPr lvl="0" marR="0" rtl="0" algn="l">
+      <a:lvl1pPr marR="0" lvl="0" algn="l" rtl="0">
         <a:lnSpc>
           <a:spcPct val="100000"/>
         </a:lnSpc>
@@ -7271,7 +7390,7 @@
           <a:srgbClr val="000000"/>
         </a:buClr>
         <a:buFont typeface="Arial"/>
-        <a:defRPr b="0" i="0" sz="1400" u="none" cap="none" strike="noStrike">
+        <a:defRPr sz="1400" b="0" i="0" u="none" strike="noStrike" cap="none">
           <a:solidFill>
             <a:srgbClr val="000000"/>
           </a:solidFill>
@@ -7281,7 +7400,7 @@
           <a:sym typeface="Arial"/>
         </a:defRPr>
       </a:lvl1pPr>
-      <a:lvl2pPr lvl="1" marR="0" rtl="0" algn="l">
+      <a:lvl2pPr marR="0" lvl="1" algn="l" rtl="0">
         <a:lnSpc>
           <a:spcPct val="100000"/>
         </a:lnSpc>
@@ -7295,7 +7414,7 @@
           <a:srgbClr val="000000"/>
         </a:buClr>
         <a:buFont typeface="Arial"/>
-        <a:defRPr b="0" i="0" sz="1400" u="none" cap="none" strike="noStrike">
+        <a:defRPr sz="1400" b="0" i="0" u="none" strike="noStrike" cap="none">
           <a:solidFill>
             <a:srgbClr val="000000"/>
           </a:solidFill>
@@ -7305,7 +7424,7 @@
           <a:sym typeface="Arial"/>
         </a:defRPr>
       </a:lvl2pPr>
-      <a:lvl3pPr lvl="2" marR="0" rtl="0" algn="l">
+      <a:lvl3pPr marR="0" lvl="2" algn="l" rtl="0">
         <a:lnSpc>
           <a:spcPct val="100000"/>
         </a:lnSpc>
@@ -7319,7 +7438,7 @@
           <a:srgbClr val="000000"/>
         </a:buClr>
         <a:buFont typeface="Arial"/>
-        <a:defRPr b="0" i="0" sz="1400" u="none" cap="none" strike="noStrike">
+        <a:defRPr sz="1400" b="0" i="0" u="none" strike="noStrike" cap="none">
           <a:solidFill>
             <a:srgbClr val="000000"/>
           </a:solidFill>
@@ -7329,7 +7448,7 @@
           <a:sym typeface="Arial"/>
         </a:defRPr>
       </a:lvl3pPr>
-      <a:lvl4pPr lvl="3" marR="0" rtl="0" algn="l">
+      <a:lvl4pPr marR="0" lvl="3" algn="l" rtl="0">
         <a:lnSpc>
           <a:spcPct val="100000"/>
         </a:lnSpc>
@@ -7343,7 +7462,7 @@
           <a:srgbClr val="000000"/>
         </a:buClr>
         <a:buFont typeface="Arial"/>
-        <a:defRPr b="0" i="0" sz="1400" u="none" cap="none" strike="noStrike">
+        <a:defRPr sz="1400" b="0" i="0" u="none" strike="noStrike" cap="none">
           <a:solidFill>
             <a:srgbClr val="000000"/>
           </a:solidFill>
@@ -7353,7 +7472,7 @@
           <a:sym typeface="Arial"/>
         </a:defRPr>
       </a:lvl4pPr>
-      <a:lvl5pPr lvl="4" marR="0" rtl="0" algn="l">
+      <a:lvl5pPr marR="0" lvl="4" algn="l" rtl="0">
         <a:lnSpc>
           <a:spcPct val="100000"/>
         </a:lnSpc>
@@ -7367,7 +7486,7 @@
           <a:srgbClr val="000000"/>
         </a:buClr>
         <a:buFont typeface="Arial"/>
-        <a:defRPr b="0" i="0" sz="1400" u="none" cap="none" strike="noStrike">
+        <a:defRPr sz="1400" b="0" i="0" u="none" strike="noStrike" cap="none">
           <a:solidFill>
             <a:srgbClr val="000000"/>
           </a:solidFill>
@@ -7377,7 +7496,7 @@
           <a:sym typeface="Arial"/>
         </a:defRPr>
       </a:lvl5pPr>
-      <a:lvl6pPr lvl="5" marR="0" rtl="0" algn="l">
+      <a:lvl6pPr marR="0" lvl="5" algn="l" rtl="0">
         <a:lnSpc>
           <a:spcPct val="100000"/>
         </a:lnSpc>
@@ -7391,7 +7510,7 @@
           <a:srgbClr val="000000"/>
         </a:buClr>
         <a:buFont typeface="Arial"/>
-        <a:defRPr b="0" i="0" sz="1400" u="none" cap="none" strike="noStrike">
+        <a:defRPr sz="1400" b="0" i="0" u="none" strike="noStrike" cap="none">
           <a:solidFill>
             <a:srgbClr val="000000"/>
           </a:solidFill>
@@ -7401,7 +7520,7 @@
           <a:sym typeface="Arial"/>
         </a:defRPr>
       </a:lvl6pPr>
-      <a:lvl7pPr lvl="6" marR="0" rtl="0" algn="l">
+      <a:lvl7pPr marR="0" lvl="6" algn="l" rtl="0">
         <a:lnSpc>
           <a:spcPct val="100000"/>
         </a:lnSpc>
@@ -7415,7 +7534,7 @@
           <a:srgbClr val="000000"/>
         </a:buClr>
         <a:buFont typeface="Arial"/>
-        <a:defRPr b="0" i="0" sz="1400" u="none" cap="none" strike="noStrike">
+        <a:defRPr sz="1400" b="0" i="0" u="none" strike="noStrike" cap="none">
           <a:solidFill>
             <a:srgbClr val="000000"/>
           </a:solidFill>
@@ -7425,7 +7544,7 @@
           <a:sym typeface="Arial"/>
         </a:defRPr>
       </a:lvl7pPr>
-      <a:lvl8pPr lvl="7" marR="0" rtl="0" algn="l">
+      <a:lvl8pPr marR="0" lvl="7" algn="l" rtl="0">
         <a:lnSpc>
           <a:spcPct val="100000"/>
         </a:lnSpc>
@@ -7439,7 +7558,7 @@
           <a:srgbClr val="000000"/>
         </a:buClr>
         <a:buFont typeface="Arial"/>
-        <a:defRPr b="0" i="0" sz="1400" u="none" cap="none" strike="noStrike">
+        <a:defRPr sz="1400" b="0" i="0" u="none" strike="noStrike" cap="none">
           <a:solidFill>
             <a:srgbClr val="000000"/>
           </a:solidFill>
@@ -7449,7 +7568,7 @@
           <a:sym typeface="Arial"/>
         </a:defRPr>
       </a:lvl8pPr>
-      <a:lvl9pPr lvl="8" marR="0" rtl="0" algn="l">
+      <a:lvl9pPr marR="0" lvl="8" algn="l" rtl="0">
         <a:lnSpc>
           <a:spcPct val="100000"/>
         </a:lnSpc>
@@ -7463,7 +7582,7 @@
           <a:srgbClr val="000000"/>
         </a:buClr>
         <a:buFont typeface="Arial"/>
-        <a:defRPr b="0" i="0" sz="1400" u="none" cap="none" strike="noStrike">
+        <a:defRPr sz="1400" b="0" i="0" u="none" strike="noStrike" cap="none">
           <a:solidFill>
             <a:srgbClr val="000000"/>
           </a:solidFill>
@@ -7475,7 +7594,7 @@
       </a:lvl9pPr>
     </p:bodyStyle>
     <p:otherStyle>
-      <a:defPPr lvl="0" marR="0" rtl="0" algn="l">
+      <a:defPPr marR="0" lvl="0" algn="l" rtl="0">
         <a:lnSpc>
           <a:spcPct val="100000"/>
         </a:lnSpc>
@@ -7486,7 +7605,7 @@
           <a:spcPts val="0"/>
         </a:spcAft>
       </a:defPPr>
-      <a:lvl1pPr lvl="0" marR="0" rtl="0" algn="l">
+      <a:lvl1pPr marR="0" lvl="0" algn="l" rtl="0">
         <a:lnSpc>
           <a:spcPct val="100000"/>
         </a:lnSpc>
@@ -7500,7 +7619,7 @@
           <a:srgbClr val="000000"/>
         </a:buClr>
         <a:buFont typeface="Arial"/>
-        <a:defRPr b="0" i="0" sz="1400" u="none" cap="none" strike="noStrike">
+        <a:defRPr sz="1400" b="0" i="0" u="none" strike="noStrike" cap="none">
           <a:solidFill>
             <a:srgbClr val="000000"/>
           </a:solidFill>
@@ -7510,7 +7629,7 @@
           <a:sym typeface="Arial"/>
         </a:defRPr>
       </a:lvl1pPr>
-      <a:lvl2pPr lvl="1" marR="0" rtl="0" algn="l">
+      <a:lvl2pPr marR="0" lvl="1" algn="l" rtl="0">
         <a:lnSpc>
           <a:spcPct val="100000"/>
         </a:lnSpc>
@@ -7524,7 +7643,7 @@
           <a:srgbClr val="000000"/>
         </a:buClr>
         <a:buFont typeface="Arial"/>
-        <a:defRPr b="0" i="0" sz="1400" u="none" cap="none" strike="noStrike">
+        <a:defRPr sz="1400" b="0" i="0" u="none" strike="noStrike" cap="none">
           <a:solidFill>
             <a:srgbClr val="000000"/>
           </a:solidFill>
@@ -7534,7 +7653,7 @@
           <a:sym typeface="Arial"/>
         </a:defRPr>
       </a:lvl2pPr>
-      <a:lvl3pPr lvl="2" marR="0" rtl="0" algn="l">
+      <a:lvl3pPr marR="0" lvl="2" algn="l" rtl="0">
         <a:lnSpc>
           <a:spcPct val="100000"/>
         </a:lnSpc>
@@ -7548,7 +7667,7 @@
           <a:srgbClr val="000000"/>
         </a:buClr>
         <a:buFont typeface="Arial"/>
-        <a:defRPr b="0" i="0" sz="1400" u="none" cap="none" strike="noStrike">
+        <a:defRPr sz="1400" b="0" i="0" u="none" strike="noStrike" cap="none">
           <a:solidFill>
             <a:srgbClr val="000000"/>
           </a:solidFill>
@@ -7558,7 +7677,7 @@
           <a:sym typeface="Arial"/>
         </a:defRPr>
       </a:lvl3pPr>
-      <a:lvl4pPr lvl="3" marR="0" rtl="0" algn="l">
+      <a:lvl4pPr marR="0" lvl="3" algn="l" rtl="0">
         <a:lnSpc>
           <a:spcPct val="100000"/>
         </a:lnSpc>
@@ -7572,7 +7691,7 @@
           <a:srgbClr val="000000"/>
         </a:buClr>
         <a:buFont typeface="Arial"/>
-        <a:defRPr b="0" i="0" sz="1400" u="none" cap="none" strike="noStrike">
+        <a:defRPr sz="1400" b="0" i="0" u="none" strike="noStrike" cap="none">
           <a:solidFill>
             <a:srgbClr val="000000"/>
           </a:solidFill>
@@ -7582,7 +7701,7 @@
           <a:sym typeface="Arial"/>
         </a:defRPr>
       </a:lvl4pPr>
-      <a:lvl5pPr lvl="4" marR="0" rtl="0" algn="l">
+      <a:lvl5pPr marR="0" lvl="4" algn="l" rtl="0">
         <a:lnSpc>
           <a:spcPct val="100000"/>
         </a:lnSpc>
@@ -7596,7 +7715,7 @@
           <a:srgbClr val="000000"/>
         </a:buClr>
         <a:buFont typeface="Arial"/>
-        <a:defRPr b="0" i="0" sz="1400" u="none" cap="none" strike="noStrike">
+        <a:defRPr sz="1400" b="0" i="0" u="none" strike="noStrike" cap="none">
           <a:solidFill>
             <a:srgbClr val="000000"/>
           </a:solidFill>
@@ -7606,7 +7725,7 @@
           <a:sym typeface="Arial"/>
         </a:defRPr>
       </a:lvl5pPr>
-      <a:lvl6pPr lvl="5" marR="0" rtl="0" algn="l">
+      <a:lvl6pPr marR="0" lvl="5" algn="l" rtl="0">
         <a:lnSpc>
           <a:spcPct val="100000"/>
         </a:lnSpc>
@@ -7620,7 +7739,7 @@
           <a:srgbClr val="000000"/>
         </a:buClr>
         <a:buFont typeface="Arial"/>
-        <a:defRPr b="0" i="0" sz="1400" u="none" cap="none" strike="noStrike">
+        <a:defRPr sz="1400" b="0" i="0" u="none" strike="noStrike" cap="none">
           <a:solidFill>
             <a:srgbClr val="000000"/>
           </a:solidFill>
@@ -7630,7 +7749,7 @@
           <a:sym typeface="Arial"/>
         </a:defRPr>
       </a:lvl6pPr>
-      <a:lvl7pPr lvl="6" marR="0" rtl="0" algn="l">
+      <a:lvl7pPr marR="0" lvl="6" algn="l" rtl="0">
         <a:lnSpc>
           <a:spcPct val="100000"/>
         </a:lnSpc>
@@ -7644,7 +7763,7 @@
           <a:srgbClr val="000000"/>
         </a:buClr>
         <a:buFont typeface="Arial"/>
-        <a:defRPr b="0" i="0" sz="1400" u="none" cap="none" strike="noStrike">
+        <a:defRPr sz="1400" b="0" i="0" u="none" strike="noStrike" cap="none">
           <a:solidFill>
             <a:srgbClr val="000000"/>
           </a:solidFill>
@@ -7654,7 +7773,7 @@
           <a:sym typeface="Arial"/>
         </a:defRPr>
       </a:lvl7pPr>
-      <a:lvl8pPr lvl="7" marR="0" rtl="0" algn="l">
+      <a:lvl8pPr marR="0" lvl="7" algn="l" rtl="0">
         <a:lnSpc>
           <a:spcPct val="100000"/>
         </a:lnSpc>
@@ -7668,7 +7787,7 @@
           <a:srgbClr val="000000"/>
         </a:buClr>
         <a:buFont typeface="Arial"/>
-        <a:defRPr b="0" i="0" sz="1400" u="none" cap="none" strike="noStrike">
+        <a:defRPr sz="1400" b="0" i="0" u="none" strike="noStrike" cap="none">
           <a:solidFill>
             <a:srgbClr val="000000"/>
           </a:solidFill>
@@ -7678,7 +7797,7 @@
           <a:sym typeface="Arial"/>
         </a:defRPr>
       </a:lvl8pPr>
-      <a:lvl9pPr lvl="8" marR="0" rtl="0" algn="l">
+      <a:lvl9pPr marR="0" lvl="8" algn="l" rtl="0">
         <a:lnSpc>
           <a:spcPct val="100000"/>
         </a:lnSpc>
@@ -7692,7 +7811,7 @@
           <a:srgbClr val="000000"/>
         </a:buClr>
         <a:buFont typeface="Arial"/>
-        <a:defRPr b="0" i="0" sz="1400" u="none" cap="none" strike="noStrike">
+        <a:defRPr sz="1400" b="0" i="0" u="none" strike="noStrike" cap="none">
           <a:solidFill>
             <a:srgbClr val="000000"/>
           </a:solidFill>
@@ -7708,11 +7827,11 @@
 </file>
 
 <file path=ppt/slides/slide1.xml><?xml version="1.0" encoding="utf-8"?>
-<p:sld xmlns:a="http://schemas.openxmlformats.org/drawingml/2006/main" xmlns:r="http://schemas.openxmlformats.org/officeDocument/2006/relationships" xmlns:mc="http://schemas.openxmlformats.org/markup-compatibility/2006" xmlns:mv="urn:schemas-microsoft-com:mac:vml" xmlns:p="http://schemas.openxmlformats.org/presentationml/2006/main" xmlns:c="http://schemas.openxmlformats.org/drawingml/2006/chart" xmlns:dgm="http://schemas.openxmlformats.org/drawingml/2006/diagram" xmlns:o="urn:schemas-microsoft-com:office:office" xmlns:v="urn:schemas-microsoft-com:vml" xmlns:pvml="urn:schemas-microsoft-com:office:powerpoint" xmlns:com="http://schemas.openxmlformats.org/drawingml/2006/compatibility" xmlns:p14="http://schemas.microsoft.com/office/powerpoint/2010/main" xmlns:p15="http://schemas.microsoft.com/office/powerpoint/2012/main" xmlns:ahyp="http://schemas.microsoft.com/office/drawing/2018/hyperlinkcolor">
+<p:sld xmlns:a="http://schemas.openxmlformats.org/drawingml/2006/main" xmlns:r="http://schemas.openxmlformats.org/officeDocument/2006/relationships" xmlns:p="http://schemas.openxmlformats.org/presentationml/2006/main">
   <p:cSld>
     <p:spTree>
       <p:nvGrpSpPr>
-        <p:cNvPr id="66" name="Shape 66"/>
+        <p:cNvPr id="1" name="Shape 66"/>
         <p:cNvGrpSpPr/>
         <p:nvPr/>
       </p:nvGrpSpPr>
@@ -7727,7 +7846,9 @@
       <p:sp>
         <p:nvSpPr>
           <p:cNvPr id="67" name="Google Shape;67;p13"/>
-          <p:cNvSpPr txBox="1"/>
+          <p:cNvSpPr txBox="1">
+            <a:spLocks noGrp="1"/>
+          </p:cNvSpPr>
           <p:nvPr>
             <p:ph type="ctrTitle"/>
           </p:nvPr>
@@ -7742,12 +7863,12 @@
           </a:prstGeom>
         </p:spPr>
         <p:txBody>
-          <a:bodyPr anchorCtr="0" anchor="b" bIns="91425" lIns="91425" spcFirstLastPara="1" rIns="91425" wrap="square" tIns="91425">
+          <a:bodyPr spcFirstLastPara="1" wrap="square" lIns="91425" tIns="91425" rIns="91425" bIns="91425" anchor="b" anchorCtr="0">
             <a:noAutofit/>
           </a:bodyPr>
           <a:lstStyle/>
           <a:p>
-            <a:pPr indent="0" lvl="0" marL="0" rtl="0" algn="l">
+            <a:pPr marL="0" lvl="0" indent="0" algn="l" rtl="0">
               <a:spcBef>
                 <a:spcPts val="0"/>
               </a:spcBef>
@@ -7767,9 +7888,11 @@
       <p:sp>
         <p:nvSpPr>
           <p:cNvPr id="68" name="Google Shape;68;p13"/>
-          <p:cNvSpPr txBox="1"/>
+          <p:cNvSpPr txBox="1">
+            <a:spLocks noGrp="1"/>
+          </p:cNvSpPr>
           <p:nvPr>
-            <p:ph idx="1" type="subTitle"/>
+            <p:ph type="subTitle" idx="1"/>
           </p:nvPr>
         </p:nvSpPr>
         <p:spPr>
@@ -7782,12 +7905,12 @@
           </a:prstGeom>
         </p:spPr>
         <p:txBody>
-          <a:bodyPr anchorCtr="0" anchor="t" bIns="91425" lIns="91425" spcFirstLastPara="1" rIns="91425" wrap="square" tIns="91425">
+          <a:bodyPr spcFirstLastPara="1" wrap="square" lIns="91425" tIns="91425" rIns="91425" bIns="91425" anchor="t" anchorCtr="0">
             <a:noAutofit/>
           </a:bodyPr>
           <a:lstStyle/>
           <a:p>
-            <a:pPr indent="0" lvl="0" marL="0" rtl="0" algn="l">
+            <a:pPr marL="0" lvl="0" indent="0" algn="l" rtl="0">
               <a:spcBef>
                 <a:spcPts val="0"/>
               </a:spcBef>
@@ -7797,13 +7920,13 @@
               <a:buNone/>
             </a:pPr>
             <a:r>
-              <a:rPr lang="zh-HK"/>
+              <a:rPr lang="zh-HK" dirty="0"/>
               <a:t>MACS30100 Project I</a:t>
             </a:r>
-            <a:endParaRPr/>
-          </a:p>
-          <a:p>
-            <a:pPr indent="0" lvl="0" marL="0" rtl="0" algn="l">
+            <a:endParaRPr dirty="0"/>
+          </a:p>
+          <a:p>
+            <a:pPr marL="0" lvl="0" indent="0" algn="l" rtl="0">
               <a:spcBef>
                 <a:spcPts val="0"/>
               </a:spcBef>
@@ -7813,13 +7936,13 @@
               <a:buNone/>
             </a:pPr>
             <a:r>
-              <a:rPr lang="zh-HK"/>
+              <a:rPr lang="zh-HK" dirty="0"/>
               <a:t>Hantao Xiao, Zihan Zhao, Chunyang Zhang</a:t>
             </a:r>
-            <a:endParaRPr/>
-          </a:p>
-          <a:p>
-            <a:pPr indent="0" lvl="0" marL="0" rtl="0" algn="l">
+            <a:endParaRPr lang="en-US" altLang="zh-HK" dirty="0"/>
+          </a:p>
+          <a:p>
+            <a:pPr marL="0" lvl="0" indent="0" algn="l" rtl="0">
               <a:spcBef>
                 <a:spcPts val="0"/>
               </a:spcBef>
@@ -7829,24 +7952,36 @@
               <a:buNone/>
             </a:pPr>
             <a:r>
-              <a:t/>
+              <a:rPr lang="en-US" b="1" dirty="0">
+                <a:hlinkClick r:id="rId3"/>
+              </a:rPr>
+              <a:t>Video_Link</a:t>
             </a:r>
-            <a:endParaRPr/>
-          </a:p>
-          <a:p>
-            <a:pPr indent="0" lvl="0" marL="0" rtl="0" algn="l">
-              <a:spcBef>
-                <a:spcPts val="0"/>
-              </a:spcBef>
-              <a:spcAft>
-                <a:spcPts val="0"/>
-              </a:spcAft>
-              <a:buNone/>
-            </a:pPr>
-            <a:r>
-              <a:t/>
-            </a:r>
-            <a:endParaRPr/>
+            <a:endParaRPr b="1" dirty="0"/>
+          </a:p>
+          <a:p>
+            <a:pPr marL="0" lvl="0" indent="0" algn="l" rtl="0">
+              <a:spcBef>
+                <a:spcPts val="0"/>
+              </a:spcBef>
+              <a:spcAft>
+                <a:spcPts val="0"/>
+              </a:spcAft>
+              <a:buNone/>
+            </a:pPr>
+            <a:endParaRPr dirty="0"/>
+          </a:p>
+          <a:p>
+            <a:pPr marL="0" lvl="0" indent="0" algn="l" rtl="0">
+              <a:spcBef>
+                <a:spcPts val="0"/>
+              </a:spcBef>
+              <a:spcAft>
+                <a:spcPts val="0"/>
+              </a:spcAft>
+              <a:buNone/>
+            </a:pPr>
+            <a:endParaRPr dirty="0"/>
           </a:p>
         </p:txBody>
       </p:sp>
@@ -7857,7 +7992,7 @@
           <p:nvPr/>
         </p:nvPicPr>
         <p:blipFill>
-          <a:blip r:embed="rId3">
+          <a:blip r:embed="rId4">
             <a:alphaModFix/>
           </a:blip>
           <a:stretch>
@@ -7887,11 +8022,11 @@
 </file>
 
 <file path=ppt/slides/slide10.xml><?xml version="1.0" encoding="utf-8"?>
-<p:sld xmlns:a="http://schemas.openxmlformats.org/drawingml/2006/main" xmlns:r="http://schemas.openxmlformats.org/officeDocument/2006/relationships" xmlns:mc="http://schemas.openxmlformats.org/markup-compatibility/2006" xmlns:mv="urn:schemas-microsoft-com:mac:vml" xmlns:p="http://schemas.openxmlformats.org/presentationml/2006/main" xmlns:c="http://schemas.openxmlformats.org/drawingml/2006/chart" xmlns:dgm="http://schemas.openxmlformats.org/drawingml/2006/diagram" xmlns:o="urn:schemas-microsoft-com:office:office" xmlns:v="urn:schemas-microsoft-com:vml" xmlns:pvml="urn:schemas-microsoft-com:office:powerpoint" xmlns:com="http://schemas.openxmlformats.org/drawingml/2006/compatibility" xmlns:p14="http://schemas.microsoft.com/office/powerpoint/2010/main" xmlns:p15="http://schemas.microsoft.com/office/powerpoint/2012/main" xmlns:ahyp="http://schemas.microsoft.com/office/drawing/2018/hyperlinkcolor">
+<p:sld xmlns:a="http://schemas.openxmlformats.org/drawingml/2006/main" xmlns:r="http://schemas.openxmlformats.org/officeDocument/2006/relationships" xmlns:p="http://schemas.openxmlformats.org/presentationml/2006/main">
   <p:cSld>
     <p:spTree>
       <p:nvGrpSpPr>
-        <p:cNvPr id="153" name="Shape 153"/>
+        <p:cNvPr id="1" name="Shape 153"/>
         <p:cNvGrpSpPr/>
         <p:nvPr/>
       </p:nvGrpSpPr>
@@ -7906,7 +8041,9 @@
       <p:sp>
         <p:nvSpPr>
           <p:cNvPr id="154" name="Google Shape;154;p22"/>
-          <p:cNvSpPr txBox="1"/>
+          <p:cNvSpPr txBox="1">
+            <a:spLocks noGrp="1"/>
+          </p:cNvSpPr>
           <p:nvPr>
             <p:ph type="title"/>
           </p:nvPr>
@@ -7921,12 +8058,12 @@
           </a:prstGeom>
         </p:spPr>
         <p:txBody>
-          <a:bodyPr anchorCtr="0" anchor="b" bIns="91425" lIns="91425" spcFirstLastPara="1" rIns="91425" wrap="square" tIns="91425">
+          <a:bodyPr spcFirstLastPara="1" wrap="square" lIns="91425" tIns="91425" rIns="91425" bIns="91425" anchor="b" anchorCtr="0">
             <a:noAutofit/>
           </a:bodyPr>
           <a:lstStyle/>
           <a:p>
-            <a:pPr indent="0" lvl="0" marL="0" rtl="0" algn="l">
+            <a:pPr marL="0" lvl="0" indent="0" algn="l" rtl="0">
               <a:spcBef>
                 <a:spcPts val="0"/>
               </a:spcBef>
@@ -7937,11 +8074,7 @@
             </a:pPr>
             <a:r>
               <a:rPr lang="zh-HK"/>
-              <a:t>Conclusion                       </a:t>
-            </a:r>
-            <a:r>
-              <a:rPr lang="zh-HK"/>
-              <a:t>Future Improvement</a:t>
+              <a:t>Conclusion                       Future Improvement</a:t>
             </a:r>
             <a:endParaRPr/>
           </a:p>
@@ -7950,9 +8083,11 @@
       <p:sp>
         <p:nvSpPr>
           <p:cNvPr id="155" name="Google Shape;155;p22"/>
-          <p:cNvSpPr txBox="1"/>
+          <p:cNvSpPr txBox="1">
+            <a:spLocks noGrp="1"/>
+          </p:cNvSpPr>
           <p:nvPr>
-            <p:ph idx="1" type="body"/>
+            <p:ph type="body" idx="1"/>
           </p:nvPr>
         </p:nvSpPr>
         <p:spPr>
@@ -7965,12 +8100,12 @@
           </a:prstGeom>
         </p:spPr>
         <p:txBody>
-          <a:bodyPr anchorCtr="0" anchor="t" bIns="91425" lIns="91425" spcFirstLastPara="1" rIns="91425" wrap="square" tIns="91425">
+          <a:bodyPr spcFirstLastPara="1" wrap="square" lIns="91425" tIns="91425" rIns="91425" bIns="91425" anchor="t" anchorCtr="0">
             <a:noAutofit/>
           </a:bodyPr>
           <a:lstStyle/>
           <a:p>
-            <a:pPr indent="-311150" lvl="0" marL="457200" marR="0" rtl="0" algn="l">
+            <a:pPr marL="457200" marR="0" lvl="0" indent="-311150" algn="l" rtl="0">
               <a:lnSpc>
                 <a:spcPct val="150000"/>
               </a:lnSpc>
@@ -8008,7 +8143,7 @@
             </a:endParaRPr>
           </a:p>
           <a:p>
-            <a:pPr indent="-311150" lvl="0" marL="457200" marR="0" rtl="0" algn="l">
+            <a:pPr marL="457200" marR="0" lvl="0" indent="-311150" algn="l" rtl="0">
               <a:lnSpc>
                 <a:spcPct val="150000"/>
               </a:lnSpc>
@@ -8046,7 +8181,7 @@
             </a:endParaRPr>
           </a:p>
           <a:p>
-            <a:pPr indent="-311150" lvl="0" marL="457200" marR="0" rtl="0" algn="l">
+            <a:pPr marL="457200" marR="0" lvl="0" indent="-311150" algn="l" rtl="0">
               <a:lnSpc>
                 <a:spcPct val="150000"/>
               </a:lnSpc>
@@ -8084,7 +8219,7 @@
             </a:endParaRPr>
           </a:p>
           <a:p>
-            <a:pPr indent="0" lvl="0" marL="0" marR="0" rtl="0" algn="l">
+            <a:pPr marL="0" marR="0" lvl="0" indent="0" algn="l" rtl="0">
               <a:lnSpc>
                 <a:spcPct val="150000"/>
               </a:lnSpc>
@@ -8096,9 +8231,6 @@
               </a:spcAft>
               <a:buNone/>
             </a:pPr>
-            <a:r>
-              <a:t/>
-            </a:r>
             <a:endParaRPr sz="900">
               <a:solidFill>
                 <a:srgbClr val="000000"/>
@@ -8113,7 +8245,7 @@
             </a:endParaRPr>
           </a:p>
           <a:p>
-            <a:pPr indent="0" lvl="0" marL="0" rtl="0" algn="l">
+            <a:pPr marL="0" lvl="0" indent="0" algn="l" rtl="0">
               <a:spcBef>
                 <a:spcPts val="0"/>
               </a:spcBef>
@@ -8122,9 +8254,6 @@
               </a:spcAft>
               <a:buNone/>
             </a:pPr>
-            <a:r>
-              <a:t/>
-            </a:r>
             <a:endParaRPr/>
           </a:p>
         </p:txBody>
@@ -8132,9 +8261,11 @@
       <p:sp>
         <p:nvSpPr>
           <p:cNvPr id="156" name="Google Shape;156;p22"/>
-          <p:cNvSpPr txBox="1"/>
+          <p:cNvSpPr txBox="1">
+            <a:spLocks noGrp="1"/>
+          </p:cNvSpPr>
           <p:nvPr>
-            <p:ph idx="2" type="body"/>
+            <p:ph type="body" idx="2"/>
           </p:nvPr>
         </p:nvSpPr>
         <p:spPr>
@@ -8147,12 +8278,12 @@
           </a:prstGeom>
         </p:spPr>
         <p:txBody>
-          <a:bodyPr anchorCtr="0" anchor="t" bIns="91425" lIns="91425" spcFirstLastPara="1" rIns="91425" wrap="square" tIns="91425">
+          <a:bodyPr spcFirstLastPara="1" wrap="square" lIns="91425" tIns="91425" rIns="91425" bIns="91425" anchor="t" anchorCtr="0">
             <a:noAutofit/>
           </a:bodyPr>
           <a:lstStyle/>
           <a:p>
-            <a:pPr indent="-311150" lvl="0" marL="457200" rtl="0" algn="l">
+            <a:pPr marL="457200" lvl="0" indent="-311150" algn="l" rtl="0">
               <a:lnSpc>
                 <a:spcPct val="150000"/>
               </a:lnSpc>
@@ -8190,7 +8321,7 @@
             </a:endParaRPr>
           </a:p>
           <a:p>
-            <a:pPr indent="-311150" lvl="0" marL="457200" rtl="0" algn="l">
+            <a:pPr marL="457200" lvl="0" indent="-311150" algn="l" rtl="0">
               <a:lnSpc>
                 <a:spcPct val="150000"/>
               </a:lnSpc>
@@ -8228,7 +8359,7 @@
             </a:endParaRPr>
           </a:p>
           <a:p>
-            <a:pPr indent="-311150" lvl="0" marL="457200" rtl="0" algn="l">
+            <a:pPr marL="457200" lvl="0" indent="-311150" algn="l" rtl="0">
               <a:lnSpc>
                 <a:spcPct val="150000"/>
               </a:lnSpc>
@@ -8266,7 +8397,7 @@
             </a:endParaRPr>
           </a:p>
           <a:p>
-            <a:pPr indent="-311150" lvl="0" marL="457200" rtl="0" algn="l">
+            <a:pPr marL="457200" lvl="0" indent="-311150" algn="l" rtl="0">
               <a:lnSpc>
                 <a:spcPct val="150000"/>
               </a:lnSpc>
@@ -8307,11 +8438,11 @@
 </file>
 
 <file path=ppt/slides/slide2.xml><?xml version="1.0" encoding="utf-8"?>
-<p:sld xmlns:a="http://schemas.openxmlformats.org/drawingml/2006/main" xmlns:r="http://schemas.openxmlformats.org/officeDocument/2006/relationships" xmlns:mc="http://schemas.openxmlformats.org/markup-compatibility/2006" xmlns:mv="urn:schemas-microsoft-com:mac:vml" xmlns:p="http://schemas.openxmlformats.org/presentationml/2006/main" xmlns:c="http://schemas.openxmlformats.org/drawingml/2006/chart" xmlns:dgm="http://schemas.openxmlformats.org/drawingml/2006/diagram" xmlns:o="urn:schemas-microsoft-com:office:office" xmlns:v="urn:schemas-microsoft-com:vml" xmlns:pvml="urn:schemas-microsoft-com:office:powerpoint" xmlns:com="http://schemas.openxmlformats.org/drawingml/2006/compatibility" xmlns:p14="http://schemas.microsoft.com/office/powerpoint/2010/main" xmlns:p15="http://schemas.microsoft.com/office/powerpoint/2012/main" xmlns:ahyp="http://schemas.microsoft.com/office/drawing/2018/hyperlinkcolor">
+<p:sld xmlns:a="http://schemas.openxmlformats.org/drawingml/2006/main" xmlns:r="http://schemas.openxmlformats.org/officeDocument/2006/relationships" xmlns:p="http://schemas.openxmlformats.org/presentationml/2006/main">
   <p:cSld>
     <p:spTree>
       <p:nvGrpSpPr>
-        <p:cNvPr id="73" name="Shape 73"/>
+        <p:cNvPr id="1" name="Shape 73"/>
         <p:cNvGrpSpPr/>
         <p:nvPr/>
       </p:nvGrpSpPr>
@@ -8326,7 +8457,9 @@
       <p:sp>
         <p:nvSpPr>
           <p:cNvPr id="74" name="Google Shape;74;p14"/>
-          <p:cNvSpPr txBox="1"/>
+          <p:cNvSpPr txBox="1">
+            <a:spLocks noGrp="1"/>
+          </p:cNvSpPr>
           <p:nvPr>
             <p:ph type="title"/>
           </p:nvPr>
@@ -8341,12 +8474,12 @@
           </a:prstGeom>
         </p:spPr>
         <p:txBody>
-          <a:bodyPr anchorCtr="0" anchor="b" bIns="91425" lIns="91425" spcFirstLastPara="1" rIns="91425" wrap="square" tIns="91425">
+          <a:bodyPr spcFirstLastPara="1" wrap="square" lIns="91425" tIns="91425" rIns="91425" bIns="91425" anchor="b" anchorCtr="0">
             <a:noAutofit/>
           </a:bodyPr>
           <a:lstStyle/>
           <a:p>
-            <a:pPr indent="0" lvl="0" marL="0" rtl="0" algn="l">
+            <a:pPr marL="0" lvl="0" indent="0" algn="l" rtl="0">
               <a:spcBef>
                 <a:spcPts val="0"/>
               </a:spcBef>
@@ -8360,13 +8493,13 @@
               <a:t>Overview</a:t>
             </a:r>
             <a:r>
-              <a:rPr i="1" lang="zh-HK" sz="1400"/>
+              <a:rPr lang="zh-HK" sz="1400" i="1"/>
               <a:t> </a:t>
             </a:r>
-            <a:endParaRPr i="1" sz="1400"/>
-          </a:p>
-          <a:p>
-            <a:pPr indent="0" lvl="0" marL="0" rtl="0" algn="l">
+            <a:endParaRPr sz="1400" i="1"/>
+          </a:p>
+          <a:p>
+            <a:pPr marL="0" lvl="0" indent="0" algn="l" rtl="0">
               <a:spcBef>
                 <a:spcPts val="400"/>
               </a:spcBef>
@@ -8375,10 +8508,7 @@
               </a:spcAft>
               <a:buNone/>
             </a:pPr>
-            <a:r>
-              <a:t/>
-            </a:r>
-            <a:endParaRPr i="1" sz="1600"/>
+            <a:endParaRPr sz="1600" i="1"/>
           </a:p>
         </p:txBody>
       </p:sp>
@@ -8402,12 +8532,12 @@
           </a:ln>
         </p:spPr>
         <p:txBody>
-          <a:bodyPr anchorCtr="0" anchor="t" bIns="91425" lIns="91425" spcFirstLastPara="1" rIns="91425" wrap="square" tIns="91425">
+          <a:bodyPr spcFirstLastPara="1" wrap="square" lIns="91425" tIns="91425" rIns="91425" bIns="91425" anchor="t" anchorCtr="0">
             <a:spAutoFit/>
           </a:bodyPr>
           <a:lstStyle/>
           <a:p>
-            <a:pPr indent="0" lvl="0" marL="0" rtl="0" algn="l">
+            <a:pPr marL="0" lvl="0" indent="0" algn="l" rtl="0">
               <a:spcBef>
                 <a:spcPts val="0"/>
               </a:spcBef>
@@ -8417,7 +8547,7 @@
               <a:buNone/>
             </a:pPr>
             <a:r>
-              <a:rPr b="1" lang="zh-HK">
+              <a:rPr lang="zh-HK" b="1">
                 <a:latin typeface="Roboto"/>
                 <a:ea typeface="Roboto"/>
                 <a:cs typeface="Roboto"/>
@@ -8433,7 +8563,7 @@
             </a:endParaRPr>
           </a:p>
           <a:p>
-            <a:pPr indent="0" lvl="0" marL="0" marR="0" rtl="0" algn="l">
+            <a:pPr marL="0" marR="0" lvl="0" indent="0" algn="l" rtl="0">
               <a:lnSpc>
                 <a:spcPct val="100000"/>
               </a:lnSpc>
@@ -8462,7 +8592,7 @@
             </a:endParaRPr>
           </a:p>
           <a:p>
-            <a:pPr indent="0" lvl="0" marL="0" marR="0" rtl="0" algn="l">
+            <a:pPr marL="0" marR="0" lvl="0" indent="0" algn="l" rtl="0">
               <a:lnSpc>
                 <a:spcPct val="100000"/>
               </a:lnSpc>
@@ -8474,9 +8604,6 @@
               </a:spcAft>
               <a:buNone/>
             </a:pPr>
-            <a:r>
-              <a:t/>
-            </a:r>
             <a:endParaRPr>
               <a:latin typeface="Roboto"/>
               <a:ea typeface="Roboto"/>
@@ -8485,7 +8612,7 @@
             </a:endParaRPr>
           </a:p>
           <a:p>
-            <a:pPr indent="0" lvl="0" marL="0" marR="0" rtl="0" algn="l">
+            <a:pPr marL="0" marR="0" lvl="0" indent="0" algn="l" rtl="0">
               <a:lnSpc>
                 <a:spcPct val="100000"/>
               </a:lnSpc>
@@ -8498,7 +8625,7 @@
               <a:buNone/>
             </a:pPr>
             <a:r>
-              <a:rPr b="1" lang="zh-HK">
+              <a:rPr lang="zh-HK" b="1">
                 <a:latin typeface="Roboto"/>
                 <a:ea typeface="Roboto"/>
                 <a:cs typeface="Roboto"/>
@@ -8514,7 +8641,7 @@
             </a:endParaRPr>
           </a:p>
           <a:p>
-            <a:pPr indent="0" lvl="0" marL="0" marR="0" rtl="0" algn="l">
+            <a:pPr marL="0" marR="0" lvl="0" indent="0" algn="l" rtl="0">
               <a:lnSpc>
                 <a:spcPct val="100000"/>
               </a:lnSpc>
@@ -8543,7 +8670,7 @@
             </a:endParaRPr>
           </a:p>
           <a:p>
-            <a:pPr indent="0" lvl="0" marL="0" marR="0" rtl="0" algn="l">
+            <a:pPr marL="0" marR="0" lvl="0" indent="0" algn="l" rtl="0">
               <a:lnSpc>
                 <a:spcPct val="100000"/>
               </a:lnSpc>
@@ -8572,7 +8699,7 @@
             </a:endParaRPr>
           </a:p>
           <a:p>
-            <a:pPr indent="0" lvl="0" marL="0" marR="0" rtl="0" algn="l">
+            <a:pPr marL="0" marR="0" lvl="0" indent="0" algn="l" rtl="0">
               <a:lnSpc>
                 <a:spcPct val="100000"/>
               </a:lnSpc>
@@ -8601,7 +8728,7 @@
             </a:endParaRPr>
           </a:p>
           <a:p>
-            <a:pPr indent="0" lvl="0" marL="0" rtl="0" algn="l">
+            <a:pPr marL="0" lvl="0" indent="0" algn="l" rtl="0">
               <a:spcBef>
                 <a:spcPts val="0"/>
               </a:spcBef>
@@ -8631,18 +8758,15 @@
             </a:endParaRPr>
           </a:p>
           <a:p>
-            <a:pPr indent="0" lvl="0" marL="0" rtl="0" algn="l">
-              <a:spcBef>
-                <a:spcPts val="0"/>
-              </a:spcBef>
-              <a:spcAft>
-                <a:spcPts val="0"/>
-              </a:spcAft>
-              <a:buNone/>
-            </a:pPr>
-            <a:r>
-              <a:t/>
-            </a:r>
+            <a:pPr marL="0" lvl="0" indent="0" algn="l" rtl="0">
+              <a:spcBef>
+                <a:spcPts val="0"/>
+              </a:spcBef>
+              <a:spcAft>
+                <a:spcPts val="0"/>
+              </a:spcAft>
+              <a:buNone/>
+            </a:pPr>
             <a:endParaRPr>
               <a:latin typeface="Roboto"/>
               <a:ea typeface="Roboto"/>
@@ -8651,7 +8775,7 @@
             </a:endParaRPr>
           </a:p>
           <a:p>
-            <a:pPr indent="0" lvl="0" marL="0" rtl="0" algn="l">
+            <a:pPr marL="0" lvl="0" indent="0" algn="l" rtl="0">
               <a:spcBef>
                 <a:spcPts val="0"/>
               </a:spcBef>
@@ -8661,7 +8785,7 @@
               <a:buNone/>
             </a:pPr>
             <a:r>
-              <a:rPr b="1" lang="zh-HK">
+              <a:rPr lang="zh-HK" b="1">
                 <a:latin typeface="Roboto"/>
                 <a:ea typeface="Roboto"/>
                 <a:cs typeface="Roboto"/>
@@ -8677,7 +8801,7 @@
             </a:endParaRPr>
           </a:p>
           <a:p>
-            <a:pPr indent="0" lvl="0" marL="0" rtl="0" algn="l">
+            <a:pPr marL="0" lvl="0" indent="0" algn="l" rtl="0">
               <a:lnSpc>
                 <a:spcPct val="100000"/>
               </a:lnSpc>
@@ -8706,7 +8830,7 @@
             </a:endParaRPr>
           </a:p>
           <a:p>
-            <a:pPr indent="0" lvl="0" marL="0" rtl="0" algn="l">
+            <a:pPr marL="0" lvl="0" indent="0" algn="l" rtl="0">
               <a:lnSpc>
                 <a:spcPct val="100000"/>
               </a:lnSpc>
@@ -8735,7 +8859,7 @@
             </a:endParaRPr>
           </a:p>
           <a:p>
-            <a:pPr indent="0" lvl="0" marL="0" rtl="0" algn="l">
+            <a:pPr marL="0" lvl="0" indent="0" algn="l" rtl="0">
               <a:lnSpc>
                 <a:spcPct val="100000"/>
               </a:lnSpc>
@@ -8764,7 +8888,7 @@
             </a:endParaRPr>
           </a:p>
           <a:p>
-            <a:pPr indent="0" lvl="0" marL="0" rtl="0" algn="l">
+            <a:pPr marL="0" lvl="0" indent="0" algn="l" rtl="0">
               <a:lnSpc>
                 <a:spcPct val="100000"/>
               </a:lnSpc>
@@ -8777,7 +8901,7 @@
               <a:buNone/>
             </a:pPr>
             <a:r>
-              <a:rPr b="1" lang="zh-HK">
+              <a:rPr lang="zh-HK" b="1">
                 <a:latin typeface="Roboto"/>
                 <a:ea typeface="Roboto"/>
                 <a:cs typeface="Roboto"/>
@@ -8803,11 +8927,11 @@
 </file>
 
 <file path=ppt/slides/slide3.xml><?xml version="1.0" encoding="utf-8"?>
-<p:sld xmlns:a="http://schemas.openxmlformats.org/drawingml/2006/main" xmlns:r="http://schemas.openxmlformats.org/officeDocument/2006/relationships" xmlns:mc="http://schemas.openxmlformats.org/markup-compatibility/2006" xmlns:mv="urn:schemas-microsoft-com:mac:vml" xmlns:p="http://schemas.openxmlformats.org/presentationml/2006/main" xmlns:c="http://schemas.openxmlformats.org/drawingml/2006/chart" xmlns:dgm="http://schemas.openxmlformats.org/drawingml/2006/diagram" xmlns:o="urn:schemas-microsoft-com:office:office" xmlns:v="urn:schemas-microsoft-com:vml" xmlns:pvml="urn:schemas-microsoft-com:office:powerpoint" xmlns:com="http://schemas.openxmlformats.org/drawingml/2006/compatibility" xmlns:p14="http://schemas.microsoft.com/office/powerpoint/2010/main" xmlns:p15="http://schemas.microsoft.com/office/powerpoint/2012/main" xmlns:ahyp="http://schemas.microsoft.com/office/drawing/2018/hyperlinkcolor">
+<p:sld xmlns:a="http://schemas.openxmlformats.org/drawingml/2006/main" xmlns:r="http://schemas.openxmlformats.org/officeDocument/2006/relationships" xmlns:p="http://schemas.openxmlformats.org/presentationml/2006/main">
   <p:cSld>
     <p:spTree>
       <p:nvGrpSpPr>
-        <p:cNvPr id="79" name="Shape 79"/>
+        <p:cNvPr id="1" name="Shape 79"/>
         <p:cNvGrpSpPr/>
         <p:nvPr/>
       </p:nvGrpSpPr>
@@ -8822,7 +8946,9 @@
       <p:sp>
         <p:nvSpPr>
           <p:cNvPr id="80" name="Google Shape;80;p15"/>
-          <p:cNvSpPr txBox="1"/>
+          <p:cNvSpPr txBox="1">
+            <a:spLocks noGrp="1"/>
+          </p:cNvSpPr>
           <p:nvPr>
             <p:ph type="title"/>
           </p:nvPr>
@@ -8837,12 +8963,12 @@
           </a:prstGeom>
         </p:spPr>
         <p:txBody>
-          <a:bodyPr anchorCtr="0" anchor="b" bIns="91425" lIns="91425" spcFirstLastPara="1" rIns="91425" wrap="square" tIns="91425">
+          <a:bodyPr spcFirstLastPara="1" wrap="square" lIns="91425" tIns="91425" rIns="91425" bIns="91425" anchor="b" anchorCtr="0">
             <a:noAutofit/>
           </a:bodyPr>
           <a:lstStyle/>
           <a:p>
-            <a:pPr indent="0" lvl="0" marL="0" rtl="0" algn="l">
+            <a:pPr marL="0" lvl="0" indent="0" algn="l" rtl="0">
               <a:spcBef>
                 <a:spcPts val="0"/>
               </a:spcBef>
@@ -8897,7 +9023,7 @@
           <a:blip r:embed="rId4">
             <a:alphaModFix/>
           </a:blip>
-          <a:srcRect b="-4130" l="0" r="0" t="4130"/>
+          <a:srcRect t="4130" b="-4130"/>
           <a:stretch/>
         </p:blipFill>
         <p:spPr>
@@ -8962,12 +9088,12 @@
           </a:ln>
         </p:spPr>
         <p:txBody>
-          <a:bodyPr anchorCtr="0" anchor="t" bIns="91425" lIns="91425" spcFirstLastPara="1" rIns="91425" wrap="square" tIns="91425">
+          <a:bodyPr spcFirstLastPara="1" wrap="square" lIns="91425" tIns="91425" rIns="91425" bIns="91425" anchor="t" anchorCtr="0">
             <a:spAutoFit/>
           </a:bodyPr>
           <a:lstStyle/>
           <a:p>
-            <a:pPr indent="0" lvl="0" marL="0" rtl="0" algn="l">
+            <a:pPr marL="0" lvl="0" indent="0" algn="l" rtl="0">
               <a:spcBef>
                 <a:spcPts val="0"/>
               </a:spcBef>
@@ -8977,7 +9103,7 @@
               <a:buNone/>
             </a:pPr>
             <a:r>
-              <a:rPr b="1" lang="zh-HK" sz="1800">
+              <a:rPr lang="zh-HK" sz="1800" b="1">
                 <a:solidFill>
                   <a:srgbClr val="FFFFFF"/>
                 </a:solidFill>
@@ -8988,7 +9114,7 @@
               </a:rPr>
               <a:t>Input:</a:t>
             </a:r>
-            <a:endParaRPr b="1" sz="1800">
+            <a:endParaRPr sz="1800" b="1">
               <a:solidFill>
                 <a:srgbClr val="FFFFFF"/>
               </a:solidFill>
@@ -9020,12 +9146,12 @@
           </a:ln>
         </p:spPr>
         <p:txBody>
-          <a:bodyPr anchorCtr="0" anchor="t" bIns="91425" lIns="91425" spcFirstLastPara="1" rIns="91425" wrap="square" tIns="91425">
+          <a:bodyPr spcFirstLastPara="1" wrap="square" lIns="91425" tIns="91425" rIns="91425" bIns="91425" anchor="t" anchorCtr="0">
             <a:spAutoFit/>
           </a:bodyPr>
           <a:lstStyle/>
           <a:p>
-            <a:pPr indent="0" lvl="0" marL="0" rtl="0" algn="l">
+            <a:pPr marL="0" lvl="0" indent="0" algn="l" rtl="0">
               <a:spcBef>
                 <a:spcPts val="0"/>
               </a:spcBef>
@@ -9035,7 +9161,7 @@
               <a:buNone/>
             </a:pPr>
             <a:r>
-              <a:rPr b="1" lang="zh-HK" sz="1600">
+              <a:rPr lang="zh-HK" sz="1600" b="1">
                 <a:solidFill>
                   <a:schemeClr val="dk1"/>
                 </a:solidFill>
@@ -9046,7 +9172,7 @@
               </a:rPr>
               <a:t>Output:</a:t>
             </a:r>
-            <a:endParaRPr b="1" sz="1600">
+            <a:endParaRPr sz="1600" b="1">
               <a:solidFill>
                 <a:schemeClr val="dk1"/>
               </a:solidFill>
@@ -9071,18 +9197,18 @@
           </a:xfrm>
           <a:prstGeom prst="curvedConnector3">
             <a:avLst>
-              <a:gd fmla="val -40420" name="adj1"/>
+              <a:gd name="adj1" fmla="val -40420"/>
             </a:avLst>
           </a:prstGeom>
           <a:noFill/>
-          <a:ln cap="flat" cmpd="sng" w="19050">
+          <a:ln w="19050" cap="flat" cmpd="sng">
             <a:solidFill>
               <a:schemeClr val="dk2"/>
             </a:solidFill>
             <a:prstDash val="solid"/>
             <a:round/>
-            <a:headEnd len="med" w="med" type="none"/>
-            <a:tailEnd len="med" w="med" type="none"/>
+            <a:headEnd type="none" w="med" len="med"/>
+            <a:tailEnd type="none" w="med" len="med"/>
           </a:ln>
         </p:spPr>
       </p:cxnSp>
@@ -9101,14 +9227,14 @@
             <a:avLst/>
           </a:prstGeom>
           <a:noFill/>
-          <a:ln cap="flat" cmpd="sng" w="19050">
+          <a:ln w="19050" cap="flat" cmpd="sng">
             <a:solidFill>
               <a:schemeClr val="dk2"/>
             </a:solidFill>
             <a:prstDash val="solid"/>
             <a:round/>
-            <a:headEnd len="med" w="med" type="none"/>
-            <a:tailEnd len="med" w="med" type="triangle"/>
+            <a:headEnd type="none" w="med" len="med"/>
+            <a:tailEnd type="triangle" w="med" len="med"/>
           </a:ln>
         </p:spPr>
       </p:cxnSp>
@@ -9121,11 +9247,11 @@
 </file>
 
 <file path=ppt/slides/slide4.xml><?xml version="1.0" encoding="utf-8"?>
-<p:sld xmlns:a="http://schemas.openxmlformats.org/drawingml/2006/main" xmlns:r="http://schemas.openxmlformats.org/officeDocument/2006/relationships" xmlns:mc="http://schemas.openxmlformats.org/markup-compatibility/2006" xmlns:mv="urn:schemas-microsoft-com:mac:vml" xmlns:p="http://schemas.openxmlformats.org/presentationml/2006/main" xmlns:c="http://schemas.openxmlformats.org/drawingml/2006/chart" xmlns:dgm="http://schemas.openxmlformats.org/drawingml/2006/diagram" xmlns:o="urn:schemas-microsoft-com:office:office" xmlns:v="urn:schemas-microsoft-com:vml" xmlns:pvml="urn:schemas-microsoft-com:office:powerpoint" xmlns:com="http://schemas.openxmlformats.org/drawingml/2006/compatibility" xmlns:p14="http://schemas.microsoft.com/office/powerpoint/2010/main" xmlns:p15="http://schemas.microsoft.com/office/powerpoint/2012/main" xmlns:ahyp="http://schemas.microsoft.com/office/drawing/2018/hyperlinkcolor">
+<p:sld xmlns:a="http://schemas.openxmlformats.org/drawingml/2006/main" xmlns:r="http://schemas.openxmlformats.org/officeDocument/2006/relationships" xmlns:p="http://schemas.openxmlformats.org/presentationml/2006/main">
   <p:cSld>
     <p:spTree>
       <p:nvGrpSpPr>
-        <p:cNvPr id="91" name="Shape 91"/>
+        <p:cNvPr id="1" name="Shape 91"/>
         <p:cNvGrpSpPr/>
         <p:nvPr/>
       </p:nvGrpSpPr>
@@ -9140,7 +9266,9 @@
       <p:sp>
         <p:nvSpPr>
           <p:cNvPr id="92" name="Google Shape;92;p16"/>
-          <p:cNvSpPr txBox="1"/>
+          <p:cNvSpPr txBox="1">
+            <a:spLocks noGrp="1"/>
+          </p:cNvSpPr>
           <p:nvPr>
             <p:ph type="title"/>
           </p:nvPr>
@@ -9155,12 +9283,12 @@
           </a:prstGeom>
         </p:spPr>
         <p:txBody>
-          <a:bodyPr anchorCtr="0" anchor="b" bIns="91425" lIns="91425" spcFirstLastPara="1" rIns="91425" wrap="square" tIns="91425">
+          <a:bodyPr spcFirstLastPara="1" wrap="square" lIns="91425" tIns="91425" rIns="91425" bIns="91425" anchor="b" anchorCtr="0">
             <a:noAutofit/>
           </a:bodyPr>
           <a:lstStyle/>
           <a:p>
-            <a:pPr indent="0" lvl="0" marL="0" rtl="0" algn="l">
+            <a:pPr marL="0" lvl="0" indent="0" algn="l" rtl="0">
               <a:spcBef>
                 <a:spcPts val="0"/>
               </a:spcBef>
@@ -9180,9 +9308,11 @@
       <p:sp>
         <p:nvSpPr>
           <p:cNvPr id="93" name="Google Shape;93;p16"/>
-          <p:cNvSpPr txBox="1"/>
+          <p:cNvSpPr txBox="1">
+            <a:spLocks noGrp="1"/>
+          </p:cNvSpPr>
           <p:nvPr>
-            <p:ph idx="1" type="body"/>
+            <p:ph type="body" idx="1"/>
           </p:nvPr>
         </p:nvSpPr>
         <p:spPr>
@@ -9195,12 +9325,12 @@
           </a:prstGeom>
         </p:spPr>
         <p:txBody>
-          <a:bodyPr anchorCtr="0" anchor="t" bIns="91425" lIns="91425" spcFirstLastPara="1" rIns="91425" wrap="square" tIns="91425">
+          <a:bodyPr spcFirstLastPara="1" wrap="square" lIns="91425" tIns="91425" rIns="91425" bIns="91425" anchor="t" anchorCtr="0">
             <a:noAutofit/>
           </a:bodyPr>
           <a:lstStyle/>
           <a:p>
-            <a:pPr indent="0" lvl="0" marL="457200" marR="0" rtl="0" algn="l">
+            <a:pPr marL="457200" marR="0" lvl="0" indent="0" algn="l" rtl="0">
               <a:lnSpc>
                 <a:spcPct val="100000"/>
               </a:lnSpc>
@@ -9212,9 +9342,6 @@
               </a:spcAft>
               <a:buNone/>
             </a:pPr>
-            <a:r>
-              <a:t/>
-            </a:r>
             <a:endParaRPr sz="1100">
               <a:solidFill>
                 <a:srgbClr val="000000"/>
@@ -9229,7 +9356,7 @@
             </a:endParaRPr>
           </a:p>
           <a:p>
-            <a:pPr indent="0" lvl="0" marL="0" rtl="0" algn="l">
+            <a:pPr marL="0" lvl="0" indent="0" algn="l" rtl="0">
               <a:lnSpc>
                 <a:spcPct val="150000"/>
               </a:lnSpc>
@@ -9241,9 +9368,6 @@
               </a:spcAft>
               <a:buNone/>
             </a:pPr>
-            <a:r>
-              <a:t/>
-            </a:r>
             <a:endParaRPr sz="1100">
               <a:solidFill>
                 <a:srgbClr val="000000"/>
@@ -9258,7 +9382,7 @@
             </a:endParaRPr>
           </a:p>
           <a:p>
-            <a:pPr indent="0" lvl="0" marL="0" rtl="0" algn="l">
+            <a:pPr marL="0" lvl="0" indent="0" algn="l" rtl="0">
               <a:spcBef>
                 <a:spcPts val="0"/>
               </a:spcBef>
@@ -9267,9 +9391,6 @@
               </a:spcAft>
               <a:buNone/>
             </a:pPr>
-            <a:r>
-              <a:t/>
-            </a:r>
             <a:endParaRPr/>
           </a:p>
         </p:txBody>
@@ -9317,34 +9438,31 @@
             <a:avLst/>
           </a:prstGeom>
           <a:noFill/>
-          <a:ln cap="flat" cmpd="sng" w="19050">
+          <a:ln w="19050" cap="flat" cmpd="sng">
             <a:solidFill>
               <a:srgbClr val="00FF00"/>
             </a:solidFill>
             <a:prstDash val="solid"/>
             <a:round/>
-            <a:headEnd len="sm" w="sm" type="none"/>
-            <a:tailEnd len="sm" w="sm" type="none"/>
+            <a:headEnd type="none" w="sm" len="sm"/>
+            <a:tailEnd type="none" w="sm" len="sm"/>
           </a:ln>
         </p:spPr>
         <p:txBody>
-          <a:bodyPr anchorCtr="0" anchor="ctr" bIns="91425" lIns="91425" spcFirstLastPara="1" rIns="91425" wrap="square" tIns="91425">
+          <a:bodyPr spcFirstLastPara="1" wrap="square" lIns="91425" tIns="91425" rIns="91425" bIns="91425" anchor="ctr" anchorCtr="0">
             <a:noAutofit/>
           </a:bodyPr>
           <a:lstStyle/>
           <a:p>
-            <a:pPr indent="0" lvl="0" marL="0" rtl="0" algn="l">
-              <a:spcBef>
-                <a:spcPts val="0"/>
-              </a:spcBef>
-              <a:spcAft>
-                <a:spcPts val="0"/>
-              </a:spcAft>
-              <a:buNone/>
-            </a:pPr>
-            <a:r>
-              <a:t/>
-            </a:r>
+            <a:pPr marL="0" lvl="0" indent="0" algn="l" rtl="0">
+              <a:spcBef>
+                <a:spcPts val="0"/>
+              </a:spcBef>
+              <a:spcAft>
+                <a:spcPts val="0"/>
+              </a:spcAft>
+              <a:buNone/>
+            </a:pPr>
             <a:endParaRPr/>
           </a:p>
         </p:txBody>
@@ -9364,34 +9482,31 @@
             <a:avLst/>
           </a:prstGeom>
           <a:noFill/>
-          <a:ln cap="flat" cmpd="sng" w="19050">
+          <a:ln w="19050" cap="flat" cmpd="sng">
             <a:solidFill>
               <a:srgbClr val="FF0000"/>
             </a:solidFill>
             <a:prstDash val="solid"/>
             <a:round/>
-            <a:headEnd len="sm" w="sm" type="none"/>
-            <a:tailEnd len="sm" w="sm" type="none"/>
+            <a:headEnd type="none" w="sm" len="sm"/>
+            <a:tailEnd type="none" w="sm" len="sm"/>
           </a:ln>
         </p:spPr>
         <p:txBody>
-          <a:bodyPr anchorCtr="0" anchor="ctr" bIns="91425" lIns="91425" spcFirstLastPara="1" rIns="91425" wrap="square" tIns="91425">
+          <a:bodyPr spcFirstLastPara="1" wrap="square" lIns="91425" tIns="91425" rIns="91425" bIns="91425" anchor="ctr" anchorCtr="0">
             <a:noAutofit/>
           </a:bodyPr>
           <a:lstStyle/>
           <a:p>
-            <a:pPr indent="0" lvl="0" marL="0" rtl="0" algn="l">
-              <a:spcBef>
-                <a:spcPts val="0"/>
-              </a:spcBef>
-              <a:spcAft>
-                <a:spcPts val="0"/>
-              </a:spcAft>
-              <a:buNone/>
-            </a:pPr>
-            <a:r>
-              <a:t/>
-            </a:r>
+            <a:pPr marL="0" lvl="0" indent="0" algn="l" rtl="0">
+              <a:spcBef>
+                <a:spcPts val="0"/>
+              </a:spcBef>
+              <a:spcAft>
+                <a:spcPts val="0"/>
+              </a:spcAft>
+              <a:buNone/>
+            </a:pPr>
             <a:endParaRPr/>
           </a:p>
         </p:txBody>
@@ -9411,34 +9526,31 @@
             <a:avLst/>
           </a:prstGeom>
           <a:noFill/>
-          <a:ln cap="flat" cmpd="sng" w="19050">
+          <a:ln w="19050" cap="flat" cmpd="sng">
             <a:solidFill>
               <a:srgbClr val="FF0000"/>
             </a:solidFill>
             <a:prstDash val="solid"/>
             <a:round/>
-            <a:headEnd len="sm" w="sm" type="none"/>
-            <a:tailEnd len="sm" w="sm" type="none"/>
+            <a:headEnd type="none" w="sm" len="sm"/>
+            <a:tailEnd type="none" w="sm" len="sm"/>
           </a:ln>
         </p:spPr>
         <p:txBody>
-          <a:bodyPr anchorCtr="0" anchor="ctr" bIns="91425" lIns="91425" spcFirstLastPara="1" rIns="91425" wrap="square" tIns="91425">
+          <a:bodyPr spcFirstLastPara="1" wrap="square" lIns="91425" tIns="91425" rIns="91425" bIns="91425" anchor="ctr" anchorCtr="0">
             <a:noAutofit/>
           </a:bodyPr>
           <a:lstStyle/>
           <a:p>
-            <a:pPr indent="0" lvl="0" marL="0" rtl="0" algn="l">
-              <a:spcBef>
-                <a:spcPts val="0"/>
-              </a:spcBef>
-              <a:spcAft>
-                <a:spcPts val="0"/>
-              </a:spcAft>
-              <a:buNone/>
-            </a:pPr>
-            <a:r>
-              <a:t/>
-            </a:r>
+            <a:pPr marL="0" lvl="0" indent="0" algn="l" rtl="0">
+              <a:spcBef>
+                <a:spcPts val="0"/>
+              </a:spcBef>
+              <a:spcAft>
+                <a:spcPts val="0"/>
+              </a:spcAft>
+              <a:buNone/>
+            </a:pPr>
             <a:endParaRPr/>
           </a:p>
         </p:txBody>
@@ -9458,34 +9570,31 @@
             <a:avLst/>
           </a:prstGeom>
           <a:noFill/>
-          <a:ln cap="flat" cmpd="sng" w="19050">
+          <a:ln w="19050" cap="flat" cmpd="sng">
             <a:solidFill>
               <a:srgbClr val="FF0000"/>
             </a:solidFill>
             <a:prstDash val="solid"/>
             <a:round/>
-            <a:headEnd len="sm" w="sm" type="none"/>
-            <a:tailEnd len="sm" w="sm" type="none"/>
+            <a:headEnd type="none" w="sm" len="sm"/>
+            <a:tailEnd type="none" w="sm" len="sm"/>
           </a:ln>
         </p:spPr>
         <p:txBody>
-          <a:bodyPr anchorCtr="0" anchor="ctr" bIns="91425" lIns="91425" spcFirstLastPara="1" rIns="91425" wrap="square" tIns="91425">
+          <a:bodyPr spcFirstLastPara="1" wrap="square" lIns="91425" tIns="91425" rIns="91425" bIns="91425" anchor="ctr" anchorCtr="0">
             <a:noAutofit/>
           </a:bodyPr>
           <a:lstStyle/>
           <a:p>
-            <a:pPr indent="0" lvl="0" marL="0" rtl="0" algn="l">
-              <a:spcBef>
-                <a:spcPts val="0"/>
-              </a:spcBef>
-              <a:spcAft>
-                <a:spcPts val="0"/>
-              </a:spcAft>
-              <a:buNone/>
-            </a:pPr>
-            <a:r>
-              <a:t/>
-            </a:r>
+            <a:pPr marL="0" lvl="0" indent="0" algn="l" rtl="0">
+              <a:spcBef>
+                <a:spcPts val="0"/>
+              </a:spcBef>
+              <a:spcAft>
+                <a:spcPts val="0"/>
+              </a:spcAft>
+              <a:buNone/>
+            </a:pPr>
             <a:endParaRPr/>
           </a:p>
         </p:txBody>
@@ -9505,34 +9614,31 @@
             <a:avLst/>
           </a:prstGeom>
           <a:noFill/>
-          <a:ln cap="flat" cmpd="sng" w="19050">
+          <a:ln w="19050" cap="flat" cmpd="sng">
             <a:solidFill>
               <a:srgbClr val="FF0000"/>
             </a:solidFill>
             <a:prstDash val="solid"/>
             <a:round/>
-            <a:headEnd len="sm" w="sm" type="none"/>
-            <a:tailEnd len="sm" w="sm" type="none"/>
+            <a:headEnd type="none" w="sm" len="sm"/>
+            <a:tailEnd type="none" w="sm" len="sm"/>
           </a:ln>
         </p:spPr>
         <p:txBody>
-          <a:bodyPr anchorCtr="0" anchor="ctr" bIns="91425" lIns="91425" spcFirstLastPara="1" rIns="91425" wrap="square" tIns="91425">
+          <a:bodyPr spcFirstLastPara="1" wrap="square" lIns="91425" tIns="91425" rIns="91425" bIns="91425" anchor="ctr" anchorCtr="0">
             <a:noAutofit/>
           </a:bodyPr>
           <a:lstStyle/>
           <a:p>
-            <a:pPr indent="0" lvl="0" marL="0" rtl="0" algn="l">
-              <a:spcBef>
-                <a:spcPts val="0"/>
-              </a:spcBef>
-              <a:spcAft>
-                <a:spcPts val="0"/>
-              </a:spcAft>
-              <a:buNone/>
-            </a:pPr>
-            <a:r>
-              <a:t/>
-            </a:r>
+            <a:pPr marL="0" lvl="0" indent="0" algn="l" rtl="0">
+              <a:spcBef>
+                <a:spcPts val="0"/>
+              </a:spcBef>
+              <a:spcAft>
+                <a:spcPts val="0"/>
+              </a:spcAft>
+              <a:buNone/>
+            </a:pPr>
             <a:endParaRPr/>
           </a:p>
         </p:txBody>
@@ -9552,34 +9658,31 @@
             <a:avLst/>
           </a:prstGeom>
           <a:noFill/>
-          <a:ln cap="flat" cmpd="sng" w="19050">
+          <a:ln w="19050" cap="flat" cmpd="sng">
             <a:solidFill>
               <a:srgbClr val="FF0000"/>
             </a:solidFill>
             <a:prstDash val="solid"/>
             <a:round/>
-            <a:headEnd len="sm" w="sm" type="none"/>
-            <a:tailEnd len="sm" w="sm" type="none"/>
+            <a:headEnd type="none" w="sm" len="sm"/>
+            <a:tailEnd type="none" w="sm" len="sm"/>
           </a:ln>
         </p:spPr>
         <p:txBody>
-          <a:bodyPr anchorCtr="0" anchor="ctr" bIns="91425" lIns="91425" spcFirstLastPara="1" rIns="91425" wrap="square" tIns="91425">
+          <a:bodyPr spcFirstLastPara="1" wrap="square" lIns="91425" tIns="91425" rIns="91425" bIns="91425" anchor="ctr" anchorCtr="0">
             <a:noAutofit/>
           </a:bodyPr>
           <a:lstStyle/>
           <a:p>
-            <a:pPr indent="0" lvl="0" marL="0" rtl="0" algn="l">
-              <a:spcBef>
-                <a:spcPts val="0"/>
-              </a:spcBef>
-              <a:spcAft>
-                <a:spcPts val="0"/>
-              </a:spcAft>
-              <a:buNone/>
-            </a:pPr>
-            <a:r>
-              <a:t/>
-            </a:r>
+            <a:pPr marL="0" lvl="0" indent="0" algn="l" rtl="0">
+              <a:spcBef>
+                <a:spcPts val="0"/>
+              </a:spcBef>
+              <a:spcAft>
+                <a:spcPts val="0"/>
+              </a:spcAft>
+              <a:buNone/>
+            </a:pPr>
             <a:endParaRPr/>
           </a:p>
         </p:txBody>
@@ -9599,34 +9702,31 @@
             <a:avLst/>
           </a:prstGeom>
           <a:noFill/>
-          <a:ln cap="flat" cmpd="sng" w="19050">
+          <a:ln w="19050" cap="flat" cmpd="sng">
             <a:solidFill>
               <a:srgbClr val="FF0000"/>
             </a:solidFill>
             <a:prstDash val="solid"/>
             <a:round/>
-            <a:headEnd len="sm" w="sm" type="none"/>
-            <a:tailEnd len="sm" w="sm" type="none"/>
+            <a:headEnd type="none" w="sm" len="sm"/>
+            <a:tailEnd type="none" w="sm" len="sm"/>
           </a:ln>
         </p:spPr>
         <p:txBody>
-          <a:bodyPr anchorCtr="0" anchor="ctr" bIns="91425" lIns="91425" spcFirstLastPara="1" rIns="91425" wrap="square" tIns="91425">
+          <a:bodyPr spcFirstLastPara="1" wrap="square" lIns="91425" tIns="91425" rIns="91425" bIns="91425" anchor="ctr" anchorCtr="0">
             <a:noAutofit/>
           </a:bodyPr>
           <a:lstStyle/>
           <a:p>
-            <a:pPr indent="0" lvl="0" marL="0" rtl="0" algn="l">
-              <a:spcBef>
-                <a:spcPts val="0"/>
-              </a:spcBef>
-              <a:spcAft>
-                <a:spcPts val="0"/>
-              </a:spcAft>
-              <a:buNone/>
-            </a:pPr>
-            <a:r>
-              <a:t/>
-            </a:r>
+            <a:pPr marL="0" lvl="0" indent="0" algn="l" rtl="0">
+              <a:spcBef>
+                <a:spcPts val="0"/>
+              </a:spcBef>
+              <a:spcAft>
+                <a:spcPts val="0"/>
+              </a:spcAft>
+              <a:buNone/>
+            </a:pPr>
             <a:endParaRPr/>
           </a:p>
         </p:txBody>
@@ -9646,34 +9746,31 @@
             <a:avLst/>
           </a:prstGeom>
           <a:noFill/>
-          <a:ln cap="flat" cmpd="sng" w="19050">
+          <a:ln w="19050" cap="flat" cmpd="sng">
             <a:solidFill>
               <a:srgbClr val="FF0000"/>
             </a:solidFill>
             <a:prstDash val="solid"/>
             <a:round/>
-            <a:headEnd len="sm" w="sm" type="none"/>
-            <a:tailEnd len="sm" w="sm" type="none"/>
+            <a:headEnd type="none" w="sm" len="sm"/>
+            <a:tailEnd type="none" w="sm" len="sm"/>
           </a:ln>
         </p:spPr>
         <p:txBody>
-          <a:bodyPr anchorCtr="0" anchor="ctr" bIns="91425" lIns="91425" spcFirstLastPara="1" rIns="91425" wrap="square" tIns="91425">
+          <a:bodyPr spcFirstLastPara="1" wrap="square" lIns="91425" tIns="91425" rIns="91425" bIns="91425" anchor="ctr" anchorCtr="0">
             <a:noAutofit/>
           </a:bodyPr>
           <a:lstStyle/>
           <a:p>
-            <a:pPr indent="0" lvl="0" marL="0" rtl="0" algn="l">
-              <a:spcBef>
-                <a:spcPts val="0"/>
-              </a:spcBef>
-              <a:spcAft>
-                <a:spcPts val="0"/>
-              </a:spcAft>
-              <a:buNone/>
-            </a:pPr>
-            <a:r>
-              <a:t/>
-            </a:r>
+            <a:pPr marL="0" lvl="0" indent="0" algn="l" rtl="0">
+              <a:spcBef>
+                <a:spcPts val="0"/>
+              </a:spcBef>
+              <a:spcAft>
+                <a:spcPts val="0"/>
+              </a:spcAft>
+              <a:buNone/>
+            </a:pPr>
             <a:endParaRPr/>
           </a:p>
         </p:txBody>
@@ -9693,34 +9790,31 @@
             <a:avLst/>
           </a:prstGeom>
           <a:noFill/>
-          <a:ln cap="flat" cmpd="sng" w="19050">
+          <a:ln w="19050" cap="flat" cmpd="sng">
             <a:solidFill>
               <a:srgbClr val="FF0000"/>
             </a:solidFill>
             <a:prstDash val="solid"/>
             <a:round/>
-            <a:headEnd len="sm" w="sm" type="none"/>
-            <a:tailEnd len="sm" w="sm" type="none"/>
+            <a:headEnd type="none" w="sm" len="sm"/>
+            <a:tailEnd type="none" w="sm" len="sm"/>
           </a:ln>
         </p:spPr>
         <p:txBody>
-          <a:bodyPr anchorCtr="0" anchor="ctr" bIns="91425" lIns="91425" spcFirstLastPara="1" rIns="91425" wrap="square" tIns="91425">
+          <a:bodyPr spcFirstLastPara="1" wrap="square" lIns="91425" tIns="91425" rIns="91425" bIns="91425" anchor="ctr" anchorCtr="0">
             <a:noAutofit/>
           </a:bodyPr>
           <a:lstStyle/>
           <a:p>
-            <a:pPr indent="0" lvl="0" marL="0" rtl="0" algn="l">
-              <a:spcBef>
-                <a:spcPts val="0"/>
-              </a:spcBef>
-              <a:spcAft>
-                <a:spcPts val="0"/>
-              </a:spcAft>
-              <a:buNone/>
-            </a:pPr>
-            <a:r>
-              <a:t/>
-            </a:r>
+            <a:pPr marL="0" lvl="0" indent="0" algn="l" rtl="0">
+              <a:spcBef>
+                <a:spcPts val="0"/>
+              </a:spcBef>
+              <a:spcAft>
+                <a:spcPts val="0"/>
+              </a:spcAft>
+              <a:buNone/>
+            </a:pPr>
             <a:endParaRPr/>
           </a:p>
         </p:txBody>
@@ -9740,34 +9834,31 @@
             <a:avLst/>
           </a:prstGeom>
           <a:noFill/>
-          <a:ln cap="flat" cmpd="sng" w="19050">
+          <a:ln w="19050" cap="flat" cmpd="sng">
             <a:solidFill>
               <a:srgbClr val="FF0000"/>
             </a:solidFill>
             <a:prstDash val="solid"/>
             <a:round/>
-            <a:headEnd len="sm" w="sm" type="none"/>
-            <a:tailEnd len="sm" w="sm" type="none"/>
+            <a:headEnd type="none" w="sm" len="sm"/>
+            <a:tailEnd type="none" w="sm" len="sm"/>
           </a:ln>
         </p:spPr>
         <p:txBody>
-          <a:bodyPr anchorCtr="0" anchor="ctr" bIns="91425" lIns="91425" spcFirstLastPara="1" rIns="91425" wrap="square" tIns="91425">
+          <a:bodyPr spcFirstLastPara="1" wrap="square" lIns="91425" tIns="91425" rIns="91425" bIns="91425" anchor="ctr" anchorCtr="0">
             <a:noAutofit/>
           </a:bodyPr>
           <a:lstStyle/>
           <a:p>
-            <a:pPr indent="0" lvl="0" marL="0" rtl="0" algn="l">
-              <a:spcBef>
-                <a:spcPts val="0"/>
-              </a:spcBef>
-              <a:spcAft>
-                <a:spcPts val="0"/>
-              </a:spcAft>
-              <a:buNone/>
-            </a:pPr>
-            <a:r>
-              <a:t/>
-            </a:r>
+            <a:pPr marL="0" lvl="0" indent="0" algn="l" rtl="0">
+              <a:spcBef>
+                <a:spcPts val="0"/>
+              </a:spcBef>
+              <a:spcAft>
+                <a:spcPts val="0"/>
+              </a:spcAft>
+              <a:buNone/>
+            </a:pPr>
             <a:endParaRPr/>
           </a:p>
         </p:txBody>
@@ -9787,34 +9878,31 @@
             <a:avLst/>
           </a:prstGeom>
           <a:noFill/>
-          <a:ln cap="flat" cmpd="sng" w="19050">
+          <a:ln w="19050" cap="flat" cmpd="sng">
             <a:solidFill>
               <a:srgbClr val="FF0000"/>
             </a:solidFill>
             <a:prstDash val="solid"/>
             <a:round/>
-            <a:headEnd len="sm" w="sm" type="none"/>
-            <a:tailEnd len="sm" w="sm" type="none"/>
+            <a:headEnd type="none" w="sm" len="sm"/>
+            <a:tailEnd type="none" w="sm" len="sm"/>
           </a:ln>
         </p:spPr>
         <p:txBody>
-          <a:bodyPr anchorCtr="0" anchor="ctr" bIns="91425" lIns="91425" spcFirstLastPara="1" rIns="91425" wrap="square" tIns="91425">
+          <a:bodyPr spcFirstLastPara="1" wrap="square" lIns="91425" tIns="91425" rIns="91425" bIns="91425" anchor="ctr" anchorCtr="0">
             <a:noAutofit/>
           </a:bodyPr>
           <a:lstStyle/>
           <a:p>
-            <a:pPr indent="0" lvl="0" marL="0" rtl="0" algn="l">
-              <a:spcBef>
-                <a:spcPts val="0"/>
-              </a:spcBef>
-              <a:spcAft>
-                <a:spcPts val="0"/>
-              </a:spcAft>
-              <a:buNone/>
-            </a:pPr>
-            <a:r>
-              <a:t/>
-            </a:r>
+            <a:pPr marL="0" lvl="0" indent="0" algn="l" rtl="0">
+              <a:spcBef>
+                <a:spcPts val="0"/>
+              </a:spcBef>
+              <a:spcAft>
+                <a:spcPts val="0"/>
+              </a:spcAft>
+              <a:buNone/>
+            </a:pPr>
             <a:endParaRPr/>
           </a:p>
         </p:txBody>
@@ -9827,32 +9915,32 @@
   <p:timing>
     <p:tnLst>
       <p:par>
-        <p:cTn dur="indefinite" nodeType="tmRoot" restart="never">
+        <p:cTn id="1" dur="indefinite" restart="never" nodeType="tmRoot">
           <p:childTnLst>
             <p:seq concurrent="1" nextAc="seek">
-              <p:cTn dur="indefinite" id="2" nodeType="mainSeq">
+              <p:cTn id="2" dur="indefinite" nodeType="mainSeq">
                 <p:childTnLst>
                   <p:par>
-                    <p:cTn fill="hold">
+                    <p:cTn id="3" fill="hold">
                       <p:stCondLst>
                         <p:cond delay="indefinite"/>
                       </p:stCondLst>
                       <p:childTnLst>
                         <p:par>
-                          <p:cTn fill="hold">
+                          <p:cTn id="4" fill="hold">
                             <p:stCondLst>
                               <p:cond delay="0"/>
                             </p:stCondLst>
                             <p:childTnLst>
                               <p:par>
-                                <p:cTn fill="hold" nodeType="clickEffect" presetClass="entr" presetID="10" presetSubtype="0">
+                                <p:cTn id="5" presetID="10" presetClass="entr" presetSubtype="0" fill="hold" nodeType="clickEffect">
                                   <p:stCondLst>
                                     <p:cond delay="0"/>
                                   </p:stCondLst>
                                   <p:childTnLst>
                                     <p:set>
                                       <p:cBhvr>
-                                        <p:cTn dur="1" fill="hold">
+                                        <p:cTn id="6" dur="1" fill="hold">
                                           <p:stCondLst>
                                             <p:cond delay="0"/>
                                           </p:stCondLst>
@@ -9868,9 +9956,9 @@
                                         <p:strVal val="visible"/>
                                       </p:to>
                                     </p:set>
-                                    <p:animEffect filter="fade" transition="in">
+                                    <p:animEffect transition="in" filter="fade">
                                       <p:cBhvr>
-                                        <p:cTn dur="1000"/>
+                                        <p:cTn id="7" dur="1000"/>
                                         <p:tgtEl>
                                           <p:spTgt spid="95"/>
                                         </p:tgtEl>
@@ -9886,26 +9974,26 @@
                     </p:cTn>
                   </p:par>
                   <p:par>
-                    <p:cTn fill="hold">
+                    <p:cTn id="8" fill="hold">
                       <p:stCondLst>
                         <p:cond delay="indefinite"/>
                       </p:stCondLst>
                       <p:childTnLst>
                         <p:par>
-                          <p:cTn fill="hold">
+                          <p:cTn id="9" fill="hold">
                             <p:stCondLst>
                               <p:cond delay="0"/>
                             </p:stCondLst>
                             <p:childTnLst>
                               <p:par>
-                                <p:cTn fill="hold" nodeType="clickEffect" presetClass="entr" presetID="10" presetSubtype="0">
+                                <p:cTn id="10" presetID="10" presetClass="entr" presetSubtype="0" fill="hold" nodeType="clickEffect">
                                   <p:stCondLst>
                                     <p:cond delay="0"/>
                                   </p:stCondLst>
                                   <p:childTnLst>
                                     <p:set>
                                       <p:cBhvr>
-                                        <p:cTn dur="1" fill="hold">
+                                        <p:cTn id="11" dur="1" fill="hold">
                                           <p:stCondLst>
                                             <p:cond delay="0"/>
                                           </p:stCondLst>
@@ -9921,9 +10009,9 @@
                                         <p:strVal val="visible"/>
                                       </p:to>
                                     </p:set>
-                                    <p:animEffect filter="fade" transition="in">
+                                    <p:animEffect transition="in" filter="fade">
                                       <p:cBhvr>
-                                        <p:cTn dur="1000"/>
+                                        <p:cTn id="12" dur="1000"/>
                                         <p:tgtEl>
                                           <p:spTgt spid="96"/>
                                         </p:tgtEl>
@@ -9933,14 +10021,14 @@
                                 </p:cTn>
                               </p:par>
                               <p:par>
-                                <p:cTn fill="hold" nodeType="withEffect" presetClass="entr" presetID="10" presetSubtype="0">
+                                <p:cTn id="13" presetID="10" presetClass="entr" presetSubtype="0" fill="hold" nodeType="withEffect">
                                   <p:stCondLst>
                                     <p:cond delay="0"/>
                                   </p:stCondLst>
                                   <p:childTnLst>
                                     <p:set>
                                       <p:cBhvr>
-                                        <p:cTn dur="1" fill="hold">
+                                        <p:cTn id="14" dur="1" fill="hold">
                                           <p:stCondLst>
                                             <p:cond delay="0"/>
                                           </p:stCondLst>
@@ -9956,9 +10044,9 @@
                                         <p:strVal val="visible"/>
                                       </p:to>
                                     </p:set>
-                                    <p:animEffect filter="fade" transition="in">
+                                    <p:animEffect transition="in" filter="fade">
                                       <p:cBhvr>
-                                        <p:cTn dur="1000"/>
+                                        <p:cTn id="15" dur="1000"/>
                                         <p:tgtEl>
                                           <p:spTgt spid="97"/>
                                         </p:tgtEl>
@@ -9968,14 +10056,14 @@
                                 </p:cTn>
                               </p:par>
                               <p:par>
-                                <p:cTn fill="hold" nodeType="withEffect" presetClass="entr" presetID="10" presetSubtype="0">
+                                <p:cTn id="16" presetID="10" presetClass="entr" presetSubtype="0" fill="hold" nodeType="withEffect">
                                   <p:stCondLst>
                                     <p:cond delay="0"/>
                                   </p:stCondLst>
                                   <p:childTnLst>
                                     <p:set>
                                       <p:cBhvr>
-                                        <p:cTn dur="1" fill="hold">
+                                        <p:cTn id="17" dur="1" fill="hold">
                                           <p:stCondLst>
                                             <p:cond delay="0"/>
                                           </p:stCondLst>
@@ -9991,9 +10079,9 @@
                                         <p:strVal val="visible"/>
                                       </p:to>
                                     </p:set>
-                                    <p:animEffect filter="fade" transition="in">
+                                    <p:animEffect transition="in" filter="fade">
                                       <p:cBhvr>
-                                        <p:cTn dur="1000"/>
+                                        <p:cTn id="18" dur="1000"/>
                                         <p:tgtEl>
                                           <p:spTgt spid="98"/>
                                         </p:tgtEl>
@@ -10003,14 +10091,14 @@
                                 </p:cTn>
                               </p:par>
                               <p:par>
-                                <p:cTn fill="hold" nodeType="withEffect" presetClass="entr" presetID="10" presetSubtype="0">
+                                <p:cTn id="19" presetID="10" presetClass="entr" presetSubtype="0" fill="hold" nodeType="withEffect">
                                   <p:stCondLst>
                                     <p:cond delay="0"/>
                                   </p:stCondLst>
                                   <p:childTnLst>
                                     <p:set>
                                       <p:cBhvr>
-                                        <p:cTn dur="1" fill="hold">
+                                        <p:cTn id="20" dur="1" fill="hold">
                                           <p:stCondLst>
                                             <p:cond delay="0"/>
                                           </p:stCondLst>
@@ -10026,9 +10114,9 @@
                                         <p:strVal val="visible"/>
                                       </p:to>
                                     </p:set>
-                                    <p:animEffect filter="fade" transition="in">
+                                    <p:animEffect transition="in" filter="fade">
                                       <p:cBhvr>
-                                        <p:cTn dur="1000"/>
+                                        <p:cTn id="21" dur="1000"/>
                                         <p:tgtEl>
                                           <p:spTgt spid="99"/>
                                         </p:tgtEl>
@@ -10038,14 +10126,14 @@
                                 </p:cTn>
                               </p:par>
                               <p:par>
-                                <p:cTn fill="hold" nodeType="withEffect" presetClass="entr" presetID="10" presetSubtype="0">
+                                <p:cTn id="22" presetID="10" presetClass="entr" presetSubtype="0" fill="hold" nodeType="withEffect">
                                   <p:stCondLst>
                                     <p:cond delay="0"/>
                                   </p:stCondLst>
                                   <p:childTnLst>
                                     <p:set>
                                       <p:cBhvr>
-                                        <p:cTn dur="1" fill="hold">
+                                        <p:cTn id="23" dur="1" fill="hold">
                                           <p:stCondLst>
                                             <p:cond delay="0"/>
                                           </p:stCondLst>
@@ -10061,9 +10149,9 @@
                                         <p:strVal val="visible"/>
                                       </p:to>
                                     </p:set>
-                                    <p:animEffect filter="fade" transition="in">
+                                    <p:animEffect transition="in" filter="fade">
                                       <p:cBhvr>
-                                        <p:cTn dur="1000"/>
+                                        <p:cTn id="24" dur="1000"/>
                                         <p:tgtEl>
                                           <p:spTgt spid="100"/>
                                         </p:tgtEl>
@@ -10073,14 +10161,14 @@
                                 </p:cTn>
                               </p:par>
                               <p:par>
-                                <p:cTn fill="hold" nodeType="withEffect" presetClass="entr" presetID="10" presetSubtype="0">
+                                <p:cTn id="25" presetID="10" presetClass="entr" presetSubtype="0" fill="hold" nodeType="withEffect">
                                   <p:stCondLst>
                                     <p:cond delay="0"/>
                                   </p:stCondLst>
                                   <p:childTnLst>
                                     <p:set>
                                       <p:cBhvr>
-                                        <p:cTn dur="1" fill="hold">
+                                        <p:cTn id="26" dur="1" fill="hold">
                                           <p:stCondLst>
                                             <p:cond delay="0"/>
                                           </p:stCondLst>
@@ -10096,9 +10184,9 @@
                                         <p:strVal val="visible"/>
                                       </p:to>
                                     </p:set>
-                                    <p:animEffect filter="fade" transition="in">
+                                    <p:animEffect transition="in" filter="fade">
                                       <p:cBhvr>
-                                        <p:cTn dur="1000"/>
+                                        <p:cTn id="27" dur="1000"/>
                                         <p:tgtEl>
                                           <p:spTgt spid="101"/>
                                         </p:tgtEl>
@@ -10108,14 +10196,14 @@
                                 </p:cTn>
                               </p:par>
                               <p:par>
-                                <p:cTn fill="hold" nodeType="withEffect" presetClass="entr" presetID="10" presetSubtype="0">
+                                <p:cTn id="28" presetID="10" presetClass="entr" presetSubtype="0" fill="hold" nodeType="withEffect">
                                   <p:stCondLst>
                                     <p:cond delay="0"/>
                                   </p:stCondLst>
                                   <p:childTnLst>
                                     <p:set>
                                       <p:cBhvr>
-                                        <p:cTn dur="1" fill="hold">
+                                        <p:cTn id="29" dur="1" fill="hold">
                                           <p:stCondLst>
                                             <p:cond delay="0"/>
                                           </p:stCondLst>
@@ -10131,9 +10219,9 @@
                                         <p:strVal val="visible"/>
                                       </p:to>
                                     </p:set>
-                                    <p:animEffect filter="fade" transition="in">
+                                    <p:animEffect transition="in" filter="fade">
                                       <p:cBhvr>
-                                        <p:cTn dur="1000"/>
+                                        <p:cTn id="30" dur="1000"/>
                                         <p:tgtEl>
                                           <p:spTgt spid="103"/>
                                         </p:tgtEl>
@@ -10143,14 +10231,14 @@
                                 </p:cTn>
                               </p:par>
                               <p:par>
-                                <p:cTn fill="hold" nodeType="withEffect" presetClass="entr" presetID="10" presetSubtype="0">
+                                <p:cTn id="31" presetID="10" presetClass="entr" presetSubtype="0" fill="hold" nodeType="withEffect">
                                   <p:stCondLst>
                                     <p:cond delay="0"/>
                                   </p:stCondLst>
                                   <p:childTnLst>
                                     <p:set>
                                       <p:cBhvr>
-                                        <p:cTn dur="1" fill="hold">
+                                        <p:cTn id="32" dur="1" fill="hold">
                                           <p:stCondLst>
                                             <p:cond delay="0"/>
                                           </p:stCondLst>
@@ -10166,9 +10254,9 @@
                                         <p:strVal val="visible"/>
                                       </p:to>
                                     </p:set>
-                                    <p:animEffect filter="fade" transition="in">
+                                    <p:animEffect transition="in" filter="fade">
                                       <p:cBhvr>
-                                        <p:cTn dur="1000"/>
+                                        <p:cTn id="33" dur="1000"/>
                                         <p:tgtEl>
                                           <p:spTgt spid="104"/>
                                         </p:tgtEl>
@@ -10178,14 +10266,14 @@
                                 </p:cTn>
                               </p:par>
                               <p:par>
-                                <p:cTn fill="hold" nodeType="withEffect" presetClass="entr" presetID="10" presetSubtype="0">
+                                <p:cTn id="34" presetID="10" presetClass="entr" presetSubtype="0" fill="hold" nodeType="withEffect">
                                   <p:stCondLst>
                                     <p:cond delay="0"/>
                                   </p:stCondLst>
                                   <p:childTnLst>
                                     <p:set>
                                       <p:cBhvr>
-                                        <p:cTn dur="1" fill="hold">
+                                        <p:cTn id="35" dur="1" fill="hold">
                                           <p:stCondLst>
                                             <p:cond delay="0"/>
                                           </p:stCondLst>
@@ -10201,9 +10289,9 @@
                                         <p:strVal val="visible"/>
                                       </p:to>
                                     </p:set>
-                                    <p:animEffect filter="fade" transition="in">
+                                    <p:animEffect transition="in" filter="fade">
                                       <p:cBhvr>
-                                        <p:cTn dur="1000"/>
+                                        <p:cTn id="36" dur="1000"/>
                                         <p:tgtEl>
                                           <p:spTgt spid="105"/>
                                         </p:tgtEl>
@@ -10213,14 +10301,14 @@
                                 </p:cTn>
                               </p:par>
                               <p:par>
-                                <p:cTn fill="hold" nodeType="withEffect" presetClass="entr" presetID="10" presetSubtype="0">
+                                <p:cTn id="37" presetID="10" presetClass="entr" presetSubtype="0" fill="hold" nodeType="withEffect">
                                   <p:stCondLst>
                                     <p:cond delay="0"/>
                                   </p:stCondLst>
                                   <p:childTnLst>
                                     <p:set>
                                       <p:cBhvr>
-                                        <p:cTn dur="1" fill="hold">
+                                        <p:cTn id="38" dur="1" fill="hold">
                                           <p:stCondLst>
                                             <p:cond delay="0"/>
                                           </p:stCondLst>
@@ -10236,9 +10324,9 @@
                                         <p:strVal val="visible"/>
                                       </p:to>
                                     </p:set>
-                                    <p:animEffect filter="fade" transition="in">
+                                    <p:animEffect transition="in" filter="fade">
                                       <p:cBhvr>
-                                        <p:cTn dur="1000"/>
+                                        <p:cTn id="39" dur="1000"/>
                                         <p:tgtEl>
                                           <p:spTgt spid="102"/>
                                         </p:tgtEl>
@@ -10256,14 +10344,14 @@
                 </p:childTnLst>
               </p:cTn>
               <p:prevCondLst>
-                <p:cond evt="onPrev">
+                <p:cond evt="onPrev" delay="0">
                   <p:tgtEl>
                     <p:sldTgt/>
                   </p:tgtEl>
                 </p:cond>
               </p:prevCondLst>
               <p:nextCondLst>
-                <p:cond evt="onNext">
+                <p:cond evt="onNext" delay="0">
                   <p:tgtEl>
                     <p:sldTgt/>
                   </p:tgtEl>
@@ -10279,11 +10367,11 @@
 </file>
 
 <file path=ppt/slides/slide5.xml><?xml version="1.0" encoding="utf-8"?>
-<p:sld xmlns:a="http://schemas.openxmlformats.org/drawingml/2006/main" xmlns:r="http://schemas.openxmlformats.org/officeDocument/2006/relationships" xmlns:mc="http://schemas.openxmlformats.org/markup-compatibility/2006" xmlns:mv="urn:schemas-microsoft-com:mac:vml" xmlns:p="http://schemas.openxmlformats.org/presentationml/2006/main" xmlns:c="http://schemas.openxmlformats.org/drawingml/2006/chart" xmlns:dgm="http://schemas.openxmlformats.org/drawingml/2006/diagram" xmlns:o="urn:schemas-microsoft-com:office:office" xmlns:v="urn:schemas-microsoft-com:vml" xmlns:pvml="urn:schemas-microsoft-com:office:powerpoint" xmlns:com="http://schemas.openxmlformats.org/drawingml/2006/compatibility" xmlns:p14="http://schemas.microsoft.com/office/powerpoint/2010/main" xmlns:p15="http://schemas.microsoft.com/office/powerpoint/2012/main" xmlns:ahyp="http://schemas.microsoft.com/office/drawing/2018/hyperlinkcolor">
+<p:sld xmlns:a="http://schemas.openxmlformats.org/drawingml/2006/main" xmlns:r="http://schemas.openxmlformats.org/officeDocument/2006/relationships" xmlns:p="http://schemas.openxmlformats.org/presentationml/2006/main">
   <p:cSld>
     <p:spTree>
       <p:nvGrpSpPr>
-        <p:cNvPr id="109" name="Shape 109"/>
+        <p:cNvPr id="1" name="Shape 109"/>
         <p:cNvGrpSpPr/>
         <p:nvPr/>
       </p:nvGrpSpPr>
@@ -10298,7 +10386,9 @@
       <p:sp>
         <p:nvSpPr>
           <p:cNvPr id="110" name="Google Shape;110;p17"/>
-          <p:cNvSpPr txBox="1"/>
+          <p:cNvSpPr txBox="1">
+            <a:spLocks noGrp="1"/>
+          </p:cNvSpPr>
           <p:nvPr>
             <p:ph type="title"/>
           </p:nvPr>
@@ -10313,12 +10403,12 @@
           </a:prstGeom>
         </p:spPr>
         <p:txBody>
-          <a:bodyPr anchorCtr="0" anchor="b" bIns="91425" lIns="91425" spcFirstLastPara="1" rIns="91425" wrap="square" tIns="91425">
+          <a:bodyPr spcFirstLastPara="1" wrap="square" lIns="91425" tIns="91425" rIns="91425" bIns="91425" anchor="b" anchorCtr="0">
             <a:noAutofit/>
           </a:bodyPr>
           <a:lstStyle/>
           <a:p>
-            <a:pPr indent="0" lvl="0" marL="0" rtl="0" algn="l">
+            <a:pPr marL="0" lvl="0" indent="0" algn="l" rtl="0">
               <a:spcBef>
                 <a:spcPts val="0"/>
               </a:spcBef>
@@ -10334,18 +10424,15 @@
             <a:endParaRPr/>
           </a:p>
           <a:p>
-            <a:pPr indent="0" lvl="0" marL="0" rtl="0" algn="l">
-              <a:spcBef>
-                <a:spcPts val="0"/>
-              </a:spcBef>
-              <a:spcAft>
-                <a:spcPts val="0"/>
-              </a:spcAft>
-              <a:buNone/>
-            </a:pPr>
-            <a:r>
-              <a:t/>
-            </a:r>
+            <a:pPr marL="0" lvl="0" indent="0" algn="l" rtl="0">
+              <a:spcBef>
+                <a:spcPts val="0"/>
+              </a:spcBef>
+              <a:spcAft>
+                <a:spcPts val="0"/>
+              </a:spcAft>
+              <a:buNone/>
+            </a:pPr>
             <a:endParaRPr/>
           </a:p>
         </p:txBody>
@@ -10353,9 +10440,11 @@
       <p:sp>
         <p:nvSpPr>
           <p:cNvPr id="111" name="Google Shape;111;p17"/>
-          <p:cNvSpPr txBox="1"/>
+          <p:cNvSpPr txBox="1">
+            <a:spLocks noGrp="1"/>
+          </p:cNvSpPr>
           <p:nvPr>
-            <p:ph idx="2" type="body"/>
+            <p:ph type="body" idx="2"/>
           </p:nvPr>
         </p:nvSpPr>
         <p:spPr>
@@ -10368,12 +10457,12 @@
           </a:prstGeom>
         </p:spPr>
         <p:txBody>
-          <a:bodyPr anchorCtr="0" anchor="t" bIns="91425" lIns="91425" spcFirstLastPara="1" rIns="91425" wrap="square" tIns="91425">
+          <a:bodyPr spcFirstLastPara="1" wrap="square" lIns="91425" tIns="91425" rIns="91425" bIns="91425" anchor="t" anchorCtr="0">
             <a:noAutofit/>
           </a:bodyPr>
           <a:lstStyle/>
           <a:p>
-            <a:pPr indent="0" lvl="0" marL="0" rtl="0" algn="l">
+            <a:pPr marL="0" lvl="0" indent="0" algn="l" rtl="0">
               <a:lnSpc>
                 <a:spcPct val="100000"/>
               </a:lnSpc>
@@ -10400,7 +10489,7 @@
             </a:endParaRPr>
           </a:p>
           <a:p>
-            <a:pPr indent="0" lvl="0" marL="0" rtl="0" algn="l">
+            <a:pPr marL="0" lvl="0" indent="0" algn="l" rtl="0">
               <a:lnSpc>
                 <a:spcPct val="100000"/>
               </a:lnSpc>
@@ -10427,7 +10516,7 @@
             </a:endParaRPr>
           </a:p>
           <a:p>
-            <a:pPr indent="0" lvl="0" marL="0" rtl="0" algn="l">
+            <a:pPr marL="0" lvl="0" indent="0" algn="l" rtl="0">
               <a:lnSpc>
                 <a:spcPct val="100000"/>
               </a:lnSpc>
@@ -10492,11 +10581,11 @@
 </file>
 
 <file path=ppt/slides/slide6.xml><?xml version="1.0" encoding="utf-8"?>
-<p:sld xmlns:a="http://schemas.openxmlformats.org/drawingml/2006/main" xmlns:r="http://schemas.openxmlformats.org/officeDocument/2006/relationships" xmlns:mc="http://schemas.openxmlformats.org/markup-compatibility/2006" xmlns:mv="urn:schemas-microsoft-com:mac:vml" xmlns:p="http://schemas.openxmlformats.org/presentationml/2006/main" xmlns:c="http://schemas.openxmlformats.org/drawingml/2006/chart" xmlns:dgm="http://schemas.openxmlformats.org/drawingml/2006/diagram" xmlns:o="urn:schemas-microsoft-com:office:office" xmlns:v="urn:schemas-microsoft-com:vml" xmlns:pvml="urn:schemas-microsoft-com:office:powerpoint" xmlns:com="http://schemas.openxmlformats.org/drawingml/2006/compatibility" xmlns:p14="http://schemas.microsoft.com/office/powerpoint/2010/main" xmlns:p15="http://schemas.microsoft.com/office/powerpoint/2012/main" xmlns:ahyp="http://schemas.microsoft.com/office/drawing/2018/hyperlinkcolor">
+<p:sld xmlns:a="http://schemas.openxmlformats.org/drawingml/2006/main" xmlns:r="http://schemas.openxmlformats.org/officeDocument/2006/relationships" xmlns:p="http://schemas.openxmlformats.org/presentationml/2006/main">
   <p:cSld>
     <p:spTree>
       <p:nvGrpSpPr>
-        <p:cNvPr id="116" name="Shape 116"/>
+        <p:cNvPr id="1" name="Shape 116"/>
         <p:cNvGrpSpPr/>
         <p:nvPr/>
       </p:nvGrpSpPr>
@@ -10511,7 +10600,9 @@
       <p:sp>
         <p:nvSpPr>
           <p:cNvPr id="117" name="Google Shape;117;p18"/>
-          <p:cNvSpPr txBox="1"/>
+          <p:cNvSpPr txBox="1">
+            <a:spLocks noGrp="1"/>
+          </p:cNvSpPr>
           <p:nvPr>
             <p:ph type="title"/>
           </p:nvPr>
@@ -10526,12 +10617,12 @@
           </a:prstGeom>
         </p:spPr>
         <p:txBody>
-          <a:bodyPr anchorCtr="0" anchor="b" bIns="91425" lIns="91425" spcFirstLastPara="1" rIns="91425" wrap="square" tIns="91425">
+          <a:bodyPr spcFirstLastPara="1" wrap="square" lIns="91425" tIns="91425" rIns="91425" bIns="91425" anchor="b" anchorCtr="0">
             <a:noAutofit/>
           </a:bodyPr>
           <a:lstStyle/>
           <a:p>
-            <a:pPr indent="0" lvl="0" marL="0" rtl="0" algn="l">
+            <a:pPr marL="0" lvl="0" indent="0" algn="l" rtl="0">
               <a:spcBef>
                 <a:spcPts val="0"/>
               </a:spcBef>
@@ -10547,18 +10638,15 @@
             <a:endParaRPr/>
           </a:p>
           <a:p>
-            <a:pPr indent="0" lvl="0" marL="0" rtl="0" algn="l">
-              <a:spcBef>
-                <a:spcPts val="0"/>
-              </a:spcBef>
-              <a:spcAft>
-                <a:spcPts val="0"/>
-              </a:spcAft>
-              <a:buNone/>
-            </a:pPr>
-            <a:r>
-              <a:t/>
-            </a:r>
+            <a:pPr marL="0" lvl="0" indent="0" algn="l" rtl="0">
+              <a:spcBef>
+                <a:spcPts val="0"/>
+              </a:spcBef>
+              <a:spcAft>
+                <a:spcPts val="0"/>
+              </a:spcAft>
+              <a:buNone/>
+            </a:pPr>
             <a:endParaRPr/>
           </a:p>
         </p:txBody>
@@ -10566,9 +10654,11 @@
       <p:sp>
         <p:nvSpPr>
           <p:cNvPr id="118" name="Google Shape;118;p18"/>
-          <p:cNvSpPr txBox="1"/>
+          <p:cNvSpPr txBox="1">
+            <a:spLocks noGrp="1"/>
+          </p:cNvSpPr>
           <p:nvPr>
-            <p:ph idx="2" type="body"/>
+            <p:ph type="body" idx="2"/>
           </p:nvPr>
         </p:nvSpPr>
         <p:spPr>
@@ -10581,12 +10671,12 @@
           </a:prstGeom>
         </p:spPr>
         <p:txBody>
-          <a:bodyPr anchorCtr="0" anchor="t" bIns="91425" lIns="91425" spcFirstLastPara="1" rIns="91425" wrap="square" tIns="91425">
+          <a:bodyPr spcFirstLastPara="1" wrap="square" lIns="91425" tIns="91425" rIns="91425" bIns="91425" anchor="t" anchorCtr="0">
             <a:noAutofit/>
           </a:bodyPr>
           <a:lstStyle/>
           <a:p>
-            <a:pPr indent="-323850" lvl="0" marL="457200" rtl="0" algn="l">
+            <a:pPr marL="457200" lvl="0" indent="-323850" algn="l" rtl="0">
               <a:spcBef>
                 <a:spcPts val="0"/>
               </a:spcBef>
@@ -10614,7 +10704,7 @@
             </a:endParaRPr>
           </a:p>
           <a:p>
-            <a:pPr indent="0" lvl="0" marL="0" rtl="0" algn="l">
+            <a:pPr marL="0" lvl="0" indent="0" algn="l" rtl="0">
               <a:spcBef>
                 <a:spcPts val="1600"/>
               </a:spcBef>
@@ -10623,9 +10713,6 @@
               </a:spcAft>
               <a:buNone/>
             </a:pPr>
-            <a:r>
-              <a:t/>
-            </a:r>
             <a:endParaRPr>
               <a:solidFill>
                 <a:srgbClr val="000000"/>
@@ -10633,7 +10720,7 @@
             </a:endParaRPr>
           </a:p>
           <a:p>
-            <a:pPr indent="0" lvl="0" marL="457200" rtl="0" algn="l">
+            <a:pPr marL="457200" lvl="0" indent="0" algn="l" rtl="0">
               <a:spcBef>
                 <a:spcPts val="1600"/>
               </a:spcBef>
@@ -10642,9 +10729,6 @@
               </a:spcAft>
               <a:buNone/>
             </a:pPr>
-            <a:r>
-              <a:t/>
-            </a:r>
             <a:endParaRPr>
               <a:solidFill>
                 <a:srgbClr val="000000"/>
@@ -10652,7 +10736,7 @@
             </a:endParaRPr>
           </a:p>
           <a:p>
-            <a:pPr indent="0" lvl="0" marL="0" rtl="0" algn="l">
+            <a:pPr marL="0" lvl="0" indent="0" algn="l" rtl="0">
               <a:spcBef>
                 <a:spcPts val="1600"/>
               </a:spcBef>
@@ -10661,9 +10745,6 @@
               </a:spcAft>
               <a:buNone/>
             </a:pPr>
-            <a:r>
-              <a:t/>
-            </a:r>
             <a:endParaRPr>
               <a:solidFill>
                 <a:srgbClr val="000000"/>
@@ -10671,7 +10752,7 @@
             </a:endParaRPr>
           </a:p>
           <a:p>
-            <a:pPr indent="0" lvl="0" marL="0" rtl="0" algn="l">
+            <a:pPr marL="0" lvl="0" indent="0" algn="l" rtl="0">
               <a:spcBef>
                 <a:spcPts val="1600"/>
               </a:spcBef>
@@ -10695,7 +10776,7 @@
             </a:endParaRPr>
           </a:p>
           <a:p>
-            <a:pPr indent="0" lvl="0" marL="0" rtl="0" algn="l">
+            <a:pPr marL="0" lvl="0" indent="0" algn="l" rtl="0">
               <a:spcBef>
                 <a:spcPts val="1600"/>
               </a:spcBef>
@@ -10704,9 +10785,6 @@
               </a:spcAft>
               <a:buNone/>
             </a:pPr>
-            <a:r>
-              <a:t/>
-            </a:r>
             <a:endParaRPr/>
           </a:p>
         </p:txBody>
@@ -10782,14 +10860,14 @@
             <a:avLst/>
           </a:prstGeom>
           <a:noFill/>
-          <a:ln cap="flat" cmpd="sng" w="9525">
+          <a:ln w="9525" cap="flat" cmpd="sng">
             <a:solidFill>
               <a:schemeClr val="dk2"/>
             </a:solidFill>
             <a:prstDash val="solid"/>
             <a:round/>
-            <a:headEnd len="med" w="med" type="none"/>
-            <a:tailEnd len="med" w="med" type="triangle"/>
+            <a:headEnd type="none" w="med" len="med"/>
+            <a:tailEnd type="triangle" w="med" len="med"/>
           </a:ln>
         </p:spPr>
       </p:cxnSp>
@@ -10801,32 +10879,32 @@
   <p:timing>
     <p:tnLst>
       <p:par>
-        <p:cTn dur="indefinite" nodeType="tmRoot" restart="never">
+        <p:cTn id="1" dur="indefinite" restart="never" nodeType="tmRoot">
           <p:childTnLst>
             <p:seq concurrent="1" nextAc="seek">
-              <p:cTn dur="indefinite" id="2" nodeType="mainSeq">
+              <p:cTn id="2" dur="indefinite" nodeType="mainSeq">
                 <p:childTnLst>
                   <p:par>
-                    <p:cTn fill="hold">
+                    <p:cTn id="3" fill="hold">
                       <p:stCondLst>
                         <p:cond delay="indefinite"/>
                       </p:stCondLst>
                       <p:childTnLst>
                         <p:par>
-                          <p:cTn fill="hold">
+                          <p:cTn id="4" fill="hold">
                             <p:stCondLst>
                               <p:cond delay="0"/>
                             </p:stCondLst>
                             <p:childTnLst>
                               <p:par>
-                                <p:cTn fill="hold" nodeType="clickEffect" presetClass="entr" presetID="10" presetSubtype="0">
+                                <p:cTn id="5" presetID="10" presetClass="entr" presetSubtype="0" fill="hold" nodeType="clickEffect">
                                   <p:stCondLst>
                                     <p:cond delay="0"/>
                                   </p:stCondLst>
                                   <p:childTnLst>
                                     <p:set>
                                       <p:cBhvr>
-                                        <p:cTn dur="1" fill="hold">
+                                        <p:cTn id="6" dur="1" fill="hold">
                                           <p:stCondLst>
                                             <p:cond delay="0"/>
                                           </p:stCondLst>
@@ -10842,9 +10920,9 @@
                                         <p:strVal val="visible"/>
                                       </p:to>
                                     </p:set>
-                                    <p:animEffect filter="fade" transition="in">
+                                    <p:animEffect transition="in" filter="fade">
                                       <p:cBhvr>
-                                        <p:cTn dur="1000"/>
+                                        <p:cTn id="7" dur="1000"/>
                                         <p:tgtEl>
                                           <p:spTgt spid="120"/>
                                         </p:tgtEl>
@@ -10854,14 +10932,14 @@
                                 </p:cTn>
                               </p:par>
                               <p:par>
-                                <p:cTn fill="hold" nodeType="withEffect" presetClass="entr" presetID="10" presetSubtype="0">
+                                <p:cTn id="8" presetID="10" presetClass="entr" presetSubtype="0" fill="hold" nodeType="withEffect">
                                   <p:stCondLst>
                                     <p:cond delay="0"/>
                                   </p:stCondLst>
                                   <p:childTnLst>
                                     <p:set>
                                       <p:cBhvr>
-                                        <p:cTn dur="1" fill="hold">
+                                        <p:cTn id="9" dur="1" fill="hold">
                                           <p:stCondLst>
                                             <p:cond delay="0"/>
                                           </p:stCondLst>
@@ -10877,9 +10955,9 @@
                                         <p:strVal val="visible"/>
                                       </p:to>
                                     </p:set>
-                                    <p:animEffect filter="fade" transition="in">
+                                    <p:animEffect transition="in" filter="fade">
                                       <p:cBhvr>
-                                        <p:cTn dur="1000"/>
+                                        <p:cTn id="10" dur="1000"/>
                                         <p:tgtEl>
                                           <p:spTgt spid="121"/>
                                         </p:tgtEl>
@@ -10889,14 +10967,14 @@
                                 </p:cTn>
                               </p:par>
                               <p:par>
-                                <p:cTn fill="hold" nodeType="withEffect" presetClass="entr" presetID="10" presetSubtype="0">
+                                <p:cTn id="11" presetID="10" presetClass="entr" presetSubtype="0" fill="hold" nodeType="withEffect">
                                   <p:stCondLst>
                                     <p:cond delay="0"/>
                                   </p:stCondLst>
                                   <p:childTnLst>
                                     <p:set>
                                       <p:cBhvr>
-                                        <p:cTn dur="1" fill="hold">
+                                        <p:cTn id="12" dur="1" fill="hold">
                                           <p:stCondLst>
                                             <p:cond delay="0"/>
                                           </p:stCondLst>
@@ -10912,9 +10990,9 @@
                                         <p:strVal val="visible"/>
                                       </p:to>
                                     </p:set>
-                                    <p:animEffect filter="fade" transition="in">
+                                    <p:animEffect transition="in" filter="fade">
                                       <p:cBhvr>
-                                        <p:cTn dur="1000"/>
+                                        <p:cTn id="13" dur="1000"/>
                                         <p:tgtEl>
                                           <p:spTgt spid="119"/>
                                         </p:tgtEl>
@@ -10932,14 +11010,14 @@
                 </p:childTnLst>
               </p:cTn>
               <p:prevCondLst>
-                <p:cond evt="onPrev">
+                <p:cond evt="onPrev" delay="0">
                   <p:tgtEl>
                     <p:sldTgt/>
                   </p:tgtEl>
                 </p:cond>
               </p:prevCondLst>
               <p:nextCondLst>
-                <p:cond evt="onNext">
+                <p:cond evt="onNext" delay="0">
                   <p:tgtEl>
                     <p:sldTgt/>
                   </p:tgtEl>
@@ -10955,11 +11033,11 @@
 </file>
 
 <file path=ppt/slides/slide7.xml><?xml version="1.0" encoding="utf-8"?>
-<p:sld xmlns:a="http://schemas.openxmlformats.org/drawingml/2006/main" xmlns:r="http://schemas.openxmlformats.org/officeDocument/2006/relationships" xmlns:mc="http://schemas.openxmlformats.org/markup-compatibility/2006" xmlns:mv="urn:schemas-microsoft-com:mac:vml" xmlns:p="http://schemas.openxmlformats.org/presentationml/2006/main" xmlns:c="http://schemas.openxmlformats.org/drawingml/2006/chart" xmlns:dgm="http://schemas.openxmlformats.org/drawingml/2006/diagram" xmlns:o="urn:schemas-microsoft-com:office:office" xmlns:v="urn:schemas-microsoft-com:vml" xmlns:pvml="urn:schemas-microsoft-com:office:powerpoint" xmlns:com="http://schemas.openxmlformats.org/drawingml/2006/compatibility" xmlns:p14="http://schemas.microsoft.com/office/powerpoint/2010/main" xmlns:p15="http://schemas.microsoft.com/office/powerpoint/2012/main" xmlns:ahyp="http://schemas.microsoft.com/office/drawing/2018/hyperlinkcolor">
+<p:sld xmlns:a="http://schemas.openxmlformats.org/drawingml/2006/main" xmlns:r="http://schemas.openxmlformats.org/officeDocument/2006/relationships" xmlns:p="http://schemas.openxmlformats.org/presentationml/2006/main">
   <p:cSld>
     <p:spTree>
       <p:nvGrpSpPr>
-        <p:cNvPr id="125" name="Shape 125"/>
+        <p:cNvPr id="1" name="Shape 125"/>
         <p:cNvGrpSpPr/>
         <p:nvPr/>
       </p:nvGrpSpPr>
@@ -10974,7 +11052,9 @@
       <p:sp>
         <p:nvSpPr>
           <p:cNvPr id="126" name="Google Shape;126;p19"/>
-          <p:cNvSpPr txBox="1"/>
+          <p:cNvSpPr txBox="1">
+            <a:spLocks noGrp="1"/>
+          </p:cNvSpPr>
           <p:nvPr>
             <p:ph type="title"/>
           </p:nvPr>
@@ -10989,12 +11069,12 @@
           </a:prstGeom>
         </p:spPr>
         <p:txBody>
-          <a:bodyPr anchorCtr="0" anchor="ctr" bIns="91425" lIns="91425" spcFirstLastPara="1" rIns="91425" wrap="square" tIns="91425">
+          <a:bodyPr spcFirstLastPara="1" wrap="square" lIns="91425" tIns="91425" rIns="91425" bIns="91425" anchor="ctr" anchorCtr="0">
             <a:noAutofit/>
           </a:bodyPr>
           <a:lstStyle/>
           <a:p>
-            <a:pPr indent="0" lvl="0" marL="0" rtl="0" algn="l">
+            <a:pPr marL="0" lvl="0" indent="0" algn="l" rtl="0">
               <a:spcBef>
                 <a:spcPts val="0"/>
               </a:spcBef>
@@ -11010,18 +11090,15 @@
             <a:endParaRPr sz="4000"/>
           </a:p>
           <a:p>
-            <a:pPr indent="0" lvl="0" marL="0" rtl="0" algn="l">
-              <a:spcBef>
-                <a:spcPts val="0"/>
-              </a:spcBef>
-              <a:spcAft>
-                <a:spcPts val="0"/>
-              </a:spcAft>
-              <a:buNone/>
-            </a:pPr>
-            <a:r>
-              <a:t/>
-            </a:r>
+            <a:pPr marL="0" lvl="0" indent="0" algn="l" rtl="0">
+              <a:spcBef>
+                <a:spcPts val="0"/>
+              </a:spcBef>
+              <a:spcAft>
+                <a:spcPts val="0"/>
+              </a:spcAft>
+              <a:buNone/>
+            </a:pPr>
             <a:endParaRPr/>
           </a:p>
         </p:txBody>
@@ -11029,9 +11106,11 @@
       <p:sp>
         <p:nvSpPr>
           <p:cNvPr id="127" name="Google Shape;127;p19"/>
-          <p:cNvSpPr txBox="1"/>
+          <p:cNvSpPr txBox="1">
+            <a:spLocks noGrp="1"/>
+          </p:cNvSpPr>
           <p:nvPr>
-            <p:ph idx="4294967295" type="body"/>
+            <p:ph type="body" idx="4294967295"/>
           </p:nvPr>
         </p:nvSpPr>
         <p:spPr>
@@ -11044,12 +11123,12 @@
           </a:prstGeom>
         </p:spPr>
         <p:txBody>
-          <a:bodyPr anchorCtr="0" anchor="t" bIns="91425" lIns="91425" spcFirstLastPara="1" rIns="91425" wrap="square" tIns="91425">
+          <a:bodyPr spcFirstLastPara="1" wrap="square" lIns="91425" tIns="91425" rIns="91425" bIns="91425" anchor="t" anchorCtr="0">
             <a:noAutofit/>
           </a:bodyPr>
           <a:lstStyle/>
           <a:p>
-            <a:pPr indent="0" lvl="0" marL="0" rtl="0" algn="l">
+            <a:pPr marL="0" lvl="0" indent="0" algn="l" rtl="0">
               <a:spcBef>
                 <a:spcPts val="0"/>
               </a:spcBef>
@@ -11065,7 +11144,7 @@
             <a:endParaRPr/>
           </a:p>
           <a:p>
-            <a:pPr indent="-304800" lvl="0" marL="457200" rtl="0" algn="l">
+            <a:pPr marL="457200" lvl="0" indent="-304800" algn="l" rtl="0">
               <a:lnSpc>
                 <a:spcPct val="150000"/>
               </a:lnSpc>
@@ -11102,7 +11181,7 @@
             </a:endParaRPr>
           </a:p>
           <a:p>
-            <a:pPr indent="-304800" lvl="0" marL="457200" rtl="0" algn="l">
+            <a:pPr marL="457200" lvl="0" indent="-304800" algn="l" rtl="0">
               <a:lnSpc>
                 <a:spcPct val="150000"/>
               </a:lnSpc>
@@ -11139,7 +11218,7 @@
             </a:endParaRPr>
           </a:p>
           <a:p>
-            <a:pPr indent="-304800" lvl="0" marL="457200" rtl="0" algn="l">
+            <a:pPr marL="457200" lvl="0" indent="-304800" algn="l" rtl="0">
               <a:lnSpc>
                 <a:spcPct val="150000"/>
               </a:lnSpc>
@@ -11176,7 +11255,7 @@
             </a:endParaRPr>
           </a:p>
           <a:p>
-            <a:pPr indent="0" lvl="0" marL="0" rtl="0" algn="l">
+            <a:pPr marL="0" lvl="0" indent="0" algn="l" rtl="0">
               <a:lnSpc>
                 <a:spcPct val="150000"/>
               </a:lnSpc>
@@ -11188,9 +11267,6 @@
               </a:spcAft>
               <a:buNone/>
             </a:pPr>
-            <a:r>
-              <a:t/>
-            </a:r>
             <a:endParaRPr sz="900">
               <a:solidFill>
                 <a:srgbClr val="000000"/>
@@ -11205,7 +11281,7 @@
             </a:endParaRPr>
           </a:p>
           <a:p>
-            <a:pPr indent="0" lvl="0" marL="0" rtl="0" algn="l">
+            <a:pPr marL="0" lvl="0" indent="0" algn="l" rtl="0">
               <a:spcBef>
                 <a:spcPts val="0"/>
               </a:spcBef>
@@ -11214,9 +11290,6 @@
               </a:spcAft>
               <a:buNone/>
             </a:pPr>
-            <a:r>
-              <a:t/>
-            </a:r>
             <a:endParaRPr/>
           </a:p>
         </p:txBody>
@@ -11258,11 +11331,11 @@
 </file>
 
 <file path=ppt/slides/slide8.xml><?xml version="1.0" encoding="utf-8"?>
-<p:sld xmlns:a="http://schemas.openxmlformats.org/drawingml/2006/main" xmlns:r="http://schemas.openxmlformats.org/officeDocument/2006/relationships" xmlns:mc="http://schemas.openxmlformats.org/markup-compatibility/2006" xmlns:mv="urn:schemas-microsoft-com:mac:vml" xmlns:p="http://schemas.openxmlformats.org/presentationml/2006/main" xmlns:c="http://schemas.openxmlformats.org/drawingml/2006/chart" xmlns:dgm="http://schemas.openxmlformats.org/drawingml/2006/diagram" xmlns:o="urn:schemas-microsoft-com:office:office" xmlns:v="urn:schemas-microsoft-com:vml" xmlns:pvml="urn:schemas-microsoft-com:office:powerpoint" xmlns:com="http://schemas.openxmlformats.org/drawingml/2006/compatibility" xmlns:p14="http://schemas.microsoft.com/office/powerpoint/2010/main" xmlns:p15="http://schemas.microsoft.com/office/powerpoint/2012/main" xmlns:ahyp="http://schemas.microsoft.com/office/drawing/2018/hyperlinkcolor">
+<p:sld xmlns:a="http://schemas.openxmlformats.org/drawingml/2006/main" xmlns:r="http://schemas.openxmlformats.org/officeDocument/2006/relationships" xmlns:p="http://schemas.openxmlformats.org/presentationml/2006/main">
   <p:cSld>
     <p:spTree>
       <p:nvGrpSpPr>
-        <p:cNvPr id="132" name="Shape 132"/>
+        <p:cNvPr id="1" name="Shape 132"/>
         <p:cNvGrpSpPr/>
         <p:nvPr/>
       </p:nvGrpSpPr>
@@ -11277,7 +11350,9 @@
       <p:sp>
         <p:nvSpPr>
           <p:cNvPr id="133" name="Google Shape;133;p20"/>
-          <p:cNvSpPr txBox="1"/>
+          <p:cNvSpPr txBox="1">
+            <a:spLocks noGrp="1"/>
+          </p:cNvSpPr>
           <p:nvPr>
             <p:ph type="title"/>
           </p:nvPr>
@@ -11292,12 +11367,12 @@
           </a:prstGeom>
         </p:spPr>
         <p:txBody>
-          <a:bodyPr anchorCtr="0" anchor="ctr" bIns="91425" lIns="91425" spcFirstLastPara="1" rIns="91425" wrap="square" tIns="91425">
+          <a:bodyPr spcFirstLastPara="1" wrap="square" lIns="91425" tIns="91425" rIns="91425" bIns="91425" anchor="ctr" anchorCtr="0">
             <a:noAutofit/>
           </a:bodyPr>
           <a:lstStyle/>
           <a:p>
-            <a:pPr indent="0" lvl="0" marL="0" rtl="0" algn="l">
+            <a:pPr marL="0" lvl="0" indent="0" algn="l" rtl="0">
               <a:spcBef>
                 <a:spcPts val="0"/>
               </a:spcBef>
@@ -11334,12 +11409,12 @@
           </a:ln>
         </p:spPr>
         <p:txBody>
-          <a:bodyPr anchorCtr="0" anchor="t" bIns="91425" lIns="91425" spcFirstLastPara="1" rIns="91425" wrap="square" tIns="91425">
+          <a:bodyPr spcFirstLastPara="1" wrap="square" lIns="91425" tIns="91425" rIns="91425" bIns="91425" anchor="t" anchorCtr="0">
             <a:spAutoFit/>
           </a:bodyPr>
           <a:lstStyle/>
           <a:p>
-            <a:pPr indent="0" lvl="0" marL="0" rtl="0" algn="l">
+            <a:pPr marL="0" lvl="0" indent="0" algn="l" rtl="0">
               <a:lnSpc>
                 <a:spcPct val="150000"/>
               </a:lnSpc>
@@ -11374,7 +11449,7 @@
             </a:endParaRPr>
           </a:p>
           <a:p>
-            <a:pPr indent="-311150" lvl="0" marL="457200" rtl="0" algn="l">
+            <a:pPr marL="457200" lvl="0" indent="-311150" algn="l" rtl="0">
               <a:spcBef>
                 <a:spcPts val="0"/>
               </a:spcBef>
@@ -11402,7 +11477,7 @@
             </a:endParaRPr>
           </a:p>
           <a:p>
-            <a:pPr indent="-311150" lvl="0" marL="457200" rtl="0" algn="l">
+            <a:pPr marL="457200" lvl="0" indent="-311150" algn="l" rtl="0">
               <a:spcBef>
                 <a:spcPts val="0"/>
               </a:spcBef>
@@ -11430,7 +11505,7 @@
             </a:endParaRPr>
           </a:p>
           <a:p>
-            <a:pPr indent="-311150" lvl="0" marL="457200" rtl="0" algn="l">
+            <a:pPr marL="457200" lvl="0" indent="-311150" algn="l" rtl="0">
               <a:lnSpc>
                 <a:spcPct val="150000"/>
               </a:lnSpc>
@@ -11513,12 +11588,12 @@
           </a:ln>
         </p:spPr>
         <p:txBody>
-          <a:bodyPr anchorCtr="0" anchor="t" bIns="91425" lIns="91425" spcFirstLastPara="1" rIns="91425" wrap="square" tIns="91425">
+          <a:bodyPr spcFirstLastPara="1" wrap="square" lIns="91425" tIns="91425" rIns="91425" bIns="91425" anchor="t" anchorCtr="0">
             <a:spAutoFit/>
           </a:bodyPr>
           <a:lstStyle/>
           <a:p>
-            <a:pPr indent="0" lvl="0" marL="0" rtl="0" algn="l">
+            <a:pPr marL="0" lvl="0" indent="0" algn="l" rtl="0">
               <a:lnSpc>
                 <a:spcPct val="150000"/>
               </a:lnSpc>
@@ -11553,7 +11628,7 @@
             </a:endParaRPr>
           </a:p>
           <a:p>
-            <a:pPr indent="-311150" lvl="0" marL="457200" rtl="0" algn="l">
+            <a:pPr marL="457200" lvl="0" indent="-311150" algn="l" rtl="0">
               <a:spcBef>
                 <a:spcPts val="0"/>
               </a:spcBef>
@@ -11581,7 +11656,7 @@
             </a:endParaRPr>
           </a:p>
           <a:p>
-            <a:pPr indent="-311150" lvl="0" marL="457200" rtl="0" algn="l">
+            <a:pPr marL="457200" lvl="0" indent="-311150" algn="l" rtl="0">
               <a:spcBef>
                 <a:spcPts val="0"/>
               </a:spcBef>
@@ -11609,7 +11684,7 @@
             </a:endParaRPr>
           </a:p>
           <a:p>
-            <a:pPr indent="-311150" lvl="0" marL="457200" rtl="0" algn="l">
+            <a:pPr marL="457200" lvl="0" indent="-311150" algn="l" rtl="0">
               <a:lnSpc>
                 <a:spcPct val="150000"/>
               </a:lnSpc>
@@ -11681,11 +11756,11 @@
 </file>
 
 <file path=ppt/slides/slide9.xml><?xml version="1.0" encoding="utf-8"?>
-<p:sld xmlns:a="http://schemas.openxmlformats.org/drawingml/2006/main" xmlns:r="http://schemas.openxmlformats.org/officeDocument/2006/relationships" xmlns:mc="http://schemas.openxmlformats.org/markup-compatibility/2006" xmlns:mv="urn:schemas-microsoft-com:mac:vml" xmlns:p="http://schemas.openxmlformats.org/presentationml/2006/main" xmlns:c="http://schemas.openxmlformats.org/drawingml/2006/chart" xmlns:dgm="http://schemas.openxmlformats.org/drawingml/2006/diagram" xmlns:o="urn:schemas-microsoft-com:office:office" xmlns:v="urn:schemas-microsoft-com:vml" xmlns:pvml="urn:schemas-microsoft-com:office:powerpoint" xmlns:com="http://schemas.openxmlformats.org/drawingml/2006/compatibility" xmlns:p14="http://schemas.microsoft.com/office/powerpoint/2010/main" xmlns:p15="http://schemas.microsoft.com/office/powerpoint/2012/main" xmlns:ahyp="http://schemas.microsoft.com/office/drawing/2018/hyperlinkcolor">
+<p:sld xmlns:a="http://schemas.openxmlformats.org/drawingml/2006/main" xmlns:r="http://schemas.openxmlformats.org/officeDocument/2006/relationships" xmlns:p="http://schemas.openxmlformats.org/presentationml/2006/main">
   <p:cSld>
     <p:spTree>
       <p:nvGrpSpPr>
-        <p:cNvPr id="141" name="Shape 141"/>
+        <p:cNvPr id="1" name="Shape 141"/>
         <p:cNvGrpSpPr/>
         <p:nvPr/>
       </p:nvGrpSpPr>
@@ -11700,7 +11775,9 @@
       <p:sp>
         <p:nvSpPr>
           <p:cNvPr id="142" name="Google Shape;142;p21"/>
-          <p:cNvSpPr txBox="1"/>
+          <p:cNvSpPr txBox="1">
+            <a:spLocks noGrp="1"/>
+          </p:cNvSpPr>
           <p:nvPr>
             <p:ph type="title"/>
           </p:nvPr>
@@ -11715,12 +11792,12 @@
           </a:prstGeom>
         </p:spPr>
         <p:txBody>
-          <a:bodyPr anchorCtr="0" anchor="ctr" bIns="91425" lIns="91425" spcFirstLastPara="1" rIns="91425" wrap="square" tIns="91425">
+          <a:bodyPr spcFirstLastPara="1" wrap="square" lIns="91425" tIns="91425" rIns="91425" bIns="91425" anchor="ctr" anchorCtr="0">
             <a:noAutofit/>
           </a:bodyPr>
           <a:lstStyle/>
           <a:p>
-            <a:pPr indent="0" lvl="0" marL="0" rtl="0" algn="l">
+            <a:pPr marL="0" lvl="0" indent="0" algn="l" rtl="0">
               <a:spcBef>
                 <a:spcPts val="0"/>
               </a:spcBef>
@@ -11757,23 +11834,20 @@
           </a:ln>
         </p:spPr>
         <p:txBody>
-          <a:bodyPr anchorCtr="0" anchor="t" bIns="91425" lIns="91425" spcFirstLastPara="1" rIns="91425" wrap="square" tIns="91425">
+          <a:bodyPr spcFirstLastPara="1" wrap="square" lIns="91425" tIns="91425" rIns="91425" bIns="91425" anchor="t" anchorCtr="0">
             <a:noAutofit/>
           </a:bodyPr>
           <a:lstStyle/>
           <a:p>
-            <a:pPr indent="0" lvl="0" marL="0" rtl="0" algn="l">
-              <a:spcBef>
-                <a:spcPts val="0"/>
-              </a:spcBef>
-              <a:spcAft>
-                <a:spcPts val="0"/>
-              </a:spcAft>
-              <a:buNone/>
-            </a:pPr>
-            <a:r>
-              <a:t/>
-            </a:r>
+            <a:pPr marL="0" lvl="0" indent="0" algn="l" rtl="0">
+              <a:spcBef>
+                <a:spcPts val="0"/>
+              </a:spcBef>
+              <a:spcAft>
+                <a:spcPts val="0"/>
+              </a:spcAft>
+              <a:buNone/>
+            </a:pPr>
             <a:endParaRPr sz="800">
               <a:solidFill>
                 <a:srgbClr val="6796E6"/>
@@ -11809,12 +11883,12 @@
           </a:ln>
         </p:spPr>
         <p:txBody>
-          <a:bodyPr anchorCtr="0" anchor="t" bIns="91425" lIns="91425" spcFirstLastPara="1" rIns="91425" wrap="square" tIns="91425">
+          <a:bodyPr spcFirstLastPara="1" wrap="square" lIns="91425" tIns="91425" rIns="91425" bIns="91425" anchor="t" anchorCtr="0">
             <a:spAutoFit/>
           </a:bodyPr>
           <a:lstStyle/>
           <a:p>
-            <a:pPr indent="0" lvl="0" marL="0" rtl="0" algn="l">
+            <a:pPr marL="0" lvl="0" indent="0" algn="l" rtl="0">
               <a:lnSpc>
                 <a:spcPct val="115000"/>
               </a:lnSpc>
@@ -11843,7 +11917,7 @@
             </a:endParaRPr>
           </a:p>
           <a:p>
-            <a:pPr indent="0" lvl="0" marL="0" rtl="0" algn="l">
+            <a:pPr marL="0" lvl="0" indent="0" algn="l" rtl="0">
               <a:lnSpc>
                 <a:spcPct val="115000"/>
               </a:lnSpc>
@@ -11872,7 +11946,7 @@
             </a:endParaRPr>
           </a:p>
           <a:p>
-            <a:pPr indent="0" lvl="0" marL="0" rtl="0" algn="l">
+            <a:pPr marL="0" lvl="0" indent="0" algn="l" rtl="0">
               <a:lnSpc>
                 <a:spcPct val="115000"/>
               </a:lnSpc>
@@ -11901,7 +11975,7 @@
             </a:endParaRPr>
           </a:p>
           <a:p>
-            <a:pPr indent="0" lvl="0" marL="0" rtl="0" algn="l">
+            <a:pPr marL="0" lvl="0" indent="0" algn="l" rtl="0">
               <a:lnSpc>
                 <a:spcPct val="115000"/>
               </a:lnSpc>
@@ -11930,7 +12004,7 @@
             </a:endParaRPr>
           </a:p>
           <a:p>
-            <a:pPr indent="0" lvl="0" marL="0" rtl="0" algn="l">
+            <a:pPr marL="0" lvl="0" indent="0" algn="l" rtl="0">
               <a:lnSpc>
                 <a:spcPct val="115000"/>
               </a:lnSpc>
@@ -11959,18 +12033,15 @@
             </a:endParaRPr>
           </a:p>
           <a:p>
-            <a:pPr indent="0" lvl="0" marL="0" rtl="0" algn="l">
-              <a:spcBef>
-                <a:spcPts val="0"/>
-              </a:spcBef>
-              <a:spcAft>
-                <a:spcPts val="0"/>
-              </a:spcAft>
-              <a:buNone/>
-            </a:pPr>
-            <a:r>
-              <a:t/>
-            </a:r>
+            <a:pPr marL="0" lvl="0" indent="0" algn="l" rtl="0">
+              <a:spcBef>
+                <a:spcPts val="0"/>
+              </a:spcBef>
+              <a:spcAft>
+                <a:spcPts val="0"/>
+              </a:spcAft>
+              <a:buNone/>
+            </a:pPr>
             <a:endParaRPr>
               <a:latin typeface="Roboto"/>
               <a:ea typeface="Roboto"/>
@@ -12000,12 +12071,12 @@
           </a:ln>
         </p:spPr>
         <p:txBody>
-          <a:bodyPr anchorCtr="0" anchor="t" bIns="91425" lIns="91425" spcFirstLastPara="1" rIns="91425" wrap="square" tIns="91425">
+          <a:bodyPr spcFirstLastPara="1" wrap="square" lIns="91425" tIns="91425" rIns="91425" bIns="91425" anchor="t" anchorCtr="0">
             <a:spAutoFit/>
           </a:bodyPr>
           <a:lstStyle/>
           <a:p>
-            <a:pPr indent="0" lvl="0" marL="0" rtl="0" algn="just">
+            <a:pPr marL="0" lvl="0" indent="0" algn="just" rtl="0">
               <a:lnSpc>
                 <a:spcPct val="115000"/>
               </a:lnSpc>
@@ -12101,12 +12172,12 @@
           </a:ln>
         </p:spPr>
         <p:txBody>
-          <a:bodyPr anchorCtr="0" anchor="t" bIns="91425" lIns="91425" spcFirstLastPara="1" rIns="91425" wrap="square" tIns="91425">
+          <a:bodyPr spcFirstLastPara="1" wrap="square" lIns="91425" tIns="91425" rIns="91425" bIns="91425" anchor="t" anchorCtr="0">
             <a:spAutoFit/>
           </a:bodyPr>
           <a:lstStyle/>
           <a:p>
-            <a:pPr indent="0" lvl="0" marL="0" rtl="0" algn="l">
+            <a:pPr marL="0" lvl="0" indent="0" algn="l" rtl="0">
               <a:spcBef>
                 <a:spcPts val="0"/>
               </a:spcBef>
@@ -12125,7 +12196,7 @@
               <a:t>ACCURACY: </a:t>
             </a:r>
             <a:r>
-              <a:rPr b="1" lang="zh-HK" sz="1100">
+              <a:rPr lang="zh-HK" sz="1100" b="1">
                 <a:latin typeface="Roboto"/>
                 <a:ea typeface="Roboto"/>
                 <a:cs typeface="Roboto"/>
@@ -12133,7 +12204,7 @@
               </a:rPr>
               <a:t>0.971</a:t>
             </a:r>
-            <a:endParaRPr b="1" sz="1100">
+            <a:endParaRPr sz="1100" b="1">
               <a:latin typeface="Roboto"/>
               <a:ea typeface="Roboto"/>
               <a:cs typeface="Roboto"/>
@@ -12162,12 +12233,12 @@
           </a:ln>
         </p:spPr>
         <p:txBody>
-          <a:bodyPr anchorCtr="0" anchor="t" bIns="91425" lIns="91425" spcFirstLastPara="1" rIns="91425" wrap="square" tIns="91425">
+          <a:bodyPr spcFirstLastPara="1" wrap="square" lIns="91425" tIns="91425" rIns="91425" bIns="91425" anchor="t" anchorCtr="0">
             <a:spAutoFit/>
           </a:bodyPr>
           <a:lstStyle/>
           <a:p>
-            <a:pPr indent="0" lvl="0" marL="0" rtl="0" algn="l">
+            <a:pPr marL="0" lvl="0" indent="0" algn="l" rtl="0">
               <a:spcBef>
                 <a:spcPts val="0"/>
               </a:spcBef>
@@ -12186,7 +12257,7 @@
               <a:t>ACCURACY: </a:t>
             </a:r>
             <a:r>
-              <a:rPr b="1" lang="zh-HK" sz="1100">
+              <a:rPr lang="zh-HK" sz="1100" b="1">
                 <a:latin typeface="Roboto"/>
                 <a:ea typeface="Roboto"/>
                 <a:cs typeface="Roboto"/>
@@ -12194,7 +12265,7 @@
               </a:rPr>
               <a:t>0.935</a:t>
             </a:r>
-            <a:endParaRPr b="1" sz="1100">
+            <a:endParaRPr sz="1100" b="1">
               <a:latin typeface="Roboto"/>
               <a:ea typeface="Roboto"/>
               <a:cs typeface="Roboto"/>
@@ -12212,7 +12283,7 @@
 </file>
 
 <file path=ppt/theme/theme1.xml><?xml version="1.0" encoding="utf-8"?>
-<a:theme xmlns:a="http://schemas.openxmlformats.org/drawingml/2006/main" xmlns:r="http://schemas.openxmlformats.org/officeDocument/2006/relationships" name="Material">
+<a:theme xmlns:a="http://schemas.openxmlformats.org/drawingml/2006/main" name="Material">
   <a:themeElements>
     <a:clrScheme name="Material">
       <a:dk1>
@@ -12487,11 +12558,13 @@
       </a:bgFillStyleLst>
     </a:fmtScheme>
   </a:themeElements>
+  <a:objectDefaults/>
+  <a:extraClrSchemeLst/>
 </a:theme>
 </file>
 
 <file path=ppt/theme/theme2.xml><?xml version="1.0" encoding="utf-8"?>
-<a:theme xmlns:a="http://schemas.openxmlformats.org/drawingml/2006/main" xmlns:r="http://schemas.openxmlformats.org/officeDocument/2006/relationships">
+<a:theme xmlns:a="http://schemas.openxmlformats.org/drawingml/2006/main">
   <a:themeElements>
     <a:clrScheme name="Default">
       <a:dk1>
@@ -12766,5 +12839,7 @@
       </a:bgFillStyleLst>
     </a:fmtScheme>
   </a:themeElements>
+  <a:objectDefaults/>
+  <a:extraClrSchemeLst/>
 </a:theme>
 </file>